--- a/docs/Princípios SOLID usando .NET Core e Visual Studio 2017.pptx
+++ b/docs/Princípios SOLID usando .NET Core e Visual Studio 2017.pptx
@@ -5,7 +5,7 @@
     <p:sldMasterId id="2147483648" r:id="rId1"/>
   </p:sldMasterIdLst>
   <p:notesMasterIdLst>
-    <p:notesMasterId r:id="rId19"/>
+    <p:notesMasterId r:id="rId25"/>
   </p:notesMasterIdLst>
   <p:sldIdLst>
     <p:sldId id="256" r:id="rId2"/>
@@ -17,14 +17,20 @@
     <p:sldId id="270" r:id="rId8"/>
     <p:sldId id="271" r:id="rId9"/>
     <p:sldId id="272" r:id="rId10"/>
-    <p:sldId id="268" r:id="rId11"/>
-    <p:sldId id="257" r:id="rId12"/>
-    <p:sldId id="259" r:id="rId13"/>
-    <p:sldId id="260" r:id="rId14"/>
-    <p:sldId id="261" r:id="rId15"/>
-    <p:sldId id="262" r:id="rId16"/>
-    <p:sldId id="263" r:id="rId17"/>
-    <p:sldId id="258" r:id="rId18"/>
+    <p:sldId id="273" r:id="rId11"/>
+    <p:sldId id="268" r:id="rId12"/>
+    <p:sldId id="257" r:id="rId13"/>
+    <p:sldId id="275" r:id="rId14"/>
+    <p:sldId id="259" r:id="rId15"/>
+    <p:sldId id="277" r:id="rId16"/>
+    <p:sldId id="276" r:id="rId17"/>
+    <p:sldId id="260" r:id="rId18"/>
+    <p:sldId id="278" r:id="rId19"/>
+    <p:sldId id="279" r:id="rId20"/>
+    <p:sldId id="261" r:id="rId21"/>
+    <p:sldId id="262" r:id="rId22"/>
+    <p:sldId id="263" r:id="rId23"/>
+    <p:sldId id="258" r:id="rId24"/>
   </p:sldIdLst>
   <p:sldSz cx="9144000" cy="6858000" type="screen4x3"/>
   <p:notesSz cx="6858000" cy="9144000"/>
@@ -124,6 +130,3616 @@
     </a:lvl9pPr>
   </p:defaultTextStyle>
 </p:presentation>
+</file>
+
+<file path=ppt/diagrams/colors1.xml><?xml version="1.0" encoding="utf-8"?>
+<dgm:colorsDef xmlns:dgm="http://schemas.openxmlformats.org/drawingml/2006/diagram" xmlns:a="http://schemas.openxmlformats.org/drawingml/2006/main" uniqueId="urn:microsoft.com/office/officeart/2005/8/colors/accent1_2">
+  <dgm:title val=""/>
+  <dgm:desc val=""/>
+  <dgm:catLst>
+    <dgm:cat type="accent1" pri="11200"/>
+  </dgm:catLst>
+  <dgm:styleLbl name="node0">
+    <dgm:fillClrLst meth="repeat">
+      <a:schemeClr val="accent1"/>
+    </dgm:fillClrLst>
+    <dgm:linClrLst meth="repeat">
+      <a:schemeClr val="lt1"/>
+    </dgm:linClrLst>
+    <dgm:effectClrLst/>
+    <dgm:txLinClrLst/>
+    <dgm:txFillClrLst/>
+    <dgm:txEffectClrLst/>
+  </dgm:styleLbl>
+  <dgm:styleLbl name="alignNode1">
+    <dgm:fillClrLst meth="repeat">
+      <a:schemeClr val="accent1"/>
+    </dgm:fillClrLst>
+    <dgm:linClrLst meth="repeat">
+      <a:schemeClr val="accent1"/>
+    </dgm:linClrLst>
+    <dgm:effectClrLst/>
+    <dgm:txLinClrLst/>
+    <dgm:txFillClrLst/>
+    <dgm:txEffectClrLst/>
+  </dgm:styleLbl>
+  <dgm:styleLbl name="node1">
+    <dgm:fillClrLst meth="repeat">
+      <a:schemeClr val="accent1"/>
+    </dgm:fillClrLst>
+    <dgm:linClrLst meth="repeat">
+      <a:schemeClr val="lt1"/>
+    </dgm:linClrLst>
+    <dgm:effectClrLst/>
+    <dgm:txLinClrLst/>
+    <dgm:txFillClrLst/>
+    <dgm:txEffectClrLst/>
+  </dgm:styleLbl>
+  <dgm:styleLbl name="lnNode1">
+    <dgm:fillClrLst meth="repeat">
+      <a:schemeClr val="accent1"/>
+    </dgm:fillClrLst>
+    <dgm:linClrLst meth="repeat">
+      <a:schemeClr val="lt1"/>
+    </dgm:linClrLst>
+    <dgm:effectClrLst/>
+    <dgm:txLinClrLst/>
+    <dgm:txFillClrLst/>
+    <dgm:txEffectClrLst/>
+  </dgm:styleLbl>
+  <dgm:styleLbl name="vennNode1">
+    <dgm:fillClrLst meth="repeat">
+      <a:schemeClr val="accent1">
+        <a:alpha val="50000"/>
+      </a:schemeClr>
+    </dgm:fillClrLst>
+    <dgm:linClrLst meth="repeat">
+      <a:schemeClr val="lt1"/>
+    </dgm:linClrLst>
+    <dgm:effectClrLst/>
+    <dgm:txLinClrLst/>
+    <dgm:txFillClrLst/>
+    <dgm:txEffectClrLst/>
+  </dgm:styleLbl>
+  <dgm:styleLbl name="node2">
+    <dgm:fillClrLst meth="repeat">
+      <a:schemeClr val="accent1"/>
+    </dgm:fillClrLst>
+    <dgm:linClrLst meth="repeat">
+      <a:schemeClr val="lt1"/>
+    </dgm:linClrLst>
+    <dgm:effectClrLst/>
+    <dgm:txLinClrLst/>
+    <dgm:txFillClrLst/>
+    <dgm:txEffectClrLst/>
+  </dgm:styleLbl>
+  <dgm:styleLbl name="node3">
+    <dgm:fillClrLst meth="repeat">
+      <a:schemeClr val="accent1"/>
+    </dgm:fillClrLst>
+    <dgm:linClrLst meth="repeat">
+      <a:schemeClr val="lt1"/>
+    </dgm:linClrLst>
+    <dgm:effectClrLst/>
+    <dgm:txLinClrLst/>
+    <dgm:txFillClrLst/>
+    <dgm:txEffectClrLst/>
+  </dgm:styleLbl>
+  <dgm:styleLbl name="node4">
+    <dgm:fillClrLst meth="repeat">
+      <a:schemeClr val="accent1"/>
+    </dgm:fillClrLst>
+    <dgm:linClrLst meth="repeat">
+      <a:schemeClr val="lt1"/>
+    </dgm:linClrLst>
+    <dgm:effectClrLst/>
+    <dgm:txLinClrLst/>
+    <dgm:txFillClrLst/>
+    <dgm:txEffectClrLst/>
+  </dgm:styleLbl>
+  <dgm:styleLbl name="fgImgPlace1">
+    <dgm:fillClrLst meth="repeat">
+      <a:schemeClr val="accent1">
+        <a:tint val="50000"/>
+      </a:schemeClr>
+    </dgm:fillClrLst>
+    <dgm:linClrLst meth="repeat">
+      <a:schemeClr val="lt1"/>
+    </dgm:linClrLst>
+    <dgm:effectClrLst/>
+    <dgm:txLinClrLst/>
+    <dgm:txFillClrLst meth="repeat">
+      <a:schemeClr val="lt1"/>
+    </dgm:txFillClrLst>
+    <dgm:txEffectClrLst/>
+  </dgm:styleLbl>
+  <dgm:styleLbl name="alignImgPlace1">
+    <dgm:fillClrLst meth="repeat">
+      <a:schemeClr val="accent1">
+        <a:tint val="50000"/>
+      </a:schemeClr>
+    </dgm:fillClrLst>
+    <dgm:linClrLst meth="repeat">
+      <a:schemeClr val="lt1"/>
+    </dgm:linClrLst>
+    <dgm:effectClrLst/>
+    <dgm:txLinClrLst/>
+    <dgm:txFillClrLst meth="repeat">
+      <a:schemeClr val="lt1"/>
+    </dgm:txFillClrLst>
+    <dgm:txEffectClrLst/>
+  </dgm:styleLbl>
+  <dgm:styleLbl name="bgImgPlace1">
+    <dgm:fillClrLst meth="repeat">
+      <a:schemeClr val="accent1">
+        <a:tint val="50000"/>
+      </a:schemeClr>
+    </dgm:fillClrLst>
+    <dgm:linClrLst meth="repeat">
+      <a:schemeClr val="lt1"/>
+    </dgm:linClrLst>
+    <dgm:effectClrLst/>
+    <dgm:txLinClrLst/>
+    <dgm:txFillClrLst meth="repeat">
+      <a:schemeClr val="lt1"/>
+    </dgm:txFillClrLst>
+    <dgm:txEffectClrLst/>
+  </dgm:styleLbl>
+  <dgm:styleLbl name="sibTrans2D1">
+    <dgm:fillClrLst meth="repeat">
+      <a:schemeClr val="accent1">
+        <a:tint val="60000"/>
+      </a:schemeClr>
+    </dgm:fillClrLst>
+    <dgm:linClrLst meth="repeat">
+      <a:schemeClr val="accent1">
+        <a:tint val="60000"/>
+      </a:schemeClr>
+    </dgm:linClrLst>
+    <dgm:effectClrLst/>
+    <dgm:txLinClrLst/>
+    <dgm:txFillClrLst/>
+    <dgm:txEffectClrLst/>
+  </dgm:styleLbl>
+  <dgm:styleLbl name="fgSibTrans2D1">
+    <dgm:fillClrLst meth="repeat">
+      <a:schemeClr val="accent1">
+        <a:tint val="60000"/>
+      </a:schemeClr>
+    </dgm:fillClrLst>
+    <dgm:linClrLst meth="repeat">
+      <a:schemeClr val="accent1">
+        <a:tint val="60000"/>
+      </a:schemeClr>
+    </dgm:linClrLst>
+    <dgm:effectClrLst/>
+    <dgm:txLinClrLst/>
+    <dgm:txFillClrLst/>
+    <dgm:txEffectClrLst/>
+  </dgm:styleLbl>
+  <dgm:styleLbl name="bgSibTrans2D1">
+    <dgm:fillClrLst meth="repeat">
+      <a:schemeClr val="accent1">
+        <a:tint val="60000"/>
+      </a:schemeClr>
+    </dgm:fillClrLst>
+    <dgm:linClrLst meth="repeat">
+      <a:schemeClr val="accent1">
+        <a:tint val="60000"/>
+      </a:schemeClr>
+    </dgm:linClrLst>
+    <dgm:effectClrLst/>
+    <dgm:txLinClrLst/>
+    <dgm:txFillClrLst/>
+    <dgm:txEffectClrLst/>
+  </dgm:styleLbl>
+  <dgm:styleLbl name="sibTrans1D1">
+    <dgm:fillClrLst meth="repeat">
+      <a:schemeClr val="accent1"/>
+    </dgm:fillClrLst>
+    <dgm:linClrLst meth="repeat">
+      <a:schemeClr val="accent1"/>
+    </dgm:linClrLst>
+    <dgm:effectClrLst/>
+    <dgm:txLinClrLst/>
+    <dgm:txFillClrLst meth="repeat">
+      <a:schemeClr val="tx1"/>
+    </dgm:txFillClrLst>
+    <dgm:txEffectClrLst/>
+  </dgm:styleLbl>
+  <dgm:styleLbl name="callout">
+    <dgm:fillClrLst meth="repeat">
+      <a:schemeClr val="accent1"/>
+    </dgm:fillClrLst>
+    <dgm:linClrLst meth="repeat">
+      <a:schemeClr val="accent1">
+        <a:tint val="50000"/>
+      </a:schemeClr>
+    </dgm:linClrLst>
+    <dgm:effectClrLst/>
+    <dgm:txLinClrLst/>
+    <dgm:txFillClrLst meth="repeat">
+      <a:schemeClr val="tx1"/>
+    </dgm:txFillClrLst>
+    <dgm:txEffectClrLst/>
+  </dgm:styleLbl>
+  <dgm:styleLbl name="asst0">
+    <dgm:fillClrLst meth="repeat">
+      <a:schemeClr val="accent1"/>
+    </dgm:fillClrLst>
+    <dgm:linClrLst meth="repeat">
+      <a:schemeClr val="lt1"/>
+    </dgm:linClrLst>
+    <dgm:effectClrLst/>
+    <dgm:txLinClrLst/>
+    <dgm:txFillClrLst/>
+    <dgm:txEffectClrLst/>
+  </dgm:styleLbl>
+  <dgm:styleLbl name="asst1">
+    <dgm:fillClrLst meth="repeat">
+      <a:schemeClr val="accent1"/>
+    </dgm:fillClrLst>
+    <dgm:linClrLst meth="repeat">
+      <a:schemeClr val="lt1"/>
+    </dgm:linClrLst>
+    <dgm:effectClrLst/>
+    <dgm:txLinClrLst/>
+    <dgm:txFillClrLst/>
+    <dgm:txEffectClrLst/>
+  </dgm:styleLbl>
+  <dgm:styleLbl name="asst2">
+    <dgm:fillClrLst meth="repeat">
+      <a:schemeClr val="accent1"/>
+    </dgm:fillClrLst>
+    <dgm:linClrLst meth="repeat">
+      <a:schemeClr val="lt1"/>
+    </dgm:linClrLst>
+    <dgm:effectClrLst/>
+    <dgm:txLinClrLst/>
+    <dgm:txFillClrLst/>
+    <dgm:txEffectClrLst/>
+  </dgm:styleLbl>
+  <dgm:styleLbl name="asst3">
+    <dgm:fillClrLst meth="repeat">
+      <a:schemeClr val="accent1"/>
+    </dgm:fillClrLst>
+    <dgm:linClrLst meth="repeat">
+      <a:schemeClr val="lt1"/>
+    </dgm:linClrLst>
+    <dgm:effectClrLst/>
+    <dgm:txLinClrLst/>
+    <dgm:txFillClrLst/>
+    <dgm:txEffectClrLst/>
+  </dgm:styleLbl>
+  <dgm:styleLbl name="asst4">
+    <dgm:fillClrLst meth="repeat">
+      <a:schemeClr val="accent1"/>
+    </dgm:fillClrLst>
+    <dgm:linClrLst meth="repeat">
+      <a:schemeClr val="lt1"/>
+    </dgm:linClrLst>
+    <dgm:effectClrLst/>
+    <dgm:txLinClrLst/>
+    <dgm:txFillClrLst/>
+    <dgm:txEffectClrLst/>
+  </dgm:styleLbl>
+  <dgm:styleLbl name="parChTrans2D1">
+    <dgm:fillClrLst meth="repeat">
+      <a:schemeClr val="accent1">
+        <a:tint val="60000"/>
+      </a:schemeClr>
+    </dgm:fillClrLst>
+    <dgm:linClrLst meth="repeat">
+      <a:schemeClr val="accent1">
+        <a:tint val="60000"/>
+      </a:schemeClr>
+    </dgm:linClrLst>
+    <dgm:effectClrLst/>
+    <dgm:txLinClrLst/>
+    <dgm:txFillClrLst meth="repeat">
+      <a:schemeClr val="lt1"/>
+    </dgm:txFillClrLst>
+    <dgm:txEffectClrLst/>
+  </dgm:styleLbl>
+  <dgm:styleLbl name="parChTrans2D2">
+    <dgm:fillClrLst meth="repeat">
+      <a:schemeClr val="accent1"/>
+    </dgm:fillClrLst>
+    <dgm:linClrLst meth="repeat">
+      <a:schemeClr val="accent1"/>
+    </dgm:linClrLst>
+    <dgm:effectClrLst/>
+    <dgm:txLinClrLst/>
+    <dgm:txFillClrLst meth="repeat">
+      <a:schemeClr val="lt1"/>
+    </dgm:txFillClrLst>
+    <dgm:txEffectClrLst/>
+  </dgm:styleLbl>
+  <dgm:styleLbl name="parChTrans2D3">
+    <dgm:fillClrLst meth="repeat">
+      <a:schemeClr val="accent1"/>
+    </dgm:fillClrLst>
+    <dgm:linClrLst meth="repeat">
+      <a:schemeClr val="accent1"/>
+    </dgm:linClrLst>
+    <dgm:effectClrLst/>
+    <dgm:txLinClrLst/>
+    <dgm:txFillClrLst meth="repeat">
+      <a:schemeClr val="lt1"/>
+    </dgm:txFillClrLst>
+    <dgm:txEffectClrLst/>
+  </dgm:styleLbl>
+  <dgm:styleLbl name="parChTrans2D4">
+    <dgm:fillClrLst meth="repeat">
+      <a:schemeClr val="accent1"/>
+    </dgm:fillClrLst>
+    <dgm:linClrLst meth="repeat">
+      <a:schemeClr val="accent1"/>
+    </dgm:linClrLst>
+    <dgm:effectClrLst/>
+    <dgm:txLinClrLst/>
+    <dgm:txFillClrLst meth="repeat">
+      <a:schemeClr val="lt1"/>
+    </dgm:txFillClrLst>
+    <dgm:txEffectClrLst/>
+  </dgm:styleLbl>
+  <dgm:styleLbl name="parChTrans1D1">
+    <dgm:fillClrLst meth="repeat">
+      <a:schemeClr val="accent1"/>
+    </dgm:fillClrLst>
+    <dgm:linClrLst meth="repeat">
+      <a:schemeClr val="accent1">
+        <a:shade val="60000"/>
+      </a:schemeClr>
+    </dgm:linClrLst>
+    <dgm:effectClrLst/>
+    <dgm:txLinClrLst/>
+    <dgm:txFillClrLst meth="repeat">
+      <a:schemeClr val="tx1"/>
+    </dgm:txFillClrLst>
+    <dgm:txEffectClrLst/>
+  </dgm:styleLbl>
+  <dgm:styleLbl name="parChTrans1D2">
+    <dgm:fillClrLst meth="repeat">
+      <a:schemeClr val="accent1"/>
+    </dgm:fillClrLst>
+    <dgm:linClrLst meth="repeat">
+      <a:schemeClr val="accent1">
+        <a:shade val="60000"/>
+      </a:schemeClr>
+    </dgm:linClrLst>
+    <dgm:effectClrLst/>
+    <dgm:txLinClrLst/>
+    <dgm:txFillClrLst meth="repeat">
+      <a:schemeClr val="tx1"/>
+    </dgm:txFillClrLst>
+    <dgm:txEffectClrLst/>
+  </dgm:styleLbl>
+  <dgm:styleLbl name="parChTrans1D3">
+    <dgm:fillClrLst meth="repeat">
+      <a:schemeClr val="accent1"/>
+    </dgm:fillClrLst>
+    <dgm:linClrLst meth="repeat">
+      <a:schemeClr val="accent1">
+        <a:shade val="80000"/>
+      </a:schemeClr>
+    </dgm:linClrLst>
+    <dgm:effectClrLst/>
+    <dgm:txLinClrLst/>
+    <dgm:txFillClrLst meth="repeat">
+      <a:schemeClr val="tx1"/>
+    </dgm:txFillClrLst>
+    <dgm:txEffectClrLst/>
+  </dgm:styleLbl>
+  <dgm:styleLbl name="parChTrans1D4">
+    <dgm:fillClrLst meth="repeat">
+      <a:schemeClr val="accent1"/>
+    </dgm:fillClrLst>
+    <dgm:linClrLst meth="repeat">
+      <a:schemeClr val="accent1">
+        <a:shade val="80000"/>
+      </a:schemeClr>
+    </dgm:linClrLst>
+    <dgm:effectClrLst/>
+    <dgm:txLinClrLst/>
+    <dgm:txFillClrLst meth="repeat">
+      <a:schemeClr val="tx1"/>
+    </dgm:txFillClrLst>
+    <dgm:txEffectClrLst/>
+  </dgm:styleLbl>
+  <dgm:styleLbl name="fgAcc1">
+    <dgm:fillClrLst meth="repeat">
+      <a:schemeClr val="lt1">
+        <a:alpha val="90000"/>
+      </a:schemeClr>
+    </dgm:fillClrLst>
+    <dgm:linClrLst meth="repeat">
+      <a:schemeClr val="accent1"/>
+    </dgm:linClrLst>
+    <dgm:effectClrLst/>
+    <dgm:txLinClrLst/>
+    <dgm:txFillClrLst meth="repeat">
+      <a:schemeClr val="dk1"/>
+    </dgm:txFillClrLst>
+    <dgm:txEffectClrLst/>
+  </dgm:styleLbl>
+  <dgm:styleLbl name="conFgAcc1">
+    <dgm:fillClrLst meth="repeat">
+      <a:schemeClr val="lt1">
+        <a:alpha val="90000"/>
+      </a:schemeClr>
+    </dgm:fillClrLst>
+    <dgm:linClrLst meth="repeat">
+      <a:schemeClr val="accent1"/>
+    </dgm:linClrLst>
+    <dgm:effectClrLst/>
+    <dgm:txLinClrLst/>
+    <dgm:txFillClrLst meth="repeat">
+      <a:schemeClr val="dk1"/>
+    </dgm:txFillClrLst>
+    <dgm:txEffectClrLst/>
+  </dgm:styleLbl>
+  <dgm:styleLbl name="alignAcc1">
+    <dgm:fillClrLst meth="repeat">
+      <a:schemeClr val="lt1">
+        <a:alpha val="90000"/>
+      </a:schemeClr>
+    </dgm:fillClrLst>
+    <dgm:linClrLst meth="repeat">
+      <a:schemeClr val="accent1"/>
+    </dgm:linClrLst>
+    <dgm:effectClrLst/>
+    <dgm:txLinClrLst/>
+    <dgm:txFillClrLst meth="repeat">
+      <a:schemeClr val="dk1"/>
+    </dgm:txFillClrLst>
+    <dgm:txEffectClrLst/>
+  </dgm:styleLbl>
+  <dgm:styleLbl name="trAlignAcc1">
+    <dgm:fillClrLst meth="repeat">
+      <a:schemeClr val="lt1">
+        <a:alpha val="40000"/>
+      </a:schemeClr>
+    </dgm:fillClrLst>
+    <dgm:linClrLst meth="repeat">
+      <a:schemeClr val="accent1"/>
+    </dgm:linClrLst>
+    <dgm:effectClrLst/>
+    <dgm:txLinClrLst/>
+    <dgm:txFillClrLst meth="repeat">
+      <a:schemeClr val="dk1"/>
+    </dgm:txFillClrLst>
+    <dgm:txEffectClrLst/>
+  </dgm:styleLbl>
+  <dgm:styleLbl name="bgAcc1">
+    <dgm:fillClrLst meth="repeat">
+      <a:schemeClr val="lt1">
+        <a:alpha val="90000"/>
+      </a:schemeClr>
+    </dgm:fillClrLst>
+    <dgm:linClrLst meth="repeat">
+      <a:schemeClr val="accent1"/>
+    </dgm:linClrLst>
+    <dgm:effectClrLst/>
+    <dgm:txLinClrLst/>
+    <dgm:txFillClrLst meth="repeat">
+      <a:schemeClr val="dk1"/>
+    </dgm:txFillClrLst>
+    <dgm:txEffectClrLst/>
+  </dgm:styleLbl>
+  <dgm:styleLbl name="solidFgAcc1">
+    <dgm:fillClrLst meth="repeat">
+      <a:schemeClr val="lt1"/>
+    </dgm:fillClrLst>
+    <dgm:linClrLst meth="repeat">
+      <a:schemeClr val="accent1"/>
+    </dgm:linClrLst>
+    <dgm:effectClrLst/>
+    <dgm:txLinClrLst/>
+    <dgm:txFillClrLst meth="repeat">
+      <a:schemeClr val="dk1"/>
+    </dgm:txFillClrLst>
+    <dgm:txEffectClrLst/>
+  </dgm:styleLbl>
+  <dgm:styleLbl name="solidAlignAcc1">
+    <dgm:fillClrLst meth="repeat">
+      <a:schemeClr val="lt1"/>
+    </dgm:fillClrLst>
+    <dgm:linClrLst meth="repeat">
+      <a:schemeClr val="accent1"/>
+    </dgm:linClrLst>
+    <dgm:effectClrLst/>
+    <dgm:txLinClrLst/>
+    <dgm:txFillClrLst meth="repeat">
+      <a:schemeClr val="dk1"/>
+    </dgm:txFillClrLst>
+    <dgm:txEffectClrLst/>
+  </dgm:styleLbl>
+  <dgm:styleLbl name="solidBgAcc1">
+    <dgm:fillClrLst meth="repeat">
+      <a:schemeClr val="lt1"/>
+    </dgm:fillClrLst>
+    <dgm:linClrLst meth="repeat">
+      <a:schemeClr val="accent1"/>
+    </dgm:linClrLst>
+    <dgm:effectClrLst/>
+    <dgm:txLinClrLst/>
+    <dgm:txFillClrLst meth="repeat">
+      <a:schemeClr val="dk1"/>
+    </dgm:txFillClrLst>
+    <dgm:txEffectClrLst/>
+  </dgm:styleLbl>
+  <dgm:styleLbl name="fgAccFollowNode1">
+    <dgm:fillClrLst meth="repeat">
+      <a:schemeClr val="accent1">
+        <a:alpha val="90000"/>
+        <a:tint val="40000"/>
+      </a:schemeClr>
+    </dgm:fillClrLst>
+    <dgm:linClrLst meth="repeat">
+      <a:schemeClr val="accent1">
+        <a:alpha val="90000"/>
+        <a:tint val="40000"/>
+      </a:schemeClr>
+    </dgm:linClrLst>
+    <dgm:effectClrLst/>
+    <dgm:txLinClrLst/>
+    <dgm:txFillClrLst meth="repeat">
+      <a:schemeClr val="dk1"/>
+    </dgm:txFillClrLst>
+    <dgm:txEffectClrLst/>
+  </dgm:styleLbl>
+  <dgm:styleLbl name="alignAccFollowNode1">
+    <dgm:fillClrLst meth="repeat">
+      <a:schemeClr val="accent1">
+        <a:alpha val="90000"/>
+        <a:tint val="40000"/>
+      </a:schemeClr>
+    </dgm:fillClrLst>
+    <dgm:linClrLst meth="repeat">
+      <a:schemeClr val="accent1">
+        <a:alpha val="90000"/>
+        <a:tint val="40000"/>
+      </a:schemeClr>
+    </dgm:linClrLst>
+    <dgm:effectClrLst/>
+    <dgm:txLinClrLst/>
+    <dgm:txFillClrLst meth="repeat">
+      <a:schemeClr val="dk1"/>
+    </dgm:txFillClrLst>
+    <dgm:txEffectClrLst/>
+  </dgm:styleLbl>
+  <dgm:styleLbl name="bgAccFollowNode1">
+    <dgm:fillClrLst meth="repeat">
+      <a:schemeClr val="accent1">
+        <a:alpha val="90000"/>
+        <a:tint val="40000"/>
+      </a:schemeClr>
+    </dgm:fillClrLst>
+    <dgm:linClrLst meth="repeat">
+      <a:schemeClr val="accent1">
+        <a:alpha val="90000"/>
+        <a:tint val="40000"/>
+      </a:schemeClr>
+    </dgm:linClrLst>
+    <dgm:effectClrLst/>
+    <dgm:txLinClrLst/>
+    <dgm:txFillClrLst meth="repeat">
+      <a:schemeClr val="dk1"/>
+    </dgm:txFillClrLst>
+    <dgm:txEffectClrLst/>
+  </dgm:styleLbl>
+  <dgm:styleLbl name="fgAcc0">
+    <dgm:fillClrLst meth="repeat">
+      <a:schemeClr val="lt1">
+        <a:alpha val="90000"/>
+      </a:schemeClr>
+    </dgm:fillClrLst>
+    <dgm:linClrLst meth="repeat">
+      <a:schemeClr val="accent1"/>
+    </dgm:linClrLst>
+    <dgm:effectClrLst/>
+    <dgm:txLinClrLst/>
+    <dgm:txFillClrLst meth="repeat">
+      <a:schemeClr val="dk1"/>
+    </dgm:txFillClrLst>
+    <dgm:txEffectClrLst/>
+  </dgm:styleLbl>
+  <dgm:styleLbl name="fgAcc2">
+    <dgm:fillClrLst meth="repeat">
+      <a:schemeClr val="lt1">
+        <a:alpha val="90000"/>
+      </a:schemeClr>
+    </dgm:fillClrLst>
+    <dgm:linClrLst meth="repeat">
+      <a:schemeClr val="accent1"/>
+    </dgm:linClrLst>
+    <dgm:effectClrLst/>
+    <dgm:txLinClrLst/>
+    <dgm:txFillClrLst meth="repeat">
+      <a:schemeClr val="dk1"/>
+    </dgm:txFillClrLst>
+    <dgm:txEffectClrLst/>
+  </dgm:styleLbl>
+  <dgm:styleLbl name="fgAcc3">
+    <dgm:fillClrLst meth="repeat">
+      <a:schemeClr val="lt1">
+        <a:alpha val="90000"/>
+      </a:schemeClr>
+    </dgm:fillClrLst>
+    <dgm:linClrLst meth="repeat">
+      <a:schemeClr val="accent1"/>
+    </dgm:linClrLst>
+    <dgm:effectClrLst/>
+    <dgm:txLinClrLst/>
+    <dgm:txFillClrLst meth="repeat">
+      <a:schemeClr val="dk1"/>
+    </dgm:txFillClrLst>
+    <dgm:txEffectClrLst/>
+  </dgm:styleLbl>
+  <dgm:styleLbl name="fgAcc4">
+    <dgm:fillClrLst meth="repeat">
+      <a:schemeClr val="lt1">
+        <a:alpha val="90000"/>
+      </a:schemeClr>
+    </dgm:fillClrLst>
+    <dgm:linClrLst meth="repeat">
+      <a:schemeClr val="accent1"/>
+    </dgm:linClrLst>
+    <dgm:effectClrLst/>
+    <dgm:txLinClrLst/>
+    <dgm:txFillClrLst meth="repeat">
+      <a:schemeClr val="dk1"/>
+    </dgm:txFillClrLst>
+    <dgm:txEffectClrLst/>
+  </dgm:styleLbl>
+  <dgm:styleLbl name="bgShp">
+    <dgm:fillClrLst meth="repeat">
+      <a:schemeClr val="accent1">
+        <a:tint val="40000"/>
+      </a:schemeClr>
+    </dgm:fillClrLst>
+    <dgm:linClrLst meth="repeat">
+      <a:schemeClr val="accent1"/>
+    </dgm:linClrLst>
+    <dgm:effectClrLst/>
+    <dgm:txLinClrLst/>
+    <dgm:txFillClrLst meth="repeat">
+      <a:schemeClr val="dk1"/>
+    </dgm:txFillClrLst>
+    <dgm:txEffectClrLst/>
+  </dgm:styleLbl>
+  <dgm:styleLbl name="dkBgShp">
+    <dgm:fillClrLst meth="repeat">
+      <a:schemeClr val="accent1">
+        <a:shade val="80000"/>
+      </a:schemeClr>
+    </dgm:fillClrLst>
+    <dgm:linClrLst meth="repeat">
+      <a:schemeClr val="accent1"/>
+    </dgm:linClrLst>
+    <dgm:effectClrLst/>
+    <dgm:txLinClrLst/>
+    <dgm:txFillClrLst meth="repeat">
+      <a:schemeClr val="lt1"/>
+    </dgm:txFillClrLst>
+    <dgm:txEffectClrLst/>
+  </dgm:styleLbl>
+  <dgm:styleLbl name="trBgShp">
+    <dgm:fillClrLst meth="repeat">
+      <a:schemeClr val="accent1">
+        <a:tint val="50000"/>
+        <a:alpha val="40000"/>
+      </a:schemeClr>
+    </dgm:fillClrLst>
+    <dgm:linClrLst meth="repeat">
+      <a:schemeClr val="accent1"/>
+    </dgm:linClrLst>
+    <dgm:effectClrLst/>
+    <dgm:txLinClrLst/>
+    <dgm:txFillClrLst meth="repeat">
+      <a:schemeClr val="lt1"/>
+    </dgm:txFillClrLst>
+    <dgm:txEffectClrLst/>
+  </dgm:styleLbl>
+  <dgm:styleLbl name="fgShp">
+    <dgm:fillClrLst meth="repeat">
+      <a:schemeClr val="accent1">
+        <a:tint val="60000"/>
+      </a:schemeClr>
+    </dgm:fillClrLst>
+    <dgm:linClrLst meth="repeat">
+      <a:schemeClr val="lt1"/>
+    </dgm:linClrLst>
+    <dgm:effectClrLst/>
+    <dgm:txLinClrLst/>
+    <dgm:txFillClrLst meth="repeat">
+      <a:schemeClr val="dk1"/>
+    </dgm:txFillClrLst>
+    <dgm:txEffectClrLst/>
+  </dgm:styleLbl>
+  <dgm:styleLbl name="revTx">
+    <dgm:fillClrLst meth="repeat">
+      <a:schemeClr val="lt1">
+        <a:alpha val="0"/>
+      </a:schemeClr>
+    </dgm:fillClrLst>
+    <dgm:linClrLst meth="repeat">
+      <a:schemeClr val="dk1">
+        <a:alpha val="0"/>
+      </a:schemeClr>
+    </dgm:linClrLst>
+    <dgm:effectClrLst/>
+    <dgm:txLinClrLst/>
+    <dgm:txFillClrLst meth="repeat">
+      <a:schemeClr val="tx1"/>
+    </dgm:txFillClrLst>
+    <dgm:txEffectClrLst/>
+  </dgm:styleLbl>
+</dgm:colorsDef>
+</file>
+
+<file path=ppt/diagrams/data1.xml><?xml version="1.0" encoding="utf-8"?>
+<dgm:dataModel xmlns:dgm="http://schemas.openxmlformats.org/drawingml/2006/diagram" xmlns:a="http://schemas.openxmlformats.org/drawingml/2006/main">
+  <dgm:ptLst>
+    <dgm:pt modelId="{BB477973-0937-47DF-8EDD-96E169A6A5C1}" type="doc">
+      <dgm:prSet loTypeId="urn:microsoft.com/office/officeart/2005/8/layout/vList5" loCatId="list" qsTypeId="urn:microsoft.com/office/officeart/2005/8/quickstyle/simple1" qsCatId="simple" csTypeId="urn:microsoft.com/office/officeart/2005/8/colors/accent1_2" csCatId="accent1" phldr="1"/>
+      <dgm:spPr/>
+      <dgm:t>
+        <a:bodyPr/>
+        <a:lstStyle/>
+        <a:p>
+          <a:endParaRPr lang="pt-BR"/>
+        </a:p>
+      </dgm:t>
+    </dgm:pt>
+    <dgm:pt modelId="{F2818545-3E70-404F-9F1C-712B6D89254E}">
+      <dgm:prSet phldrT="[Texto]"/>
+      <dgm:spPr/>
+      <dgm:t>
+        <a:bodyPr/>
+        <a:lstStyle/>
+        <a:p>
+          <a:r>
+            <a:rPr lang="pt-BR" dirty="0" smtClean="0"/>
+            <a:t>S</a:t>
+          </a:r>
+          <a:endParaRPr lang="pt-BR" dirty="0"/>
+        </a:p>
+      </dgm:t>
+    </dgm:pt>
+    <dgm:pt modelId="{090C501D-9D0B-4766-A1CC-7D8C8A82B914}" type="parTrans" cxnId="{1DA70105-B7A9-4F0E-9C87-C6379907B306}">
+      <dgm:prSet/>
+      <dgm:spPr/>
+      <dgm:t>
+        <a:bodyPr/>
+        <a:lstStyle/>
+        <a:p>
+          <a:endParaRPr lang="pt-BR"/>
+        </a:p>
+      </dgm:t>
+    </dgm:pt>
+    <dgm:pt modelId="{7B7F10C7-3CA7-489C-AC9F-47B46F67A191}" type="sibTrans" cxnId="{1DA70105-B7A9-4F0E-9C87-C6379907B306}">
+      <dgm:prSet/>
+      <dgm:spPr/>
+      <dgm:t>
+        <a:bodyPr/>
+        <a:lstStyle/>
+        <a:p>
+          <a:endParaRPr lang="pt-BR"/>
+        </a:p>
+      </dgm:t>
+    </dgm:pt>
+    <dgm:pt modelId="{FA9BB277-35B6-4F3D-AD5E-A10A1D0B65A5}">
+      <dgm:prSet phldrT="[Texto]"/>
+      <dgm:spPr/>
+      <dgm:t>
+        <a:bodyPr/>
+        <a:lstStyle/>
+        <a:p>
+          <a:r>
+            <a:rPr lang="pt-BR" dirty="0" smtClean="0"/>
+            <a:t>O</a:t>
+          </a:r>
+          <a:endParaRPr lang="pt-BR" dirty="0"/>
+        </a:p>
+      </dgm:t>
+    </dgm:pt>
+    <dgm:pt modelId="{C6F2A7B5-D1FC-4712-A40C-E1E05D4D1411}" type="parTrans" cxnId="{3E392801-1019-4F6E-87B3-CD28B33D268A}">
+      <dgm:prSet/>
+      <dgm:spPr/>
+      <dgm:t>
+        <a:bodyPr/>
+        <a:lstStyle/>
+        <a:p>
+          <a:endParaRPr lang="pt-BR"/>
+        </a:p>
+      </dgm:t>
+    </dgm:pt>
+    <dgm:pt modelId="{DC5176D2-1926-4CF5-A1BF-250C89F0A699}" type="sibTrans" cxnId="{3E392801-1019-4F6E-87B3-CD28B33D268A}">
+      <dgm:prSet/>
+      <dgm:spPr/>
+      <dgm:t>
+        <a:bodyPr/>
+        <a:lstStyle/>
+        <a:p>
+          <a:endParaRPr lang="pt-BR"/>
+        </a:p>
+      </dgm:t>
+    </dgm:pt>
+    <dgm:pt modelId="{72173866-4332-430D-ACE5-B4BC2A8E12E6}">
+      <dgm:prSet phldrT="[Texto]"/>
+      <dgm:spPr/>
+      <dgm:t>
+        <a:bodyPr/>
+        <a:lstStyle/>
+        <a:p>
+          <a:r>
+            <a:rPr lang="pt-BR" dirty="0" smtClean="0">
+              <a:effectLst/>
+            </a:rPr>
+            <a:t>Open </a:t>
+          </a:r>
+          <a:r>
+            <a:rPr lang="pt-BR" dirty="0" err="1" smtClean="0">
+              <a:effectLst/>
+            </a:rPr>
+            <a:t>Closed</a:t>
+          </a:r>
+          <a:r>
+            <a:rPr lang="pt-BR" dirty="0" smtClean="0">
+              <a:effectLst/>
+            </a:rPr>
+            <a:t> </a:t>
+          </a:r>
+          <a:r>
+            <a:rPr lang="pt-BR" dirty="0" err="1" smtClean="0">
+              <a:effectLst/>
+            </a:rPr>
+            <a:t>Principle</a:t>
+          </a:r>
+          <a:endParaRPr lang="pt-BR" dirty="0"/>
+        </a:p>
+      </dgm:t>
+    </dgm:pt>
+    <dgm:pt modelId="{157754AD-EF8B-40F5-A59C-33EE964F7358}" type="parTrans" cxnId="{3264B6E2-4E97-4AB5-A926-DAC175CEFA21}">
+      <dgm:prSet/>
+      <dgm:spPr/>
+      <dgm:t>
+        <a:bodyPr/>
+        <a:lstStyle/>
+        <a:p>
+          <a:endParaRPr lang="pt-BR"/>
+        </a:p>
+      </dgm:t>
+    </dgm:pt>
+    <dgm:pt modelId="{2E5F3141-A2F2-4CE4-A11D-54826CAD6D14}" type="sibTrans" cxnId="{3264B6E2-4E97-4AB5-A926-DAC175CEFA21}">
+      <dgm:prSet/>
+      <dgm:spPr/>
+      <dgm:t>
+        <a:bodyPr/>
+        <a:lstStyle/>
+        <a:p>
+          <a:endParaRPr lang="pt-BR"/>
+        </a:p>
+      </dgm:t>
+    </dgm:pt>
+    <dgm:pt modelId="{8D4D7766-B70D-4A37-9C61-EAC14F83549D}">
+      <dgm:prSet phldrT="[Texto]"/>
+      <dgm:spPr/>
+      <dgm:t>
+        <a:bodyPr/>
+        <a:lstStyle/>
+        <a:p>
+          <a:r>
+            <a:rPr lang="pt-BR" dirty="0" smtClean="0"/>
+            <a:t>L</a:t>
+          </a:r>
+          <a:endParaRPr lang="pt-BR" dirty="0"/>
+        </a:p>
+      </dgm:t>
+    </dgm:pt>
+    <dgm:pt modelId="{37FCED5B-8EE4-4D43-A8EC-B86BACC650B2}" type="parTrans" cxnId="{A868CD52-2CFE-42A8-8675-A21C7FF4EE37}">
+      <dgm:prSet/>
+      <dgm:spPr/>
+      <dgm:t>
+        <a:bodyPr/>
+        <a:lstStyle/>
+        <a:p>
+          <a:endParaRPr lang="pt-BR"/>
+        </a:p>
+      </dgm:t>
+    </dgm:pt>
+    <dgm:pt modelId="{DDD25427-A8E4-4839-BA35-70508E24C142}" type="sibTrans" cxnId="{A868CD52-2CFE-42A8-8675-A21C7FF4EE37}">
+      <dgm:prSet/>
+      <dgm:spPr/>
+      <dgm:t>
+        <a:bodyPr/>
+        <a:lstStyle/>
+        <a:p>
+          <a:endParaRPr lang="pt-BR"/>
+        </a:p>
+      </dgm:t>
+    </dgm:pt>
+    <dgm:pt modelId="{D1FB5509-B1AC-4088-838F-86255B02949F}">
+      <dgm:prSet phldrT="[Texto]"/>
+      <dgm:spPr/>
+      <dgm:t>
+        <a:bodyPr/>
+        <a:lstStyle/>
+        <a:p>
+          <a:r>
+            <a:rPr lang="pt-BR" dirty="0" err="1" smtClean="0">
+              <a:effectLst/>
+            </a:rPr>
+            <a:t>Liskov</a:t>
+          </a:r>
+          <a:r>
+            <a:rPr lang="pt-BR" dirty="0" smtClean="0">
+              <a:effectLst/>
+            </a:rPr>
+            <a:t> </a:t>
+          </a:r>
+          <a:r>
+            <a:rPr lang="pt-BR" dirty="0" err="1" smtClean="0">
+              <a:effectLst/>
+            </a:rPr>
+            <a:t>Substitution</a:t>
+          </a:r>
+          <a:r>
+            <a:rPr lang="pt-BR" dirty="0" smtClean="0">
+              <a:effectLst/>
+            </a:rPr>
+            <a:t> </a:t>
+          </a:r>
+          <a:r>
+            <a:rPr lang="pt-BR" dirty="0" err="1" smtClean="0">
+              <a:effectLst/>
+            </a:rPr>
+            <a:t>Principle</a:t>
+          </a:r>
+          <a:endParaRPr lang="pt-BR" dirty="0"/>
+        </a:p>
+      </dgm:t>
+    </dgm:pt>
+    <dgm:pt modelId="{A8359E39-36AF-4F17-A69D-F5AC55264185}" type="parTrans" cxnId="{3100639B-2E7B-4F41-ADA9-AA2CCA96C8AA}">
+      <dgm:prSet/>
+      <dgm:spPr/>
+      <dgm:t>
+        <a:bodyPr/>
+        <a:lstStyle/>
+        <a:p>
+          <a:endParaRPr lang="pt-BR"/>
+        </a:p>
+      </dgm:t>
+    </dgm:pt>
+    <dgm:pt modelId="{0BF8469F-58DB-46B7-AF58-8103E8413641}" type="sibTrans" cxnId="{3100639B-2E7B-4F41-ADA9-AA2CCA96C8AA}">
+      <dgm:prSet/>
+      <dgm:spPr/>
+      <dgm:t>
+        <a:bodyPr/>
+        <a:lstStyle/>
+        <a:p>
+          <a:endParaRPr lang="pt-BR"/>
+        </a:p>
+      </dgm:t>
+    </dgm:pt>
+    <dgm:pt modelId="{DF646934-0302-4D0B-B4E8-5C4097124680}">
+      <dgm:prSet phldrT="[Texto]"/>
+      <dgm:spPr/>
+      <dgm:t>
+        <a:bodyPr/>
+        <a:lstStyle/>
+        <a:p>
+          <a:r>
+            <a:rPr lang="pt-BR" dirty="0" smtClean="0"/>
+            <a:t>I</a:t>
+          </a:r>
+          <a:endParaRPr lang="pt-BR" dirty="0"/>
+        </a:p>
+      </dgm:t>
+    </dgm:pt>
+    <dgm:pt modelId="{87754541-26F8-49E5-A4CB-80DF9422AE8B}" type="parTrans" cxnId="{39C3A92E-49EA-44AF-8213-642864A5EB2C}">
+      <dgm:prSet/>
+      <dgm:spPr/>
+      <dgm:t>
+        <a:bodyPr/>
+        <a:lstStyle/>
+        <a:p>
+          <a:endParaRPr lang="pt-BR"/>
+        </a:p>
+      </dgm:t>
+    </dgm:pt>
+    <dgm:pt modelId="{092C4EED-C5CB-4B86-8D8E-726CC58A488D}" type="sibTrans" cxnId="{39C3A92E-49EA-44AF-8213-642864A5EB2C}">
+      <dgm:prSet/>
+      <dgm:spPr/>
+      <dgm:t>
+        <a:bodyPr/>
+        <a:lstStyle/>
+        <a:p>
+          <a:endParaRPr lang="pt-BR"/>
+        </a:p>
+      </dgm:t>
+    </dgm:pt>
+    <dgm:pt modelId="{A20A239D-5F3B-41F5-9D35-F889EE016E3B}">
+      <dgm:prSet phldrT="[Texto]"/>
+      <dgm:spPr/>
+      <dgm:t>
+        <a:bodyPr/>
+        <a:lstStyle/>
+        <a:p>
+          <a:r>
+            <a:rPr lang="pt-BR" dirty="0" smtClean="0"/>
+            <a:t>D</a:t>
+          </a:r>
+          <a:endParaRPr lang="pt-BR" dirty="0"/>
+        </a:p>
+      </dgm:t>
+    </dgm:pt>
+    <dgm:pt modelId="{E5BC7DE4-3B6F-4DAE-9351-732D11B5A133}" type="parTrans" cxnId="{B0DFF844-0A60-4755-A40C-A05F9D35451E}">
+      <dgm:prSet/>
+      <dgm:spPr/>
+      <dgm:t>
+        <a:bodyPr/>
+        <a:lstStyle/>
+        <a:p>
+          <a:endParaRPr lang="pt-BR"/>
+        </a:p>
+      </dgm:t>
+    </dgm:pt>
+    <dgm:pt modelId="{713AB549-AE81-49FD-BE49-B18F7FED7B48}" type="sibTrans" cxnId="{B0DFF844-0A60-4755-A40C-A05F9D35451E}">
+      <dgm:prSet/>
+      <dgm:spPr/>
+      <dgm:t>
+        <a:bodyPr/>
+        <a:lstStyle/>
+        <a:p>
+          <a:endParaRPr lang="pt-BR"/>
+        </a:p>
+      </dgm:t>
+    </dgm:pt>
+    <dgm:pt modelId="{EA10F0F4-9F39-485D-9CD3-CC36D54B3B58}">
+      <dgm:prSet/>
+      <dgm:spPr/>
+      <dgm:t>
+        <a:bodyPr/>
+        <a:lstStyle/>
+        <a:p>
+          <a:r>
+            <a:rPr lang="pt-BR" dirty="0" smtClean="0">
+              <a:effectLst/>
+            </a:rPr>
+            <a:t>Interface </a:t>
+          </a:r>
+          <a:r>
+            <a:rPr lang="pt-BR" dirty="0" err="1" smtClean="0">
+              <a:effectLst/>
+            </a:rPr>
+            <a:t>Segregation</a:t>
+          </a:r>
+          <a:r>
+            <a:rPr lang="pt-BR" dirty="0" smtClean="0">
+              <a:effectLst/>
+            </a:rPr>
+            <a:t> </a:t>
+          </a:r>
+          <a:r>
+            <a:rPr lang="pt-BR" dirty="0" err="1" smtClean="0">
+              <a:effectLst/>
+            </a:rPr>
+            <a:t>Principle</a:t>
+          </a:r>
+          <a:endParaRPr lang="pt-BR" dirty="0"/>
+        </a:p>
+      </dgm:t>
+    </dgm:pt>
+    <dgm:pt modelId="{5B8360F0-B207-40FC-9F43-8AE7B7C53EAB}" type="parTrans" cxnId="{538BE11F-9CD9-417D-A83C-3F0339CC9C8D}">
+      <dgm:prSet/>
+      <dgm:spPr/>
+      <dgm:t>
+        <a:bodyPr/>
+        <a:lstStyle/>
+        <a:p>
+          <a:endParaRPr lang="pt-BR"/>
+        </a:p>
+      </dgm:t>
+    </dgm:pt>
+    <dgm:pt modelId="{5BFAF540-8FDB-4CA2-9739-A17610BEAA73}" type="sibTrans" cxnId="{538BE11F-9CD9-417D-A83C-3F0339CC9C8D}">
+      <dgm:prSet/>
+      <dgm:spPr/>
+      <dgm:t>
+        <a:bodyPr/>
+        <a:lstStyle/>
+        <a:p>
+          <a:endParaRPr lang="pt-BR"/>
+        </a:p>
+      </dgm:t>
+    </dgm:pt>
+    <dgm:pt modelId="{CA44B155-F8D0-43FB-B354-ABAAF28C5D45}">
+      <dgm:prSet/>
+      <dgm:spPr/>
+      <dgm:t>
+        <a:bodyPr/>
+        <a:lstStyle/>
+        <a:p>
+          <a:r>
+            <a:rPr lang="pt-BR" dirty="0" err="1" smtClean="0">
+              <a:effectLst/>
+            </a:rPr>
+            <a:t>Dependency</a:t>
+          </a:r>
+          <a:r>
+            <a:rPr lang="pt-BR" dirty="0" smtClean="0">
+              <a:effectLst/>
+            </a:rPr>
+            <a:t> </a:t>
+          </a:r>
+          <a:r>
+            <a:rPr lang="pt-BR" dirty="0" err="1" smtClean="0">
+              <a:effectLst/>
+            </a:rPr>
+            <a:t>Inversion</a:t>
+          </a:r>
+          <a:r>
+            <a:rPr lang="pt-BR" dirty="0" smtClean="0">
+              <a:effectLst/>
+            </a:rPr>
+            <a:t> </a:t>
+          </a:r>
+          <a:r>
+            <a:rPr lang="pt-BR" dirty="0" err="1" smtClean="0">
+              <a:effectLst/>
+            </a:rPr>
+            <a:t>Principle</a:t>
+          </a:r>
+          <a:endParaRPr lang="pt-BR" dirty="0"/>
+        </a:p>
+      </dgm:t>
+    </dgm:pt>
+    <dgm:pt modelId="{D5CDC898-94D5-446E-A53A-1087C5AAD789}" type="parTrans" cxnId="{EBCD5095-863B-4D7A-A39B-919C1AC06AB4}">
+      <dgm:prSet/>
+      <dgm:spPr/>
+      <dgm:t>
+        <a:bodyPr/>
+        <a:lstStyle/>
+        <a:p>
+          <a:endParaRPr lang="pt-BR"/>
+        </a:p>
+      </dgm:t>
+    </dgm:pt>
+    <dgm:pt modelId="{565AD9A1-7944-40F9-ACAD-82C16D47DA39}" type="sibTrans" cxnId="{EBCD5095-863B-4D7A-A39B-919C1AC06AB4}">
+      <dgm:prSet/>
+      <dgm:spPr/>
+      <dgm:t>
+        <a:bodyPr/>
+        <a:lstStyle/>
+        <a:p>
+          <a:endParaRPr lang="pt-BR"/>
+        </a:p>
+      </dgm:t>
+    </dgm:pt>
+    <dgm:pt modelId="{41DDCD48-8A7A-4B18-860A-828F2B5A5E9E}">
+      <dgm:prSet phldrT="[Texto]"/>
+      <dgm:spPr/>
+      <dgm:t>
+        <a:bodyPr/>
+        <a:lstStyle/>
+        <a:p>
+          <a:r>
+            <a:rPr lang="pt-BR" dirty="0" smtClean="0">
+              <a:effectLst/>
+            </a:rPr>
+            <a:t>Single </a:t>
+          </a:r>
+          <a:r>
+            <a:rPr lang="pt-BR" dirty="0" err="1" smtClean="0">
+              <a:effectLst/>
+            </a:rPr>
+            <a:t>Responsibility</a:t>
+          </a:r>
+          <a:r>
+            <a:rPr lang="pt-BR" dirty="0" smtClean="0">
+              <a:effectLst/>
+            </a:rPr>
+            <a:t> </a:t>
+          </a:r>
+          <a:r>
+            <a:rPr lang="pt-BR" dirty="0" err="1" smtClean="0">
+              <a:effectLst/>
+            </a:rPr>
+            <a:t>Principle</a:t>
+          </a:r>
+          <a:endParaRPr lang="pt-BR" dirty="0"/>
+        </a:p>
+      </dgm:t>
+    </dgm:pt>
+    <dgm:pt modelId="{15E709D1-4FBD-48E4-9089-92275534E8B4}" type="parTrans" cxnId="{ABAB5531-3F23-4971-B68C-4B33839DD7F7}">
+      <dgm:prSet/>
+      <dgm:spPr/>
+      <dgm:t>
+        <a:bodyPr/>
+        <a:lstStyle/>
+        <a:p>
+          <a:endParaRPr lang="pt-BR"/>
+        </a:p>
+      </dgm:t>
+    </dgm:pt>
+    <dgm:pt modelId="{FAC942AC-4EAC-4D2F-B1A9-0E594E7CCCB0}" type="sibTrans" cxnId="{ABAB5531-3F23-4971-B68C-4B33839DD7F7}">
+      <dgm:prSet/>
+      <dgm:spPr/>
+      <dgm:t>
+        <a:bodyPr/>
+        <a:lstStyle/>
+        <a:p>
+          <a:endParaRPr lang="pt-BR"/>
+        </a:p>
+      </dgm:t>
+    </dgm:pt>
+    <dgm:pt modelId="{21877C1B-4303-460F-A028-AA257B39D54E}" type="pres">
+      <dgm:prSet presAssocID="{BB477973-0937-47DF-8EDD-96E169A6A5C1}" presName="Name0" presStyleCnt="0">
+        <dgm:presLayoutVars>
+          <dgm:dir/>
+          <dgm:animLvl val="lvl"/>
+          <dgm:resizeHandles val="exact"/>
+        </dgm:presLayoutVars>
+      </dgm:prSet>
+      <dgm:spPr/>
+    </dgm:pt>
+    <dgm:pt modelId="{C0AC43BA-C483-442D-8F9E-90787A17030C}" type="pres">
+      <dgm:prSet presAssocID="{F2818545-3E70-404F-9F1C-712B6D89254E}" presName="linNode" presStyleCnt="0"/>
+      <dgm:spPr/>
+    </dgm:pt>
+    <dgm:pt modelId="{3DE42F9D-4BF4-479D-8558-6D7213607B46}" type="pres">
+      <dgm:prSet presAssocID="{F2818545-3E70-404F-9F1C-712B6D89254E}" presName="parentText" presStyleLbl="node1" presStyleIdx="0" presStyleCnt="5" custScaleX="44373">
+        <dgm:presLayoutVars>
+          <dgm:chMax val="1"/>
+          <dgm:bulletEnabled val="1"/>
+        </dgm:presLayoutVars>
+      </dgm:prSet>
+      <dgm:spPr/>
+    </dgm:pt>
+    <dgm:pt modelId="{27988A0F-D23C-4029-8527-9A7C00CAD188}" type="pres">
+      <dgm:prSet presAssocID="{F2818545-3E70-404F-9F1C-712B6D89254E}" presName="descendantText" presStyleLbl="alignAccFollowNode1" presStyleIdx="0" presStyleCnt="5">
+        <dgm:presLayoutVars>
+          <dgm:bulletEnabled val="1"/>
+        </dgm:presLayoutVars>
+      </dgm:prSet>
+      <dgm:spPr/>
+      <dgm:t>
+        <a:bodyPr/>
+        <a:lstStyle/>
+        <a:p>
+          <a:endParaRPr lang="pt-BR"/>
+        </a:p>
+      </dgm:t>
+    </dgm:pt>
+    <dgm:pt modelId="{69C1CC94-39F3-44E5-B2D4-7935EE935515}" type="pres">
+      <dgm:prSet presAssocID="{7B7F10C7-3CA7-489C-AC9F-47B46F67A191}" presName="sp" presStyleCnt="0"/>
+      <dgm:spPr/>
+    </dgm:pt>
+    <dgm:pt modelId="{9D496656-24FD-43A2-93C9-08C5293C0513}" type="pres">
+      <dgm:prSet presAssocID="{FA9BB277-35B6-4F3D-AD5E-A10A1D0B65A5}" presName="linNode" presStyleCnt="0"/>
+      <dgm:spPr/>
+    </dgm:pt>
+    <dgm:pt modelId="{DB69F873-2220-4E8B-9014-B66AC6747AB8}" type="pres">
+      <dgm:prSet presAssocID="{FA9BB277-35B6-4F3D-AD5E-A10A1D0B65A5}" presName="parentText" presStyleLbl="node1" presStyleIdx="1" presStyleCnt="5" custScaleX="44373">
+        <dgm:presLayoutVars>
+          <dgm:chMax val="1"/>
+          <dgm:bulletEnabled val="1"/>
+        </dgm:presLayoutVars>
+      </dgm:prSet>
+      <dgm:spPr/>
+    </dgm:pt>
+    <dgm:pt modelId="{3B2A874E-923A-4483-B526-72AE8A34CB35}" type="pres">
+      <dgm:prSet presAssocID="{FA9BB277-35B6-4F3D-AD5E-A10A1D0B65A5}" presName="descendantText" presStyleLbl="alignAccFollowNode1" presStyleIdx="1" presStyleCnt="5">
+        <dgm:presLayoutVars>
+          <dgm:bulletEnabled val="1"/>
+        </dgm:presLayoutVars>
+      </dgm:prSet>
+      <dgm:spPr/>
+    </dgm:pt>
+    <dgm:pt modelId="{E4774A7D-7EE1-4837-8312-0FDCD3BF6552}" type="pres">
+      <dgm:prSet presAssocID="{DC5176D2-1926-4CF5-A1BF-250C89F0A699}" presName="sp" presStyleCnt="0"/>
+      <dgm:spPr/>
+    </dgm:pt>
+    <dgm:pt modelId="{739A193B-10A1-49AB-84F7-2721AD1812B5}" type="pres">
+      <dgm:prSet presAssocID="{8D4D7766-B70D-4A37-9C61-EAC14F83549D}" presName="linNode" presStyleCnt="0"/>
+      <dgm:spPr/>
+    </dgm:pt>
+    <dgm:pt modelId="{593AD2FB-F03B-4C01-9E9E-0147C2A5E6B5}" type="pres">
+      <dgm:prSet presAssocID="{8D4D7766-B70D-4A37-9C61-EAC14F83549D}" presName="parentText" presStyleLbl="node1" presStyleIdx="2" presStyleCnt="5" custScaleX="44373">
+        <dgm:presLayoutVars>
+          <dgm:chMax val="1"/>
+          <dgm:bulletEnabled val="1"/>
+        </dgm:presLayoutVars>
+      </dgm:prSet>
+      <dgm:spPr/>
+    </dgm:pt>
+    <dgm:pt modelId="{B537AF99-9AB1-456B-BCCA-4451EC0943CA}" type="pres">
+      <dgm:prSet presAssocID="{8D4D7766-B70D-4A37-9C61-EAC14F83549D}" presName="descendantText" presStyleLbl="alignAccFollowNode1" presStyleIdx="2" presStyleCnt="5">
+        <dgm:presLayoutVars>
+          <dgm:bulletEnabled val="1"/>
+        </dgm:presLayoutVars>
+      </dgm:prSet>
+      <dgm:spPr/>
+    </dgm:pt>
+    <dgm:pt modelId="{E112EE2E-15CF-447F-80FA-47D0A6F72345}" type="pres">
+      <dgm:prSet presAssocID="{DDD25427-A8E4-4839-BA35-70508E24C142}" presName="sp" presStyleCnt="0"/>
+      <dgm:spPr/>
+    </dgm:pt>
+    <dgm:pt modelId="{5D72C191-615B-4182-A4D1-332B564C2726}" type="pres">
+      <dgm:prSet presAssocID="{DF646934-0302-4D0B-B4E8-5C4097124680}" presName="linNode" presStyleCnt="0"/>
+      <dgm:spPr/>
+    </dgm:pt>
+    <dgm:pt modelId="{00E230A4-C97B-4A93-B27F-5203F1F99560}" type="pres">
+      <dgm:prSet presAssocID="{DF646934-0302-4D0B-B4E8-5C4097124680}" presName="parentText" presStyleLbl="node1" presStyleIdx="3" presStyleCnt="5" custScaleX="44373">
+        <dgm:presLayoutVars>
+          <dgm:chMax val="1"/>
+          <dgm:bulletEnabled val="1"/>
+        </dgm:presLayoutVars>
+      </dgm:prSet>
+      <dgm:spPr/>
+    </dgm:pt>
+    <dgm:pt modelId="{B13CB837-3880-42B6-8389-9F7A793A7713}" type="pres">
+      <dgm:prSet presAssocID="{DF646934-0302-4D0B-B4E8-5C4097124680}" presName="descendantText" presStyleLbl="alignAccFollowNode1" presStyleIdx="3" presStyleCnt="5">
+        <dgm:presLayoutVars>
+          <dgm:bulletEnabled val="1"/>
+        </dgm:presLayoutVars>
+      </dgm:prSet>
+      <dgm:spPr/>
+    </dgm:pt>
+    <dgm:pt modelId="{33478EB0-B908-4508-B772-26B8BB8F981C}" type="pres">
+      <dgm:prSet presAssocID="{092C4EED-C5CB-4B86-8D8E-726CC58A488D}" presName="sp" presStyleCnt="0"/>
+      <dgm:spPr/>
+    </dgm:pt>
+    <dgm:pt modelId="{8EA4B93A-7A9B-4746-885E-51251F7FEB50}" type="pres">
+      <dgm:prSet presAssocID="{A20A239D-5F3B-41F5-9D35-F889EE016E3B}" presName="linNode" presStyleCnt="0"/>
+      <dgm:spPr/>
+    </dgm:pt>
+    <dgm:pt modelId="{47BF0AD3-C69B-4A22-B6F7-B73EAB2A1AFD}" type="pres">
+      <dgm:prSet presAssocID="{A20A239D-5F3B-41F5-9D35-F889EE016E3B}" presName="parentText" presStyleLbl="node1" presStyleIdx="4" presStyleCnt="5" custScaleX="44373">
+        <dgm:presLayoutVars>
+          <dgm:chMax val="1"/>
+          <dgm:bulletEnabled val="1"/>
+        </dgm:presLayoutVars>
+      </dgm:prSet>
+      <dgm:spPr/>
+    </dgm:pt>
+    <dgm:pt modelId="{FA67E824-845A-4CE1-9B21-C78F454583E7}" type="pres">
+      <dgm:prSet presAssocID="{A20A239D-5F3B-41F5-9D35-F889EE016E3B}" presName="descendantText" presStyleLbl="alignAccFollowNode1" presStyleIdx="4" presStyleCnt="5">
+        <dgm:presLayoutVars>
+          <dgm:bulletEnabled val="1"/>
+        </dgm:presLayoutVars>
+      </dgm:prSet>
+      <dgm:spPr/>
+    </dgm:pt>
+  </dgm:ptLst>
+  <dgm:cxnLst>
+    <dgm:cxn modelId="{48E80D2D-7484-4871-BB3A-00AEF8E01E1E}" type="presOf" srcId="{72173866-4332-430D-ACE5-B4BC2A8E12E6}" destId="{3B2A874E-923A-4483-B526-72AE8A34CB35}" srcOrd="0" destOrd="0" presId="urn:microsoft.com/office/officeart/2005/8/layout/vList5"/>
+    <dgm:cxn modelId="{C4E55FF8-0392-4810-A4EB-074B1189711F}" type="presOf" srcId="{DF646934-0302-4D0B-B4E8-5C4097124680}" destId="{00E230A4-C97B-4A93-B27F-5203F1F99560}" srcOrd="0" destOrd="0" presId="urn:microsoft.com/office/officeart/2005/8/layout/vList5"/>
+    <dgm:cxn modelId="{B273CD26-385E-4613-B276-6ED6A44DCAB1}" type="presOf" srcId="{EA10F0F4-9F39-485D-9CD3-CC36D54B3B58}" destId="{B13CB837-3880-42B6-8389-9F7A793A7713}" srcOrd="0" destOrd="0" presId="urn:microsoft.com/office/officeart/2005/8/layout/vList5"/>
+    <dgm:cxn modelId="{3E392801-1019-4F6E-87B3-CD28B33D268A}" srcId="{BB477973-0937-47DF-8EDD-96E169A6A5C1}" destId="{FA9BB277-35B6-4F3D-AD5E-A10A1D0B65A5}" srcOrd="1" destOrd="0" parTransId="{C6F2A7B5-D1FC-4712-A40C-E1E05D4D1411}" sibTransId="{DC5176D2-1926-4CF5-A1BF-250C89F0A699}"/>
+    <dgm:cxn modelId="{AF8EB3B5-F53D-47C9-A382-236DB74D5293}" type="presOf" srcId="{A20A239D-5F3B-41F5-9D35-F889EE016E3B}" destId="{47BF0AD3-C69B-4A22-B6F7-B73EAB2A1AFD}" srcOrd="0" destOrd="0" presId="urn:microsoft.com/office/officeart/2005/8/layout/vList5"/>
+    <dgm:cxn modelId="{0ED05AAE-BD26-4280-81E7-1E6406933A95}" type="presOf" srcId="{CA44B155-F8D0-43FB-B354-ABAAF28C5D45}" destId="{FA67E824-845A-4CE1-9B21-C78F454583E7}" srcOrd="0" destOrd="0" presId="urn:microsoft.com/office/officeart/2005/8/layout/vList5"/>
+    <dgm:cxn modelId="{ABAB5531-3F23-4971-B68C-4B33839DD7F7}" srcId="{F2818545-3E70-404F-9F1C-712B6D89254E}" destId="{41DDCD48-8A7A-4B18-860A-828F2B5A5E9E}" srcOrd="0" destOrd="0" parTransId="{15E709D1-4FBD-48E4-9089-92275534E8B4}" sibTransId="{FAC942AC-4EAC-4D2F-B1A9-0E594E7CCCB0}"/>
+    <dgm:cxn modelId="{538BE11F-9CD9-417D-A83C-3F0339CC9C8D}" srcId="{DF646934-0302-4D0B-B4E8-5C4097124680}" destId="{EA10F0F4-9F39-485D-9CD3-CC36D54B3B58}" srcOrd="0" destOrd="0" parTransId="{5B8360F0-B207-40FC-9F43-8AE7B7C53EAB}" sibTransId="{5BFAF540-8FDB-4CA2-9739-A17610BEAA73}"/>
+    <dgm:cxn modelId="{B9A9B640-7797-4FFC-883A-29CECBB5F2ED}" type="presOf" srcId="{F2818545-3E70-404F-9F1C-712B6D89254E}" destId="{3DE42F9D-4BF4-479D-8558-6D7213607B46}" srcOrd="0" destOrd="0" presId="urn:microsoft.com/office/officeart/2005/8/layout/vList5"/>
+    <dgm:cxn modelId="{E317CA3F-8626-48D0-9D49-A076A38D2FAF}" type="presOf" srcId="{8D4D7766-B70D-4A37-9C61-EAC14F83549D}" destId="{593AD2FB-F03B-4C01-9E9E-0147C2A5E6B5}" srcOrd="0" destOrd="0" presId="urn:microsoft.com/office/officeart/2005/8/layout/vList5"/>
+    <dgm:cxn modelId="{A809B341-B26B-48D1-BCF9-347877E4E3B5}" type="presOf" srcId="{41DDCD48-8A7A-4B18-860A-828F2B5A5E9E}" destId="{27988A0F-D23C-4029-8527-9A7C00CAD188}" srcOrd="0" destOrd="0" presId="urn:microsoft.com/office/officeart/2005/8/layout/vList5"/>
+    <dgm:cxn modelId="{39C3A92E-49EA-44AF-8213-642864A5EB2C}" srcId="{BB477973-0937-47DF-8EDD-96E169A6A5C1}" destId="{DF646934-0302-4D0B-B4E8-5C4097124680}" srcOrd="3" destOrd="0" parTransId="{87754541-26F8-49E5-A4CB-80DF9422AE8B}" sibTransId="{092C4EED-C5CB-4B86-8D8E-726CC58A488D}"/>
+    <dgm:cxn modelId="{1DA70105-B7A9-4F0E-9C87-C6379907B306}" srcId="{BB477973-0937-47DF-8EDD-96E169A6A5C1}" destId="{F2818545-3E70-404F-9F1C-712B6D89254E}" srcOrd="0" destOrd="0" parTransId="{090C501D-9D0B-4766-A1CC-7D8C8A82B914}" sibTransId="{7B7F10C7-3CA7-489C-AC9F-47B46F67A191}"/>
+    <dgm:cxn modelId="{953239D2-48AC-488C-BAE8-46FE31CEA94D}" type="presOf" srcId="{BB477973-0937-47DF-8EDD-96E169A6A5C1}" destId="{21877C1B-4303-460F-A028-AA257B39D54E}" srcOrd="0" destOrd="0" presId="urn:microsoft.com/office/officeart/2005/8/layout/vList5"/>
+    <dgm:cxn modelId="{99689480-0979-443F-8402-1D6E15F1FD82}" type="presOf" srcId="{D1FB5509-B1AC-4088-838F-86255B02949F}" destId="{B537AF99-9AB1-456B-BCCA-4451EC0943CA}" srcOrd="0" destOrd="0" presId="urn:microsoft.com/office/officeart/2005/8/layout/vList5"/>
+    <dgm:cxn modelId="{3100639B-2E7B-4F41-ADA9-AA2CCA96C8AA}" srcId="{8D4D7766-B70D-4A37-9C61-EAC14F83549D}" destId="{D1FB5509-B1AC-4088-838F-86255B02949F}" srcOrd="0" destOrd="0" parTransId="{A8359E39-36AF-4F17-A69D-F5AC55264185}" sibTransId="{0BF8469F-58DB-46B7-AF58-8103E8413641}"/>
+    <dgm:cxn modelId="{EBCD5095-863B-4D7A-A39B-919C1AC06AB4}" srcId="{A20A239D-5F3B-41F5-9D35-F889EE016E3B}" destId="{CA44B155-F8D0-43FB-B354-ABAAF28C5D45}" srcOrd="0" destOrd="0" parTransId="{D5CDC898-94D5-446E-A53A-1087C5AAD789}" sibTransId="{565AD9A1-7944-40F9-ACAD-82C16D47DA39}"/>
+    <dgm:cxn modelId="{B0DFF844-0A60-4755-A40C-A05F9D35451E}" srcId="{BB477973-0937-47DF-8EDD-96E169A6A5C1}" destId="{A20A239D-5F3B-41F5-9D35-F889EE016E3B}" srcOrd="4" destOrd="0" parTransId="{E5BC7DE4-3B6F-4DAE-9351-732D11B5A133}" sibTransId="{713AB549-AE81-49FD-BE49-B18F7FED7B48}"/>
+    <dgm:cxn modelId="{3264B6E2-4E97-4AB5-A926-DAC175CEFA21}" srcId="{FA9BB277-35B6-4F3D-AD5E-A10A1D0B65A5}" destId="{72173866-4332-430D-ACE5-B4BC2A8E12E6}" srcOrd="0" destOrd="0" parTransId="{157754AD-EF8B-40F5-A59C-33EE964F7358}" sibTransId="{2E5F3141-A2F2-4CE4-A11D-54826CAD6D14}"/>
+    <dgm:cxn modelId="{EBA904D4-4AD6-4497-8464-F818AF869271}" type="presOf" srcId="{FA9BB277-35B6-4F3D-AD5E-A10A1D0B65A5}" destId="{DB69F873-2220-4E8B-9014-B66AC6747AB8}" srcOrd="0" destOrd="0" presId="urn:microsoft.com/office/officeart/2005/8/layout/vList5"/>
+    <dgm:cxn modelId="{A868CD52-2CFE-42A8-8675-A21C7FF4EE37}" srcId="{BB477973-0937-47DF-8EDD-96E169A6A5C1}" destId="{8D4D7766-B70D-4A37-9C61-EAC14F83549D}" srcOrd="2" destOrd="0" parTransId="{37FCED5B-8EE4-4D43-A8EC-B86BACC650B2}" sibTransId="{DDD25427-A8E4-4839-BA35-70508E24C142}"/>
+    <dgm:cxn modelId="{FB122E5F-5E6A-4243-8D08-5FA83F84FE7B}" type="presParOf" srcId="{21877C1B-4303-460F-A028-AA257B39D54E}" destId="{C0AC43BA-C483-442D-8F9E-90787A17030C}" srcOrd="0" destOrd="0" presId="urn:microsoft.com/office/officeart/2005/8/layout/vList5"/>
+    <dgm:cxn modelId="{1B1EF088-FA9D-455D-88E4-D143671B5B12}" type="presParOf" srcId="{C0AC43BA-C483-442D-8F9E-90787A17030C}" destId="{3DE42F9D-4BF4-479D-8558-6D7213607B46}" srcOrd="0" destOrd="0" presId="urn:microsoft.com/office/officeart/2005/8/layout/vList5"/>
+    <dgm:cxn modelId="{3EF6B8FA-1526-40F9-8038-F571AADAE080}" type="presParOf" srcId="{C0AC43BA-C483-442D-8F9E-90787A17030C}" destId="{27988A0F-D23C-4029-8527-9A7C00CAD188}" srcOrd="1" destOrd="0" presId="urn:microsoft.com/office/officeart/2005/8/layout/vList5"/>
+    <dgm:cxn modelId="{581B694E-B36F-45D2-A83D-E6C116BDE2FA}" type="presParOf" srcId="{21877C1B-4303-460F-A028-AA257B39D54E}" destId="{69C1CC94-39F3-44E5-B2D4-7935EE935515}" srcOrd="1" destOrd="0" presId="urn:microsoft.com/office/officeart/2005/8/layout/vList5"/>
+    <dgm:cxn modelId="{1BB1C0B1-9119-4D30-97DD-AA886B726718}" type="presParOf" srcId="{21877C1B-4303-460F-A028-AA257B39D54E}" destId="{9D496656-24FD-43A2-93C9-08C5293C0513}" srcOrd="2" destOrd="0" presId="urn:microsoft.com/office/officeart/2005/8/layout/vList5"/>
+    <dgm:cxn modelId="{AA0538AB-9AE4-4660-B977-2B979107C5FE}" type="presParOf" srcId="{9D496656-24FD-43A2-93C9-08C5293C0513}" destId="{DB69F873-2220-4E8B-9014-B66AC6747AB8}" srcOrd="0" destOrd="0" presId="urn:microsoft.com/office/officeart/2005/8/layout/vList5"/>
+    <dgm:cxn modelId="{43F8E77B-1E81-4A99-97CB-5AC8C10F0DBB}" type="presParOf" srcId="{9D496656-24FD-43A2-93C9-08C5293C0513}" destId="{3B2A874E-923A-4483-B526-72AE8A34CB35}" srcOrd="1" destOrd="0" presId="urn:microsoft.com/office/officeart/2005/8/layout/vList5"/>
+    <dgm:cxn modelId="{CC7138F8-C1B9-4E5B-9204-9053917D4677}" type="presParOf" srcId="{21877C1B-4303-460F-A028-AA257B39D54E}" destId="{E4774A7D-7EE1-4837-8312-0FDCD3BF6552}" srcOrd="3" destOrd="0" presId="urn:microsoft.com/office/officeart/2005/8/layout/vList5"/>
+    <dgm:cxn modelId="{15B25864-AE61-433A-A907-044B39AED1A1}" type="presParOf" srcId="{21877C1B-4303-460F-A028-AA257B39D54E}" destId="{739A193B-10A1-49AB-84F7-2721AD1812B5}" srcOrd="4" destOrd="0" presId="urn:microsoft.com/office/officeart/2005/8/layout/vList5"/>
+    <dgm:cxn modelId="{F4B94B26-8D67-4D6D-A324-A6CDDB86ACC0}" type="presParOf" srcId="{739A193B-10A1-49AB-84F7-2721AD1812B5}" destId="{593AD2FB-F03B-4C01-9E9E-0147C2A5E6B5}" srcOrd="0" destOrd="0" presId="urn:microsoft.com/office/officeart/2005/8/layout/vList5"/>
+    <dgm:cxn modelId="{7DB28FE0-A65D-47D0-BF71-BAFF03A2A267}" type="presParOf" srcId="{739A193B-10A1-49AB-84F7-2721AD1812B5}" destId="{B537AF99-9AB1-456B-BCCA-4451EC0943CA}" srcOrd="1" destOrd="0" presId="urn:microsoft.com/office/officeart/2005/8/layout/vList5"/>
+    <dgm:cxn modelId="{80612D27-FCF0-48F9-AA52-D4E1950C3CAC}" type="presParOf" srcId="{21877C1B-4303-460F-A028-AA257B39D54E}" destId="{E112EE2E-15CF-447F-80FA-47D0A6F72345}" srcOrd="5" destOrd="0" presId="urn:microsoft.com/office/officeart/2005/8/layout/vList5"/>
+    <dgm:cxn modelId="{C6840A36-BF9F-425F-B932-4B4FDB2A5735}" type="presParOf" srcId="{21877C1B-4303-460F-A028-AA257B39D54E}" destId="{5D72C191-615B-4182-A4D1-332B564C2726}" srcOrd="6" destOrd="0" presId="urn:microsoft.com/office/officeart/2005/8/layout/vList5"/>
+    <dgm:cxn modelId="{D4B1B1BA-3A1C-4A45-AF97-C252E1879D3F}" type="presParOf" srcId="{5D72C191-615B-4182-A4D1-332B564C2726}" destId="{00E230A4-C97B-4A93-B27F-5203F1F99560}" srcOrd="0" destOrd="0" presId="urn:microsoft.com/office/officeart/2005/8/layout/vList5"/>
+    <dgm:cxn modelId="{63D297DF-7D5C-45C2-8417-8F1410C81F21}" type="presParOf" srcId="{5D72C191-615B-4182-A4D1-332B564C2726}" destId="{B13CB837-3880-42B6-8389-9F7A793A7713}" srcOrd="1" destOrd="0" presId="urn:microsoft.com/office/officeart/2005/8/layout/vList5"/>
+    <dgm:cxn modelId="{13EA9E18-81D0-4B70-84BC-1D623CF1F508}" type="presParOf" srcId="{21877C1B-4303-460F-A028-AA257B39D54E}" destId="{33478EB0-B908-4508-B772-26B8BB8F981C}" srcOrd="7" destOrd="0" presId="urn:microsoft.com/office/officeart/2005/8/layout/vList5"/>
+    <dgm:cxn modelId="{C3B7066D-B39F-4E0E-A047-F5B7289116D4}" type="presParOf" srcId="{21877C1B-4303-460F-A028-AA257B39D54E}" destId="{8EA4B93A-7A9B-4746-885E-51251F7FEB50}" srcOrd="8" destOrd="0" presId="urn:microsoft.com/office/officeart/2005/8/layout/vList5"/>
+    <dgm:cxn modelId="{FBF6C1DF-FE0F-4086-80D9-D13B391B79E1}" type="presParOf" srcId="{8EA4B93A-7A9B-4746-885E-51251F7FEB50}" destId="{47BF0AD3-C69B-4A22-B6F7-B73EAB2A1AFD}" srcOrd="0" destOrd="0" presId="urn:microsoft.com/office/officeart/2005/8/layout/vList5"/>
+    <dgm:cxn modelId="{A21F21BD-BBDA-44AE-B7C0-081086AC23BA}" type="presParOf" srcId="{8EA4B93A-7A9B-4746-885E-51251F7FEB50}" destId="{FA67E824-845A-4CE1-9B21-C78F454583E7}" srcOrd="1" destOrd="0" presId="urn:microsoft.com/office/officeart/2005/8/layout/vList5"/>
+  </dgm:cxnLst>
+  <dgm:bg/>
+  <dgm:whole/>
+  <dgm:extLst>
+    <a:ext uri="http://schemas.microsoft.com/office/drawing/2008/diagram">
+      <dsp:dataModelExt xmlns:dsp="http://schemas.microsoft.com/office/drawing/2008/diagram" relId="rId7" minVer="http://schemas.openxmlformats.org/drawingml/2006/diagram"/>
+    </a:ext>
+  </dgm:extLst>
+</dgm:dataModel>
+</file>
+
+<file path=ppt/diagrams/drawing1.xml><?xml version="1.0" encoding="utf-8"?>
+<dsp:drawing xmlns:dgm="http://schemas.openxmlformats.org/drawingml/2006/diagram" xmlns:dsp="http://schemas.microsoft.com/office/drawing/2008/diagram" xmlns:a="http://schemas.openxmlformats.org/drawingml/2006/main">
+  <dsp:spTree>
+    <dsp:nvGrpSpPr>
+      <dsp:cNvPr id="0" name=""/>
+      <dsp:cNvGrpSpPr/>
+    </dsp:nvGrpSpPr>
+    <dsp:grpSpPr/>
+    <dsp:sp modelId="{27988A0F-D23C-4029-8527-9A7C00CAD188}">
+      <dsp:nvSpPr>
+        <dsp:cNvPr id="0" name=""/>
+        <dsp:cNvSpPr/>
+      </dsp:nvSpPr>
+      <dsp:spPr>
+        <a:xfrm rot="5400000">
+          <a:off x="3222555" y="-1558508"/>
+          <a:ext cx="624681" cy="3901440"/>
+        </a:xfrm>
+        <a:prstGeom prst="round2SameRect">
+          <a:avLst/>
+        </a:prstGeom>
+        <a:solidFill>
+          <a:schemeClr val="accent1">
+            <a:alpha val="90000"/>
+            <a:tint val="40000"/>
+            <a:hueOff val="0"/>
+            <a:satOff val="0"/>
+            <a:lumOff val="0"/>
+            <a:alphaOff val="0"/>
+          </a:schemeClr>
+        </a:solidFill>
+        <a:ln w="25400" cap="flat" cmpd="sng" algn="ctr">
+          <a:solidFill>
+            <a:schemeClr val="accent1">
+              <a:alpha val="90000"/>
+              <a:tint val="40000"/>
+              <a:hueOff val="0"/>
+              <a:satOff val="0"/>
+              <a:lumOff val="0"/>
+              <a:alphaOff val="0"/>
+            </a:schemeClr>
+          </a:solidFill>
+          <a:prstDash val="solid"/>
+        </a:ln>
+        <a:effectLst/>
+      </dsp:spPr>
+      <dsp:style>
+        <a:lnRef idx="2">
+          <a:scrgbClr r="0" g="0" b="0"/>
+        </a:lnRef>
+        <a:fillRef idx="1">
+          <a:scrgbClr r="0" g="0" b="0"/>
+        </a:fillRef>
+        <a:effectRef idx="0">
+          <a:scrgbClr r="0" g="0" b="0"/>
+        </a:effectRef>
+        <a:fontRef idx="minor"/>
+      </dsp:style>
+      <dsp:txBody>
+        <a:bodyPr spcFirstLastPara="0" vert="horz" wrap="square" lIns="80010" tIns="40005" rIns="80010" bIns="40005" numCol="1" spcCol="1270" anchor="ctr" anchorCtr="0">
+          <a:noAutofit/>
+        </a:bodyPr>
+        <a:lstStyle/>
+        <a:p>
+          <a:pPr marL="228600" lvl="1" indent="-228600" algn="l" defTabSz="933450">
+            <a:lnSpc>
+              <a:spcPct val="90000"/>
+            </a:lnSpc>
+            <a:spcBef>
+              <a:spcPct val="0"/>
+            </a:spcBef>
+            <a:spcAft>
+              <a:spcPct val="15000"/>
+            </a:spcAft>
+            <a:buChar char="••"/>
+          </a:pPr>
+          <a:r>
+            <a:rPr lang="pt-BR" sz="2100" kern="1200" dirty="0" smtClean="0">
+              <a:effectLst/>
+            </a:rPr>
+            <a:t>Single </a:t>
+          </a:r>
+          <a:r>
+            <a:rPr lang="pt-BR" sz="2100" kern="1200" dirty="0" err="1" smtClean="0">
+              <a:effectLst/>
+            </a:rPr>
+            <a:t>Responsibility</a:t>
+          </a:r>
+          <a:r>
+            <a:rPr lang="pt-BR" sz="2100" kern="1200" dirty="0" smtClean="0">
+              <a:effectLst/>
+            </a:rPr>
+            <a:t> </a:t>
+          </a:r>
+          <a:r>
+            <a:rPr lang="pt-BR" sz="2100" kern="1200" dirty="0" err="1" smtClean="0">
+              <a:effectLst/>
+            </a:rPr>
+            <a:t>Principle</a:t>
+          </a:r>
+          <a:endParaRPr lang="pt-BR" sz="2100" kern="1200" dirty="0"/>
+        </a:p>
+      </dsp:txBody>
+      <dsp:txXfrm rot="-5400000">
+        <a:off x="1584176" y="110365"/>
+        <a:ext cx="3870946" cy="563693"/>
+      </dsp:txXfrm>
+    </dsp:sp>
+    <dsp:sp modelId="{3DE42F9D-4BF4-479D-8558-6D7213607B46}">
+      <dsp:nvSpPr>
+        <dsp:cNvPr id="0" name=""/>
+        <dsp:cNvSpPr/>
+      </dsp:nvSpPr>
+      <dsp:spPr>
+        <a:xfrm>
+          <a:off x="610383" y="1785"/>
+          <a:ext cx="973792" cy="780851"/>
+        </a:xfrm>
+        <a:prstGeom prst="roundRect">
+          <a:avLst/>
+        </a:prstGeom>
+        <a:solidFill>
+          <a:schemeClr val="accent1">
+            <a:hueOff val="0"/>
+            <a:satOff val="0"/>
+            <a:lumOff val="0"/>
+            <a:alphaOff val="0"/>
+          </a:schemeClr>
+        </a:solidFill>
+        <a:ln w="25400" cap="flat" cmpd="sng" algn="ctr">
+          <a:solidFill>
+            <a:schemeClr val="lt1">
+              <a:hueOff val="0"/>
+              <a:satOff val="0"/>
+              <a:lumOff val="0"/>
+              <a:alphaOff val="0"/>
+            </a:schemeClr>
+          </a:solidFill>
+          <a:prstDash val="solid"/>
+        </a:ln>
+        <a:effectLst/>
+      </dsp:spPr>
+      <dsp:style>
+        <a:lnRef idx="2">
+          <a:scrgbClr r="0" g="0" b="0"/>
+        </a:lnRef>
+        <a:fillRef idx="1">
+          <a:scrgbClr r="0" g="0" b="0"/>
+        </a:fillRef>
+        <a:effectRef idx="0">
+          <a:scrgbClr r="0" g="0" b="0"/>
+        </a:effectRef>
+        <a:fontRef idx="minor">
+          <a:schemeClr val="lt1"/>
+        </a:fontRef>
+      </dsp:style>
+      <dsp:txBody>
+        <a:bodyPr spcFirstLastPara="0" vert="horz" wrap="square" lIns="148590" tIns="74295" rIns="148590" bIns="74295" numCol="1" spcCol="1270" anchor="ctr" anchorCtr="0">
+          <a:noAutofit/>
+        </a:bodyPr>
+        <a:lstStyle/>
+        <a:p>
+          <a:pPr lvl="0" algn="ctr" defTabSz="1733550">
+            <a:lnSpc>
+              <a:spcPct val="90000"/>
+            </a:lnSpc>
+            <a:spcBef>
+              <a:spcPct val="0"/>
+            </a:spcBef>
+            <a:spcAft>
+              <a:spcPct val="35000"/>
+            </a:spcAft>
+          </a:pPr>
+          <a:r>
+            <a:rPr lang="pt-BR" sz="3900" kern="1200" dirty="0" smtClean="0"/>
+            <a:t>S</a:t>
+          </a:r>
+          <a:endParaRPr lang="pt-BR" sz="3900" kern="1200" dirty="0"/>
+        </a:p>
+      </dsp:txBody>
+      <dsp:txXfrm>
+        <a:off x="648501" y="39903"/>
+        <a:ext cx="897556" cy="704615"/>
+      </dsp:txXfrm>
+    </dsp:sp>
+    <dsp:sp modelId="{3B2A874E-923A-4483-B526-72AE8A34CB35}">
+      <dsp:nvSpPr>
+        <dsp:cNvPr id="0" name=""/>
+        <dsp:cNvSpPr/>
+      </dsp:nvSpPr>
+      <dsp:spPr>
+        <a:xfrm rot="5400000">
+          <a:off x="3222555" y="-738614"/>
+          <a:ext cx="624681" cy="3901440"/>
+        </a:xfrm>
+        <a:prstGeom prst="round2SameRect">
+          <a:avLst/>
+        </a:prstGeom>
+        <a:solidFill>
+          <a:schemeClr val="accent1">
+            <a:alpha val="90000"/>
+            <a:tint val="40000"/>
+            <a:hueOff val="0"/>
+            <a:satOff val="0"/>
+            <a:lumOff val="0"/>
+            <a:alphaOff val="0"/>
+          </a:schemeClr>
+        </a:solidFill>
+        <a:ln w="25400" cap="flat" cmpd="sng" algn="ctr">
+          <a:solidFill>
+            <a:schemeClr val="accent1">
+              <a:alpha val="90000"/>
+              <a:tint val="40000"/>
+              <a:hueOff val="0"/>
+              <a:satOff val="0"/>
+              <a:lumOff val="0"/>
+              <a:alphaOff val="0"/>
+            </a:schemeClr>
+          </a:solidFill>
+          <a:prstDash val="solid"/>
+        </a:ln>
+        <a:effectLst/>
+      </dsp:spPr>
+      <dsp:style>
+        <a:lnRef idx="2">
+          <a:scrgbClr r="0" g="0" b="0"/>
+        </a:lnRef>
+        <a:fillRef idx="1">
+          <a:scrgbClr r="0" g="0" b="0"/>
+        </a:fillRef>
+        <a:effectRef idx="0">
+          <a:scrgbClr r="0" g="0" b="0"/>
+        </a:effectRef>
+        <a:fontRef idx="minor"/>
+      </dsp:style>
+      <dsp:txBody>
+        <a:bodyPr spcFirstLastPara="0" vert="horz" wrap="square" lIns="80010" tIns="40005" rIns="80010" bIns="40005" numCol="1" spcCol="1270" anchor="ctr" anchorCtr="0">
+          <a:noAutofit/>
+        </a:bodyPr>
+        <a:lstStyle/>
+        <a:p>
+          <a:pPr marL="228600" lvl="1" indent="-228600" algn="l" defTabSz="933450">
+            <a:lnSpc>
+              <a:spcPct val="90000"/>
+            </a:lnSpc>
+            <a:spcBef>
+              <a:spcPct val="0"/>
+            </a:spcBef>
+            <a:spcAft>
+              <a:spcPct val="15000"/>
+            </a:spcAft>
+            <a:buChar char="••"/>
+          </a:pPr>
+          <a:r>
+            <a:rPr lang="pt-BR" sz="2100" kern="1200" dirty="0" smtClean="0">
+              <a:effectLst/>
+            </a:rPr>
+            <a:t>Open </a:t>
+          </a:r>
+          <a:r>
+            <a:rPr lang="pt-BR" sz="2100" kern="1200" dirty="0" err="1" smtClean="0">
+              <a:effectLst/>
+            </a:rPr>
+            <a:t>Closed</a:t>
+          </a:r>
+          <a:r>
+            <a:rPr lang="pt-BR" sz="2100" kern="1200" dirty="0" smtClean="0">
+              <a:effectLst/>
+            </a:rPr>
+            <a:t> </a:t>
+          </a:r>
+          <a:r>
+            <a:rPr lang="pt-BR" sz="2100" kern="1200" dirty="0" err="1" smtClean="0">
+              <a:effectLst/>
+            </a:rPr>
+            <a:t>Principle</a:t>
+          </a:r>
+          <a:endParaRPr lang="pt-BR" sz="2100" kern="1200" dirty="0"/>
+        </a:p>
+      </dsp:txBody>
+      <dsp:txXfrm rot="-5400000">
+        <a:off x="1584176" y="930259"/>
+        <a:ext cx="3870946" cy="563693"/>
+      </dsp:txXfrm>
+    </dsp:sp>
+    <dsp:sp modelId="{DB69F873-2220-4E8B-9014-B66AC6747AB8}">
+      <dsp:nvSpPr>
+        <dsp:cNvPr id="0" name=""/>
+        <dsp:cNvSpPr/>
+      </dsp:nvSpPr>
+      <dsp:spPr>
+        <a:xfrm>
+          <a:off x="610383" y="821680"/>
+          <a:ext cx="973792" cy="780851"/>
+        </a:xfrm>
+        <a:prstGeom prst="roundRect">
+          <a:avLst/>
+        </a:prstGeom>
+        <a:solidFill>
+          <a:schemeClr val="accent1">
+            <a:hueOff val="0"/>
+            <a:satOff val="0"/>
+            <a:lumOff val="0"/>
+            <a:alphaOff val="0"/>
+          </a:schemeClr>
+        </a:solidFill>
+        <a:ln w="25400" cap="flat" cmpd="sng" algn="ctr">
+          <a:solidFill>
+            <a:schemeClr val="lt1">
+              <a:hueOff val="0"/>
+              <a:satOff val="0"/>
+              <a:lumOff val="0"/>
+              <a:alphaOff val="0"/>
+            </a:schemeClr>
+          </a:solidFill>
+          <a:prstDash val="solid"/>
+        </a:ln>
+        <a:effectLst/>
+      </dsp:spPr>
+      <dsp:style>
+        <a:lnRef idx="2">
+          <a:scrgbClr r="0" g="0" b="0"/>
+        </a:lnRef>
+        <a:fillRef idx="1">
+          <a:scrgbClr r="0" g="0" b="0"/>
+        </a:fillRef>
+        <a:effectRef idx="0">
+          <a:scrgbClr r="0" g="0" b="0"/>
+        </a:effectRef>
+        <a:fontRef idx="minor">
+          <a:schemeClr val="lt1"/>
+        </a:fontRef>
+      </dsp:style>
+      <dsp:txBody>
+        <a:bodyPr spcFirstLastPara="0" vert="horz" wrap="square" lIns="148590" tIns="74295" rIns="148590" bIns="74295" numCol="1" spcCol="1270" anchor="ctr" anchorCtr="0">
+          <a:noAutofit/>
+        </a:bodyPr>
+        <a:lstStyle/>
+        <a:p>
+          <a:pPr lvl="0" algn="ctr" defTabSz="1733550">
+            <a:lnSpc>
+              <a:spcPct val="90000"/>
+            </a:lnSpc>
+            <a:spcBef>
+              <a:spcPct val="0"/>
+            </a:spcBef>
+            <a:spcAft>
+              <a:spcPct val="35000"/>
+            </a:spcAft>
+          </a:pPr>
+          <a:r>
+            <a:rPr lang="pt-BR" sz="3900" kern="1200" dirty="0" smtClean="0"/>
+            <a:t>O</a:t>
+          </a:r>
+          <a:endParaRPr lang="pt-BR" sz="3900" kern="1200" dirty="0"/>
+        </a:p>
+      </dsp:txBody>
+      <dsp:txXfrm>
+        <a:off x="648501" y="859798"/>
+        <a:ext cx="897556" cy="704615"/>
+      </dsp:txXfrm>
+    </dsp:sp>
+    <dsp:sp modelId="{B537AF99-9AB1-456B-BCCA-4451EC0943CA}">
+      <dsp:nvSpPr>
+        <dsp:cNvPr id="0" name=""/>
+        <dsp:cNvSpPr/>
+      </dsp:nvSpPr>
+      <dsp:spPr>
+        <a:xfrm rot="5400000">
+          <a:off x="3222555" y="81279"/>
+          <a:ext cx="624681" cy="3901440"/>
+        </a:xfrm>
+        <a:prstGeom prst="round2SameRect">
+          <a:avLst/>
+        </a:prstGeom>
+        <a:solidFill>
+          <a:schemeClr val="accent1">
+            <a:alpha val="90000"/>
+            <a:tint val="40000"/>
+            <a:hueOff val="0"/>
+            <a:satOff val="0"/>
+            <a:lumOff val="0"/>
+            <a:alphaOff val="0"/>
+          </a:schemeClr>
+        </a:solidFill>
+        <a:ln w="25400" cap="flat" cmpd="sng" algn="ctr">
+          <a:solidFill>
+            <a:schemeClr val="accent1">
+              <a:alpha val="90000"/>
+              <a:tint val="40000"/>
+              <a:hueOff val="0"/>
+              <a:satOff val="0"/>
+              <a:lumOff val="0"/>
+              <a:alphaOff val="0"/>
+            </a:schemeClr>
+          </a:solidFill>
+          <a:prstDash val="solid"/>
+        </a:ln>
+        <a:effectLst/>
+      </dsp:spPr>
+      <dsp:style>
+        <a:lnRef idx="2">
+          <a:scrgbClr r="0" g="0" b="0"/>
+        </a:lnRef>
+        <a:fillRef idx="1">
+          <a:scrgbClr r="0" g="0" b="0"/>
+        </a:fillRef>
+        <a:effectRef idx="0">
+          <a:scrgbClr r="0" g="0" b="0"/>
+        </a:effectRef>
+        <a:fontRef idx="minor"/>
+      </dsp:style>
+      <dsp:txBody>
+        <a:bodyPr spcFirstLastPara="0" vert="horz" wrap="square" lIns="80010" tIns="40005" rIns="80010" bIns="40005" numCol="1" spcCol="1270" anchor="ctr" anchorCtr="0">
+          <a:noAutofit/>
+        </a:bodyPr>
+        <a:lstStyle/>
+        <a:p>
+          <a:pPr marL="228600" lvl="1" indent="-228600" algn="l" defTabSz="933450">
+            <a:lnSpc>
+              <a:spcPct val="90000"/>
+            </a:lnSpc>
+            <a:spcBef>
+              <a:spcPct val="0"/>
+            </a:spcBef>
+            <a:spcAft>
+              <a:spcPct val="15000"/>
+            </a:spcAft>
+            <a:buChar char="••"/>
+          </a:pPr>
+          <a:r>
+            <a:rPr lang="pt-BR" sz="2100" kern="1200" dirty="0" err="1" smtClean="0">
+              <a:effectLst/>
+            </a:rPr>
+            <a:t>Liskov</a:t>
+          </a:r>
+          <a:r>
+            <a:rPr lang="pt-BR" sz="2100" kern="1200" dirty="0" smtClean="0">
+              <a:effectLst/>
+            </a:rPr>
+            <a:t> </a:t>
+          </a:r>
+          <a:r>
+            <a:rPr lang="pt-BR" sz="2100" kern="1200" dirty="0" err="1" smtClean="0">
+              <a:effectLst/>
+            </a:rPr>
+            <a:t>Substitution</a:t>
+          </a:r>
+          <a:r>
+            <a:rPr lang="pt-BR" sz="2100" kern="1200" dirty="0" smtClean="0">
+              <a:effectLst/>
+            </a:rPr>
+            <a:t> </a:t>
+          </a:r>
+          <a:r>
+            <a:rPr lang="pt-BR" sz="2100" kern="1200" dirty="0" err="1" smtClean="0">
+              <a:effectLst/>
+            </a:rPr>
+            <a:t>Principle</a:t>
+          </a:r>
+          <a:endParaRPr lang="pt-BR" sz="2100" kern="1200" dirty="0"/>
+        </a:p>
+      </dsp:txBody>
+      <dsp:txXfrm rot="-5400000">
+        <a:off x="1584176" y="1750152"/>
+        <a:ext cx="3870946" cy="563693"/>
+      </dsp:txXfrm>
+    </dsp:sp>
+    <dsp:sp modelId="{593AD2FB-F03B-4C01-9E9E-0147C2A5E6B5}">
+      <dsp:nvSpPr>
+        <dsp:cNvPr id="0" name=""/>
+        <dsp:cNvSpPr/>
+      </dsp:nvSpPr>
+      <dsp:spPr>
+        <a:xfrm>
+          <a:off x="610383" y="1641574"/>
+          <a:ext cx="973792" cy="780851"/>
+        </a:xfrm>
+        <a:prstGeom prst="roundRect">
+          <a:avLst/>
+        </a:prstGeom>
+        <a:solidFill>
+          <a:schemeClr val="accent1">
+            <a:hueOff val="0"/>
+            <a:satOff val="0"/>
+            <a:lumOff val="0"/>
+            <a:alphaOff val="0"/>
+          </a:schemeClr>
+        </a:solidFill>
+        <a:ln w="25400" cap="flat" cmpd="sng" algn="ctr">
+          <a:solidFill>
+            <a:schemeClr val="lt1">
+              <a:hueOff val="0"/>
+              <a:satOff val="0"/>
+              <a:lumOff val="0"/>
+              <a:alphaOff val="0"/>
+            </a:schemeClr>
+          </a:solidFill>
+          <a:prstDash val="solid"/>
+        </a:ln>
+        <a:effectLst/>
+      </dsp:spPr>
+      <dsp:style>
+        <a:lnRef idx="2">
+          <a:scrgbClr r="0" g="0" b="0"/>
+        </a:lnRef>
+        <a:fillRef idx="1">
+          <a:scrgbClr r="0" g="0" b="0"/>
+        </a:fillRef>
+        <a:effectRef idx="0">
+          <a:scrgbClr r="0" g="0" b="0"/>
+        </a:effectRef>
+        <a:fontRef idx="minor">
+          <a:schemeClr val="lt1"/>
+        </a:fontRef>
+      </dsp:style>
+      <dsp:txBody>
+        <a:bodyPr spcFirstLastPara="0" vert="horz" wrap="square" lIns="148590" tIns="74295" rIns="148590" bIns="74295" numCol="1" spcCol="1270" anchor="ctr" anchorCtr="0">
+          <a:noAutofit/>
+        </a:bodyPr>
+        <a:lstStyle/>
+        <a:p>
+          <a:pPr lvl="0" algn="ctr" defTabSz="1733550">
+            <a:lnSpc>
+              <a:spcPct val="90000"/>
+            </a:lnSpc>
+            <a:spcBef>
+              <a:spcPct val="0"/>
+            </a:spcBef>
+            <a:spcAft>
+              <a:spcPct val="35000"/>
+            </a:spcAft>
+          </a:pPr>
+          <a:r>
+            <a:rPr lang="pt-BR" sz="3900" kern="1200" dirty="0" smtClean="0"/>
+            <a:t>L</a:t>
+          </a:r>
+          <a:endParaRPr lang="pt-BR" sz="3900" kern="1200" dirty="0"/>
+        </a:p>
+      </dsp:txBody>
+      <dsp:txXfrm>
+        <a:off x="648501" y="1679692"/>
+        <a:ext cx="897556" cy="704615"/>
+      </dsp:txXfrm>
+    </dsp:sp>
+    <dsp:sp modelId="{B13CB837-3880-42B6-8389-9F7A793A7713}">
+      <dsp:nvSpPr>
+        <dsp:cNvPr id="0" name=""/>
+        <dsp:cNvSpPr/>
+      </dsp:nvSpPr>
+      <dsp:spPr>
+        <a:xfrm rot="5400000">
+          <a:off x="3222555" y="901174"/>
+          <a:ext cx="624681" cy="3901440"/>
+        </a:xfrm>
+        <a:prstGeom prst="round2SameRect">
+          <a:avLst/>
+        </a:prstGeom>
+        <a:solidFill>
+          <a:schemeClr val="accent1">
+            <a:alpha val="90000"/>
+            <a:tint val="40000"/>
+            <a:hueOff val="0"/>
+            <a:satOff val="0"/>
+            <a:lumOff val="0"/>
+            <a:alphaOff val="0"/>
+          </a:schemeClr>
+        </a:solidFill>
+        <a:ln w="25400" cap="flat" cmpd="sng" algn="ctr">
+          <a:solidFill>
+            <a:schemeClr val="accent1">
+              <a:alpha val="90000"/>
+              <a:tint val="40000"/>
+              <a:hueOff val="0"/>
+              <a:satOff val="0"/>
+              <a:lumOff val="0"/>
+              <a:alphaOff val="0"/>
+            </a:schemeClr>
+          </a:solidFill>
+          <a:prstDash val="solid"/>
+        </a:ln>
+        <a:effectLst/>
+      </dsp:spPr>
+      <dsp:style>
+        <a:lnRef idx="2">
+          <a:scrgbClr r="0" g="0" b="0"/>
+        </a:lnRef>
+        <a:fillRef idx="1">
+          <a:scrgbClr r="0" g="0" b="0"/>
+        </a:fillRef>
+        <a:effectRef idx="0">
+          <a:scrgbClr r="0" g="0" b="0"/>
+        </a:effectRef>
+        <a:fontRef idx="minor"/>
+      </dsp:style>
+      <dsp:txBody>
+        <a:bodyPr spcFirstLastPara="0" vert="horz" wrap="square" lIns="80010" tIns="40005" rIns="80010" bIns="40005" numCol="1" spcCol="1270" anchor="ctr" anchorCtr="0">
+          <a:noAutofit/>
+        </a:bodyPr>
+        <a:lstStyle/>
+        <a:p>
+          <a:pPr marL="228600" lvl="1" indent="-228600" algn="l" defTabSz="933450">
+            <a:lnSpc>
+              <a:spcPct val="90000"/>
+            </a:lnSpc>
+            <a:spcBef>
+              <a:spcPct val="0"/>
+            </a:spcBef>
+            <a:spcAft>
+              <a:spcPct val="15000"/>
+            </a:spcAft>
+            <a:buChar char="••"/>
+          </a:pPr>
+          <a:r>
+            <a:rPr lang="pt-BR" sz="2100" kern="1200" dirty="0" smtClean="0">
+              <a:effectLst/>
+            </a:rPr>
+            <a:t>Interface </a:t>
+          </a:r>
+          <a:r>
+            <a:rPr lang="pt-BR" sz="2100" kern="1200" dirty="0" err="1" smtClean="0">
+              <a:effectLst/>
+            </a:rPr>
+            <a:t>Segregation</a:t>
+          </a:r>
+          <a:r>
+            <a:rPr lang="pt-BR" sz="2100" kern="1200" dirty="0" smtClean="0">
+              <a:effectLst/>
+            </a:rPr>
+            <a:t> </a:t>
+          </a:r>
+          <a:r>
+            <a:rPr lang="pt-BR" sz="2100" kern="1200" dirty="0" err="1" smtClean="0">
+              <a:effectLst/>
+            </a:rPr>
+            <a:t>Principle</a:t>
+          </a:r>
+          <a:endParaRPr lang="pt-BR" sz="2100" kern="1200" dirty="0"/>
+        </a:p>
+      </dsp:txBody>
+      <dsp:txXfrm rot="-5400000">
+        <a:off x="1584176" y="2570047"/>
+        <a:ext cx="3870946" cy="563693"/>
+      </dsp:txXfrm>
+    </dsp:sp>
+    <dsp:sp modelId="{00E230A4-C97B-4A93-B27F-5203F1F99560}">
+      <dsp:nvSpPr>
+        <dsp:cNvPr id="0" name=""/>
+        <dsp:cNvSpPr/>
+      </dsp:nvSpPr>
+      <dsp:spPr>
+        <a:xfrm>
+          <a:off x="610383" y="2461468"/>
+          <a:ext cx="973792" cy="780851"/>
+        </a:xfrm>
+        <a:prstGeom prst="roundRect">
+          <a:avLst/>
+        </a:prstGeom>
+        <a:solidFill>
+          <a:schemeClr val="accent1">
+            <a:hueOff val="0"/>
+            <a:satOff val="0"/>
+            <a:lumOff val="0"/>
+            <a:alphaOff val="0"/>
+          </a:schemeClr>
+        </a:solidFill>
+        <a:ln w="25400" cap="flat" cmpd="sng" algn="ctr">
+          <a:solidFill>
+            <a:schemeClr val="lt1">
+              <a:hueOff val="0"/>
+              <a:satOff val="0"/>
+              <a:lumOff val="0"/>
+              <a:alphaOff val="0"/>
+            </a:schemeClr>
+          </a:solidFill>
+          <a:prstDash val="solid"/>
+        </a:ln>
+        <a:effectLst/>
+      </dsp:spPr>
+      <dsp:style>
+        <a:lnRef idx="2">
+          <a:scrgbClr r="0" g="0" b="0"/>
+        </a:lnRef>
+        <a:fillRef idx="1">
+          <a:scrgbClr r="0" g="0" b="0"/>
+        </a:fillRef>
+        <a:effectRef idx="0">
+          <a:scrgbClr r="0" g="0" b="0"/>
+        </a:effectRef>
+        <a:fontRef idx="minor">
+          <a:schemeClr val="lt1"/>
+        </a:fontRef>
+      </dsp:style>
+      <dsp:txBody>
+        <a:bodyPr spcFirstLastPara="0" vert="horz" wrap="square" lIns="148590" tIns="74295" rIns="148590" bIns="74295" numCol="1" spcCol="1270" anchor="ctr" anchorCtr="0">
+          <a:noAutofit/>
+        </a:bodyPr>
+        <a:lstStyle/>
+        <a:p>
+          <a:pPr lvl="0" algn="ctr" defTabSz="1733550">
+            <a:lnSpc>
+              <a:spcPct val="90000"/>
+            </a:lnSpc>
+            <a:spcBef>
+              <a:spcPct val="0"/>
+            </a:spcBef>
+            <a:spcAft>
+              <a:spcPct val="35000"/>
+            </a:spcAft>
+          </a:pPr>
+          <a:r>
+            <a:rPr lang="pt-BR" sz="3900" kern="1200" dirty="0" smtClean="0"/>
+            <a:t>I</a:t>
+          </a:r>
+          <a:endParaRPr lang="pt-BR" sz="3900" kern="1200" dirty="0"/>
+        </a:p>
+      </dsp:txBody>
+      <dsp:txXfrm>
+        <a:off x="648501" y="2499586"/>
+        <a:ext cx="897556" cy="704615"/>
+      </dsp:txXfrm>
+    </dsp:sp>
+    <dsp:sp modelId="{FA67E824-845A-4CE1-9B21-C78F454583E7}">
+      <dsp:nvSpPr>
+        <dsp:cNvPr id="0" name=""/>
+        <dsp:cNvSpPr/>
+      </dsp:nvSpPr>
+      <dsp:spPr>
+        <a:xfrm rot="5400000">
+          <a:off x="3222555" y="1721068"/>
+          <a:ext cx="624681" cy="3901440"/>
+        </a:xfrm>
+        <a:prstGeom prst="round2SameRect">
+          <a:avLst/>
+        </a:prstGeom>
+        <a:solidFill>
+          <a:schemeClr val="accent1">
+            <a:alpha val="90000"/>
+            <a:tint val="40000"/>
+            <a:hueOff val="0"/>
+            <a:satOff val="0"/>
+            <a:lumOff val="0"/>
+            <a:alphaOff val="0"/>
+          </a:schemeClr>
+        </a:solidFill>
+        <a:ln w="25400" cap="flat" cmpd="sng" algn="ctr">
+          <a:solidFill>
+            <a:schemeClr val="accent1">
+              <a:alpha val="90000"/>
+              <a:tint val="40000"/>
+              <a:hueOff val="0"/>
+              <a:satOff val="0"/>
+              <a:lumOff val="0"/>
+              <a:alphaOff val="0"/>
+            </a:schemeClr>
+          </a:solidFill>
+          <a:prstDash val="solid"/>
+        </a:ln>
+        <a:effectLst/>
+      </dsp:spPr>
+      <dsp:style>
+        <a:lnRef idx="2">
+          <a:scrgbClr r="0" g="0" b="0"/>
+        </a:lnRef>
+        <a:fillRef idx="1">
+          <a:scrgbClr r="0" g="0" b="0"/>
+        </a:fillRef>
+        <a:effectRef idx="0">
+          <a:scrgbClr r="0" g="0" b="0"/>
+        </a:effectRef>
+        <a:fontRef idx="minor"/>
+      </dsp:style>
+      <dsp:txBody>
+        <a:bodyPr spcFirstLastPara="0" vert="horz" wrap="square" lIns="80010" tIns="40005" rIns="80010" bIns="40005" numCol="1" spcCol="1270" anchor="ctr" anchorCtr="0">
+          <a:noAutofit/>
+        </a:bodyPr>
+        <a:lstStyle/>
+        <a:p>
+          <a:pPr marL="228600" lvl="1" indent="-228600" algn="l" defTabSz="933450">
+            <a:lnSpc>
+              <a:spcPct val="90000"/>
+            </a:lnSpc>
+            <a:spcBef>
+              <a:spcPct val="0"/>
+            </a:spcBef>
+            <a:spcAft>
+              <a:spcPct val="15000"/>
+            </a:spcAft>
+            <a:buChar char="••"/>
+          </a:pPr>
+          <a:r>
+            <a:rPr lang="pt-BR" sz="2100" kern="1200" dirty="0" err="1" smtClean="0">
+              <a:effectLst/>
+            </a:rPr>
+            <a:t>Dependency</a:t>
+          </a:r>
+          <a:r>
+            <a:rPr lang="pt-BR" sz="2100" kern="1200" dirty="0" smtClean="0">
+              <a:effectLst/>
+            </a:rPr>
+            <a:t> </a:t>
+          </a:r>
+          <a:r>
+            <a:rPr lang="pt-BR" sz="2100" kern="1200" dirty="0" err="1" smtClean="0">
+              <a:effectLst/>
+            </a:rPr>
+            <a:t>Inversion</a:t>
+          </a:r>
+          <a:r>
+            <a:rPr lang="pt-BR" sz="2100" kern="1200" dirty="0" smtClean="0">
+              <a:effectLst/>
+            </a:rPr>
+            <a:t> </a:t>
+          </a:r>
+          <a:r>
+            <a:rPr lang="pt-BR" sz="2100" kern="1200" dirty="0" err="1" smtClean="0">
+              <a:effectLst/>
+            </a:rPr>
+            <a:t>Principle</a:t>
+          </a:r>
+          <a:endParaRPr lang="pt-BR" sz="2100" kern="1200" dirty="0"/>
+        </a:p>
+      </dsp:txBody>
+      <dsp:txXfrm rot="-5400000">
+        <a:off x="1584176" y="3389941"/>
+        <a:ext cx="3870946" cy="563693"/>
+      </dsp:txXfrm>
+    </dsp:sp>
+    <dsp:sp modelId="{47BF0AD3-C69B-4A22-B6F7-B73EAB2A1AFD}">
+      <dsp:nvSpPr>
+        <dsp:cNvPr id="0" name=""/>
+        <dsp:cNvSpPr/>
+      </dsp:nvSpPr>
+      <dsp:spPr>
+        <a:xfrm>
+          <a:off x="610383" y="3281362"/>
+          <a:ext cx="973792" cy="780851"/>
+        </a:xfrm>
+        <a:prstGeom prst="roundRect">
+          <a:avLst/>
+        </a:prstGeom>
+        <a:solidFill>
+          <a:schemeClr val="accent1">
+            <a:hueOff val="0"/>
+            <a:satOff val="0"/>
+            <a:lumOff val="0"/>
+            <a:alphaOff val="0"/>
+          </a:schemeClr>
+        </a:solidFill>
+        <a:ln w="25400" cap="flat" cmpd="sng" algn="ctr">
+          <a:solidFill>
+            <a:schemeClr val="lt1">
+              <a:hueOff val="0"/>
+              <a:satOff val="0"/>
+              <a:lumOff val="0"/>
+              <a:alphaOff val="0"/>
+            </a:schemeClr>
+          </a:solidFill>
+          <a:prstDash val="solid"/>
+        </a:ln>
+        <a:effectLst/>
+      </dsp:spPr>
+      <dsp:style>
+        <a:lnRef idx="2">
+          <a:scrgbClr r="0" g="0" b="0"/>
+        </a:lnRef>
+        <a:fillRef idx="1">
+          <a:scrgbClr r="0" g="0" b="0"/>
+        </a:fillRef>
+        <a:effectRef idx="0">
+          <a:scrgbClr r="0" g="0" b="0"/>
+        </a:effectRef>
+        <a:fontRef idx="minor">
+          <a:schemeClr val="lt1"/>
+        </a:fontRef>
+      </dsp:style>
+      <dsp:txBody>
+        <a:bodyPr spcFirstLastPara="0" vert="horz" wrap="square" lIns="148590" tIns="74295" rIns="148590" bIns="74295" numCol="1" spcCol="1270" anchor="ctr" anchorCtr="0">
+          <a:noAutofit/>
+        </a:bodyPr>
+        <a:lstStyle/>
+        <a:p>
+          <a:pPr lvl="0" algn="ctr" defTabSz="1733550">
+            <a:lnSpc>
+              <a:spcPct val="90000"/>
+            </a:lnSpc>
+            <a:spcBef>
+              <a:spcPct val="0"/>
+            </a:spcBef>
+            <a:spcAft>
+              <a:spcPct val="35000"/>
+            </a:spcAft>
+          </a:pPr>
+          <a:r>
+            <a:rPr lang="pt-BR" sz="3900" kern="1200" dirty="0" smtClean="0"/>
+            <a:t>D</a:t>
+          </a:r>
+          <a:endParaRPr lang="pt-BR" sz="3900" kern="1200" dirty="0"/>
+        </a:p>
+      </dsp:txBody>
+      <dsp:txXfrm>
+        <a:off x="648501" y="3319480"/>
+        <a:ext cx="897556" cy="704615"/>
+      </dsp:txXfrm>
+    </dsp:sp>
+  </dsp:spTree>
+</dsp:drawing>
+</file>
+
+<file path=ppt/diagrams/layout1.xml><?xml version="1.0" encoding="utf-8"?>
+<dgm:layoutDef xmlns:dgm="http://schemas.openxmlformats.org/drawingml/2006/diagram" xmlns:a="http://schemas.openxmlformats.org/drawingml/2006/main" uniqueId="urn:microsoft.com/office/officeart/2005/8/layout/vList5">
+  <dgm:title val=""/>
+  <dgm:desc val=""/>
+  <dgm:catLst>
+    <dgm:cat type="list" pri="15000"/>
+    <dgm:cat type="convert" pri="2000"/>
+  </dgm:catLst>
+  <dgm:sampData>
+    <dgm:dataModel>
+      <dgm:ptLst>
+        <dgm:pt modelId="0" type="doc"/>
+        <dgm:pt modelId="1">
+          <dgm:prSet phldr="1"/>
+        </dgm:pt>
+        <dgm:pt modelId="11">
+          <dgm:prSet phldr="1"/>
+        </dgm:pt>
+        <dgm:pt modelId="12">
+          <dgm:prSet phldr="1"/>
+        </dgm:pt>
+        <dgm:pt modelId="2">
+          <dgm:prSet phldr="1"/>
+        </dgm:pt>
+        <dgm:pt modelId="21">
+          <dgm:prSet phldr="1"/>
+        </dgm:pt>
+        <dgm:pt modelId="22">
+          <dgm:prSet phldr="1"/>
+        </dgm:pt>
+        <dgm:pt modelId="3">
+          <dgm:prSet phldr="1"/>
+        </dgm:pt>
+        <dgm:pt modelId="31">
+          <dgm:prSet phldr="1"/>
+        </dgm:pt>
+        <dgm:pt modelId="32">
+          <dgm:prSet phldr="1"/>
+        </dgm:pt>
+      </dgm:ptLst>
+      <dgm:cxnLst>
+        <dgm:cxn modelId="4" srcId="0" destId="1" srcOrd="0" destOrd="0"/>
+        <dgm:cxn modelId="5" srcId="0" destId="2" srcOrd="1" destOrd="0"/>
+        <dgm:cxn modelId="6" srcId="0" destId="3" srcOrd="2" destOrd="0"/>
+        <dgm:cxn modelId="13" srcId="1" destId="11" srcOrd="0" destOrd="0"/>
+        <dgm:cxn modelId="14" srcId="1" destId="12" srcOrd="1" destOrd="0"/>
+        <dgm:cxn modelId="23" srcId="2" destId="21" srcOrd="0" destOrd="0"/>
+        <dgm:cxn modelId="24" srcId="2" destId="22" srcOrd="1" destOrd="0"/>
+        <dgm:cxn modelId="33" srcId="3" destId="31" srcOrd="0" destOrd="0"/>
+        <dgm:cxn modelId="34" srcId="3" destId="32" srcOrd="1" destOrd="0"/>
+      </dgm:cxnLst>
+      <dgm:bg/>
+      <dgm:whole/>
+    </dgm:dataModel>
+  </dgm:sampData>
+  <dgm:styleData>
+    <dgm:dataModel>
+      <dgm:ptLst>
+        <dgm:pt modelId="0" type="doc"/>
+        <dgm:pt modelId="1"/>
+        <dgm:pt modelId="11"/>
+        <dgm:pt modelId="2"/>
+        <dgm:pt modelId="21"/>
+      </dgm:ptLst>
+      <dgm:cxnLst>
+        <dgm:cxn modelId="4" srcId="0" destId="1" srcOrd="0" destOrd="0"/>
+        <dgm:cxn modelId="5" srcId="0" destId="2" srcOrd="1" destOrd="0"/>
+        <dgm:cxn modelId="13" srcId="1" destId="11" srcOrd="0" destOrd="0"/>
+        <dgm:cxn modelId="23" srcId="2" destId="21" srcOrd="0" destOrd="0"/>
+      </dgm:cxnLst>
+      <dgm:bg/>
+      <dgm:whole/>
+    </dgm:dataModel>
+  </dgm:styleData>
+  <dgm:clrData>
+    <dgm:dataModel>
+      <dgm:ptLst>
+        <dgm:pt modelId="0" type="doc"/>
+        <dgm:pt modelId="1"/>
+        <dgm:pt modelId="11"/>
+        <dgm:pt modelId="2"/>
+        <dgm:pt modelId="21"/>
+        <dgm:pt modelId="3"/>
+        <dgm:pt modelId="31"/>
+        <dgm:pt modelId="4"/>
+        <dgm:pt modelId="41"/>
+      </dgm:ptLst>
+      <dgm:cxnLst>
+        <dgm:cxn modelId="5" srcId="0" destId="1" srcOrd="0" destOrd="0"/>
+        <dgm:cxn modelId="6" srcId="0" destId="2" srcOrd="1" destOrd="0"/>
+        <dgm:cxn modelId="7" srcId="0" destId="3" srcOrd="2" destOrd="0"/>
+        <dgm:cxn modelId="8" srcId="0" destId="4" srcOrd="3" destOrd="0"/>
+        <dgm:cxn modelId="13" srcId="1" destId="11" srcOrd="0" destOrd="0"/>
+        <dgm:cxn modelId="23" srcId="2" destId="21" srcOrd="0" destOrd="0"/>
+        <dgm:cxn modelId="33" srcId="3" destId="31" srcOrd="0" destOrd="0"/>
+        <dgm:cxn modelId="43" srcId="4" destId="41" srcOrd="0" destOrd="0"/>
+      </dgm:cxnLst>
+      <dgm:bg/>
+      <dgm:whole/>
+    </dgm:dataModel>
+  </dgm:clrData>
+  <dgm:layoutNode name="Name0">
+    <dgm:varLst>
+      <dgm:dir/>
+      <dgm:animLvl val="lvl"/>
+      <dgm:resizeHandles val="exact"/>
+    </dgm:varLst>
+    <dgm:choose name="Name1">
+      <dgm:if name="Name2" func="var" arg="dir" op="equ" val="norm">
+        <dgm:alg type="lin">
+          <dgm:param type="linDir" val="fromT"/>
+          <dgm:param type="nodeHorzAlign" val="l"/>
+        </dgm:alg>
+      </dgm:if>
+      <dgm:else name="Name3">
+        <dgm:alg type="lin">
+          <dgm:param type="linDir" val="fromT"/>
+          <dgm:param type="nodeHorzAlign" val="r"/>
+        </dgm:alg>
+      </dgm:else>
+    </dgm:choose>
+    <dgm:shape xmlns:r="http://schemas.openxmlformats.org/officeDocument/2006/relationships" r:blip="">
+      <dgm:adjLst/>
+    </dgm:shape>
+    <dgm:presOf/>
+    <dgm:constrLst>
+      <dgm:constr type="h" for="ch" forName="linNode" refType="h"/>
+      <dgm:constr type="w" for="ch" forName="linNode" refType="w"/>
+      <dgm:constr type="h" for="ch" forName="sp" refType="h" fact="0.05"/>
+      <dgm:constr type="primFontSz" for="des" forName="parentText" op="equ" val="65"/>
+      <dgm:constr type="secFontSz" for="des" forName="descendantText" op="equ"/>
+    </dgm:constrLst>
+    <dgm:ruleLst/>
+    <dgm:forEach name="Name4" axis="ch" ptType="node">
+      <dgm:layoutNode name="linNode">
+        <dgm:choose name="Name5">
+          <dgm:if name="Name6" func="var" arg="dir" op="equ" val="norm">
+            <dgm:alg type="lin">
+              <dgm:param type="linDir" val="fromL"/>
+            </dgm:alg>
+          </dgm:if>
+          <dgm:else name="Name7">
+            <dgm:alg type="lin">
+              <dgm:param type="linDir" val="fromR"/>
+            </dgm:alg>
+          </dgm:else>
+        </dgm:choose>
+        <dgm:shape xmlns:r="http://schemas.openxmlformats.org/officeDocument/2006/relationships" r:blip="">
+          <dgm:adjLst/>
+        </dgm:shape>
+        <dgm:presOf/>
+        <dgm:constrLst>
+          <dgm:constr type="w" for="ch" forName="parentText" refType="w" fact="0.36"/>
+          <dgm:constr type="w" for="ch" forName="descendantText" refType="w" fact="0.64"/>
+          <dgm:constr type="h" for="ch" forName="parentText" refType="h"/>
+          <dgm:constr type="h" for="ch" forName="descendantText" refType="h" refFor="ch" refForName="parentText" fact="0.8"/>
+        </dgm:constrLst>
+        <dgm:ruleLst/>
+        <dgm:layoutNode name="parentText">
+          <dgm:varLst>
+            <dgm:chMax val="1"/>
+            <dgm:bulletEnabled val="1"/>
+          </dgm:varLst>
+          <dgm:alg type="tx"/>
+          <dgm:shape xmlns:r="http://schemas.openxmlformats.org/officeDocument/2006/relationships" type="roundRect" r:blip="" zOrderOff="3">
+            <dgm:adjLst/>
+          </dgm:shape>
+          <dgm:presOf axis="self" ptType="node"/>
+          <dgm:constrLst>
+            <dgm:constr type="tMarg" refType="primFontSz" fact="0.15"/>
+            <dgm:constr type="bMarg" refType="primFontSz" fact="0.15"/>
+            <dgm:constr type="lMarg" refType="primFontSz" fact="0.3"/>
+            <dgm:constr type="rMarg" refType="primFontSz" fact="0.3"/>
+          </dgm:constrLst>
+          <dgm:ruleLst>
+            <dgm:rule type="primFontSz" val="5" fact="NaN" max="NaN"/>
+          </dgm:ruleLst>
+        </dgm:layoutNode>
+        <dgm:choose name="Name8">
+          <dgm:if name="Name9" axis="ch" ptType="node" func="cnt" op="gte" val="1">
+            <dgm:layoutNode name="descendantText" styleLbl="alignAccFollowNode1">
+              <dgm:varLst>
+                <dgm:bulletEnabled val="1"/>
+              </dgm:varLst>
+              <dgm:alg type="tx">
+                <dgm:param type="stBulletLvl" val="1"/>
+                <dgm:param type="txAnchorVertCh" val="mid"/>
+              </dgm:alg>
+              <dgm:choose name="Name10">
+                <dgm:if name="Name11" func="var" arg="dir" op="equ" val="norm">
+                  <dgm:shape xmlns:r="http://schemas.openxmlformats.org/officeDocument/2006/relationships" rot="90" type="round2SameRect" r:blip="">
+                    <dgm:adjLst/>
+                  </dgm:shape>
+                </dgm:if>
+                <dgm:else name="Name12">
+                  <dgm:shape xmlns:r="http://schemas.openxmlformats.org/officeDocument/2006/relationships" rot="-90" type="round2SameRect" r:blip="">
+                    <dgm:adjLst/>
+                  </dgm:shape>
+                </dgm:else>
+              </dgm:choose>
+              <dgm:presOf axis="des" ptType="node"/>
+              <dgm:constrLst>
+                <dgm:constr type="secFontSz" val="65"/>
+                <dgm:constr type="primFontSz" refType="secFontSz"/>
+                <dgm:constr type="lMarg" refType="secFontSz" fact="0.3"/>
+                <dgm:constr type="rMarg" refType="secFontSz" fact="0.3"/>
+                <dgm:constr type="tMarg" refType="secFontSz" fact="0.15"/>
+                <dgm:constr type="bMarg" refType="secFontSz" fact="0.15"/>
+              </dgm:constrLst>
+              <dgm:ruleLst>
+                <dgm:rule type="secFontSz" val="5" fact="NaN" max="NaN"/>
+              </dgm:ruleLst>
+            </dgm:layoutNode>
+          </dgm:if>
+          <dgm:else name="Name13"/>
+        </dgm:choose>
+      </dgm:layoutNode>
+      <dgm:forEach name="Name14" axis="followSib" ptType="sibTrans" cnt="1">
+        <dgm:layoutNode name="sp">
+          <dgm:alg type="sp"/>
+          <dgm:shape xmlns:r="http://schemas.openxmlformats.org/officeDocument/2006/relationships" r:blip="">
+            <dgm:adjLst/>
+          </dgm:shape>
+          <dgm:presOf/>
+          <dgm:constrLst/>
+          <dgm:ruleLst/>
+        </dgm:layoutNode>
+      </dgm:forEach>
+    </dgm:forEach>
+  </dgm:layoutNode>
+</dgm:layoutDef>
+</file>
+
+<file path=ppt/diagrams/quickStyle1.xml><?xml version="1.0" encoding="utf-8"?>
+<dgm:styleDef xmlns:dgm="http://schemas.openxmlformats.org/drawingml/2006/diagram" xmlns:a="http://schemas.openxmlformats.org/drawingml/2006/main" uniqueId="urn:microsoft.com/office/officeart/2005/8/quickstyle/simple1">
+  <dgm:title val=""/>
+  <dgm:desc val=""/>
+  <dgm:catLst>
+    <dgm:cat type="simple" pri="10100"/>
+  </dgm:catLst>
+  <dgm:scene3d>
+    <a:camera prst="orthographicFront"/>
+    <a:lightRig rig="threePt" dir="t"/>
+  </dgm:scene3d>
+  <dgm:styleLbl name="node0">
+    <dgm:scene3d>
+      <a:camera prst="orthographicFront"/>
+      <a:lightRig rig="threePt" dir="t"/>
+    </dgm:scene3d>
+    <dgm:sp3d/>
+    <dgm:txPr/>
+    <dgm:style>
+      <a:lnRef idx="2">
+        <a:scrgbClr r="0" g="0" b="0"/>
+      </a:lnRef>
+      <a:fillRef idx="1">
+        <a:scrgbClr r="0" g="0" b="0"/>
+      </a:fillRef>
+      <a:effectRef idx="0">
+        <a:scrgbClr r="0" g="0" b="0"/>
+      </a:effectRef>
+      <a:fontRef idx="minor">
+        <a:schemeClr val="lt1"/>
+      </a:fontRef>
+    </dgm:style>
+  </dgm:styleLbl>
+  <dgm:styleLbl name="lnNode1">
+    <dgm:scene3d>
+      <a:camera prst="orthographicFront"/>
+      <a:lightRig rig="threePt" dir="t"/>
+    </dgm:scene3d>
+    <dgm:sp3d/>
+    <dgm:txPr/>
+    <dgm:style>
+      <a:lnRef idx="2">
+        <a:scrgbClr r="0" g="0" b="0"/>
+      </a:lnRef>
+      <a:fillRef idx="1">
+        <a:scrgbClr r="0" g="0" b="0"/>
+      </a:fillRef>
+      <a:effectRef idx="0">
+        <a:scrgbClr r="0" g="0" b="0"/>
+      </a:effectRef>
+      <a:fontRef idx="minor">
+        <a:schemeClr val="lt1"/>
+      </a:fontRef>
+    </dgm:style>
+  </dgm:styleLbl>
+  <dgm:styleLbl name="vennNode1">
+    <dgm:scene3d>
+      <a:camera prst="orthographicFront"/>
+      <a:lightRig rig="threePt" dir="t"/>
+    </dgm:scene3d>
+    <dgm:sp3d/>
+    <dgm:txPr/>
+    <dgm:style>
+      <a:lnRef idx="2">
+        <a:scrgbClr r="0" g="0" b="0"/>
+      </a:lnRef>
+      <a:fillRef idx="1">
+        <a:scrgbClr r="0" g="0" b="0"/>
+      </a:fillRef>
+      <a:effectRef idx="0">
+        <a:scrgbClr r="0" g="0" b="0"/>
+      </a:effectRef>
+      <a:fontRef idx="minor">
+        <a:schemeClr val="tx1"/>
+      </a:fontRef>
+    </dgm:style>
+  </dgm:styleLbl>
+  <dgm:styleLbl name="alignNode1">
+    <dgm:scene3d>
+      <a:camera prst="orthographicFront"/>
+      <a:lightRig rig="threePt" dir="t"/>
+    </dgm:scene3d>
+    <dgm:sp3d/>
+    <dgm:txPr/>
+    <dgm:style>
+      <a:lnRef idx="2">
+        <a:scrgbClr r="0" g="0" b="0"/>
+      </a:lnRef>
+      <a:fillRef idx="1">
+        <a:scrgbClr r="0" g="0" b="0"/>
+      </a:fillRef>
+      <a:effectRef idx="0">
+        <a:scrgbClr r="0" g="0" b="0"/>
+      </a:effectRef>
+      <a:fontRef idx="minor">
+        <a:schemeClr val="lt1"/>
+      </a:fontRef>
+    </dgm:style>
+  </dgm:styleLbl>
+  <dgm:styleLbl name="node1">
+    <dgm:scene3d>
+      <a:camera prst="orthographicFront"/>
+      <a:lightRig rig="threePt" dir="t"/>
+    </dgm:scene3d>
+    <dgm:sp3d/>
+    <dgm:txPr/>
+    <dgm:style>
+      <a:lnRef idx="2">
+        <a:scrgbClr r="0" g="0" b="0"/>
+      </a:lnRef>
+      <a:fillRef idx="1">
+        <a:scrgbClr r="0" g="0" b="0"/>
+      </a:fillRef>
+      <a:effectRef idx="0">
+        <a:scrgbClr r="0" g="0" b="0"/>
+      </a:effectRef>
+      <a:fontRef idx="minor">
+        <a:schemeClr val="lt1"/>
+      </a:fontRef>
+    </dgm:style>
+  </dgm:styleLbl>
+  <dgm:styleLbl name="node2">
+    <dgm:scene3d>
+      <a:camera prst="orthographicFront"/>
+      <a:lightRig rig="threePt" dir="t"/>
+    </dgm:scene3d>
+    <dgm:sp3d/>
+    <dgm:txPr/>
+    <dgm:style>
+      <a:lnRef idx="2">
+        <a:scrgbClr r="0" g="0" b="0"/>
+      </a:lnRef>
+      <a:fillRef idx="1">
+        <a:scrgbClr r="0" g="0" b="0"/>
+      </a:fillRef>
+      <a:effectRef idx="0">
+        <a:scrgbClr r="0" g="0" b="0"/>
+      </a:effectRef>
+      <a:fontRef idx="minor">
+        <a:schemeClr val="lt1"/>
+      </a:fontRef>
+    </dgm:style>
+  </dgm:styleLbl>
+  <dgm:styleLbl name="node3">
+    <dgm:scene3d>
+      <a:camera prst="orthographicFront"/>
+      <a:lightRig rig="threePt" dir="t"/>
+    </dgm:scene3d>
+    <dgm:sp3d/>
+    <dgm:txPr/>
+    <dgm:style>
+      <a:lnRef idx="2">
+        <a:scrgbClr r="0" g="0" b="0"/>
+      </a:lnRef>
+      <a:fillRef idx="1">
+        <a:scrgbClr r="0" g="0" b="0"/>
+      </a:fillRef>
+      <a:effectRef idx="0">
+        <a:scrgbClr r="0" g="0" b="0"/>
+      </a:effectRef>
+      <a:fontRef idx="minor">
+        <a:schemeClr val="lt1"/>
+      </a:fontRef>
+    </dgm:style>
+  </dgm:styleLbl>
+  <dgm:styleLbl name="node4">
+    <dgm:scene3d>
+      <a:camera prst="orthographicFront"/>
+      <a:lightRig rig="threePt" dir="t"/>
+    </dgm:scene3d>
+    <dgm:sp3d/>
+    <dgm:txPr/>
+    <dgm:style>
+      <a:lnRef idx="2">
+        <a:scrgbClr r="0" g="0" b="0"/>
+      </a:lnRef>
+      <a:fillRef idx="1">
+        <a:scrgbClr r="0" g="0" b="0"/>
+      </a:fillRef>
+      <a:effectRef idx="0">
+        <a:scrgbClr r="0" g="0" b="0"/>
+      </a:effectRef>
+      <a:fontRef idx="minor">
+        <a:schemeClr val="lt1"/>
+      </a:fontRef>
+    </dgm:style>
+  </dgm:styleLbl>
+  <dgm:styleLbl name="fgImgPlace1">
+    <dgm:scene3d>
+      <a:camera prst="orthographicFront"/>
+      <a:lightRig rig="threePt" dir="t"/>
+    </dgm:scene3d>
+    <dgm:sp3d/>
+    <dgm:txPr/>
+    <dgm:style>
+      <a:lnRef idx="2">
+        <a:scrgbClr r="0" g="0" b="0"/>
+      </a:lnRef>
+      <a:fillRef idx="1">
+        <a:scrgbClr r="0" g="0" b="0"/>
+      </a:fillRef>
+      <a:effectRef idx="0">
+        <a:scrgbClr r="0" g="0" b="0"/>
+      </a:effectRef>
+      <a:fontRef idx="minor"/>
+    </dgm:style>
+  </dgm:styleLbl>
+  <dgm:styleLbl name="alignImgPlace1">
+    <dgm:scene3d>
+      <a:camera prst="orthographicFront"/>
+      <a:lightRig rig="threePt" dir="t"/>
+    </dgm:scene3d>
+    <dgm:sp3d/>
+    <dgm:txPr/>
+    <dgm:style>
+      <a:lnRef idx="2">
+        <a:scrgbClr r="0" g="0" b="0"/>
+      </a:lnRef>
+      <a:fillRef idx="1">
+        <a:scrgbClr r="0" g="0" b="0"/>
+      </a:fillRef>
+      <a:effectRef idx="0">
+        <a:scrgbClr r="0" g="0" b="0"/>
+      </a:effectRef>
+      <a:fontRef idx="minor"/>
+    </dgm:style>
+  </dgm:styleLbl>
+  <dgm:styleLbl name="bgImgPlace1">
+    <dgm:scene3d>
+      <a:camera prst="orthographicFront"/>
+      <a:lightRig rig="threePt" dir="t"/>
+    </dgm:scene3d>
+    <dgm:sp3d/>
+    <dgm:txPr/>
+    <dgm:style>
+      <a:lnRef idx="2">
+        <a:scrgbClr r="0" g="0" b="0"/>
+      </a:lnRef>
+      <a:fillRef idx="1">
+        <a:scrgbClr r="0" g="0" b="0"/>
+      </a:fillRef>
+      <a:effectRef idx="0">
+        <a:scrgbClr r="0" g="0" b="0"/>
+      </a:effectRef>
+      <a:fontRef idx="minor"/>
+    </dgm:style>
+  </dgm:styleLbl>
+  <dgm:styleLbl name="sibTrans2D1">
+    <dgm:scene3d>
+      <a:camera prst="orthographicFront"/>
+      <a:lightRig rig="threePt" dir="t"/>
+    </dgm:scene3d>
+    <dgm:sp3d/>
+    <dgm:txPr/>
+    <dgm:style>
+      <a:lnRef idx="0">
+        <a:scrgbClr r="0" g="0" b="0"/>
+      </a:lnRef>
+      <a:fillRef idx="1">
+        <a:scrgbClr r="0" g="0" b="0"/>
+      </a:fillRef>
+      <a:effectRef idx="0">
+        <a:scrgbClr r="0" g="0" b="0"/>
+      </a:effectRef>
+      <a:fontRef idx="minor">
+        <a:schemeClr val="lt1"/>
+      </a:fontRef>
+    </dgm:style>
+  </dgm:styleLbl>
+  <dgm:styleLbl name="fgSibTrans2D1">
+    <dgm:scene3d>
+      <a:camera prst="orthographicFront"/>
+      <a:lightRig rig="threePt" dir="t"/>
+    </dgm:scene3d>
+    <dgm:sp3d/>
+    <dgm:txPr/>
+    <dgm:style>
+      <a:lnRef idx="0">
+        <a:scrgbClr r="0" g="0" b="0"/>
+      </a:lnRef>
+      <a:fillRef idx="1">
+        <a:scrgbClr r="0" g="0" b="0"/>
+      </a:fillRef>
+      <a:effectRef idx="0">
+        <a:scrgbClr r="0" g="0" b="0"/>
+      </a:effectRef>
+      <a:fontRef idx="minor">
+        <a:schemeClr val="lt1"/>
+      </a:fontRef>
+    </dgm:style>
+  </dgm:styleLbl>
+  <dgm:styleLbl name="bgSibTrans2D1">
+    <dgm:scene3d>
+      <a:camera prst="orthographicFront"/>
+      <a:lightRig rig="threePt" dir="t"/>
+    </dgm:scene3d>
+    <dgm:sp3d/>
+    <dgm:txPr/>
+    <dgm:style>
+      <a:lnRef idx="0">
+        <a:scrgbClr r="0" g="0" b="0"/>
+      </a:lnRef>
+      <a:fillRef idx="1">
+        <a:scrgbClr r="0" g="0" b="0"/>
+      </a:fillRef>
+      <a:effectRef idx="0">
+        <a:scrgbClr r="0" g="0" b="0"/>
+      </a:effectRef>
+      <a:fontRef idx="minor">
+        <a:schemeClr val="lt1"/>
+      </a:fontRef>
+    </dgm:style>
+  </dgm:styleLbl>
+  <dgm:styleLbl name="sibTrans1D1">
+    <dgm:scene3d>
+      <a:camera prst="orthographicFront"/>
+      <a:lightRig rig="threePt" dir="t"/>
+    </dgm:scene3d>
+    <dgm:sp3d/>
+    <dgm:txPr/>
+    <dgm:style>
+      <a:lnRef idx="1">
+        <a:scrgbClr r="0" g="0" b="0"/>
+      </a:lnRef>
+      <a:fillRef idx="0">
+        <a:scrgbClr r="0" g="0" b="0"/>
+      </a:fillRef>
+      <a:effectRef idx="0">
+        <a:scrgbClr r="0" g="0" b="0"/>
+      </a:effectRef>
+      <a:fontRef idx="minor"/>
+    </dgm:style>
+  </dgm:styleLbl>
+  <dgm:styleLbl name="callout">
+    <dgm:scene3d>
+      <a:camera prst="orthographicFront"/>
+      <a:lightRig rig="threePt" dir="t"/>
+    </dgm:scene3d>
+    <dgm:sp3d/>
+    <dgm:txPr/>
+    <dgm:style>
+      <a:lnRef idx="2">
+        <a:scrgbClr r="0" g="0" b="0"/>
+      </a:lnRef>
+      <a:fillRef idx="1">
+        <a:scrgbClr r="0" g="0" b="0"/>
+      </a:fillRef>
+      <a:effectRef idx="0">
+        <a:scrgbClr r="0" g="0" b="0"/>
+      </a:effectRef>
+      <a:fontRef idx="minor"/>
+    </dgm:style>
+  </dgm:styleLbl>
+  <dgm:styleLbl name="asst0">
+    <dgm:scene3d>
+      <a:camera prst="orthographicFront"/>
+      <a:lightRig rig="threePt" dir="t"/>
+    </dgm:scene3d>
+    <dgm:sp3d/>
+    <dgm:txPr/>
+    <dgm:style>
+      <a:lnRef idx="2">
+        <a:scrgbClr r="0" g="0" b="0"/>
+      </a:lnRef>
+      <a:fillRef idx="1">
+        <a:scrgbClr r="0" g="0" b="0"/>
+      </a:fillRef>
+      <a:effectRef idx="0">
+        <a:scrgbClr r="0" g="0" b="0"/>
+      </a:effectRef>
+      <a:fontRef idx="minor">
+        <a:schemeClr val="lt1"/>
+      </a:fontRef>
+    </dgm:style>
+  </dgm:styleLbl>
+  <dgm:styleLbl name="asst1">
+    <dgm:scene3d>
+      <a:camera prst="orthographicFront"/>
+      <a:lightRig rig="threePt" dir="t"/>
+    </dgm:scene3d>
+    <dgm:sp3d/>
+    <dgm:txPr/>
+    <dgm:style>
+      <a:lnRef idx="2">
+        <a:scrgbClr r="0" g="0" b="0"/>
+      </a:lnRef>
+      <a:fillRef idx="1">
+        <a:scrgbClr r="0" g="0" b="0"/>
+      </a:fillRef>
+      <a:effectRef idx="0">
+        <a:scrgbClr r="0" g="0" b="0"/>
+      </a:effectRef>
+      <a:fontRef idx="minor">
+        <a:schemeClr val="lt1"/>
+      </a:fontRef>
+    </dgm:style>
+  </dgm:styleLbl>
+  <dgm:styleLbl name="asst2">
+    <dgm:scene3d>
+      <a:camera prst="orthographicFront"/>
+      <a:lightRig rig="threePt" dir="t"/>
+    </dgm:scene3d>
+    <dgm:sp3d/>
+    <dgm:txPr/>
+    <dgm:style>
+      <a:lnRef idx="2">
+        <a:scrgbClr r="0" g="0" b="0"/>
+      </a:lnRef>
+      <a:fillRef idx="1">
+        <a:scrgbClr r="0" g="0" b="0"/>
+      </a:fillRef>
+      <a:effectRef idx="0">
+        <a:scrgbClr r="0" g="0" b="0"/>
+      </a:effectRef>
+      <a:fontRef idx="minor">
+        <a:schemeClr val="lt1"/>
+      </a:fontRef>
+    </dgm:style>
+  </dgm:styleLbl>
+  <dgm:styleLbl name="asst3">
+    <dgm:scene3d>
+      <a:camera prst="orthographicFront"/>
+      <a:lightRig rig="threePt" dir="t"/>
+    </dgm:scene3d>
+    <dgm:sp3d/>
+    <dgm:txPr/>
+    <dgm:style>
+      <a:lnRef idx="2">
+        <a:scrgbClr r="0" g="0" b="0"/>
+      </a:lnRef>
+      <a:fillRef idx="1">
+        <a:scrgbClr r="0" g="0" b="0"/>
+      </a:fillRef>
+      <a:effectRef idx="0">
+        <a:scrgbClr r="0" g="0" b="0"/>
+      </a:effectRef>
+      <a:fontRef idx="minor">
+        <a:schemeClr val="lt1"/>
+      </a:fontRef>
+    </dgm:style>
+  </dgm:styleLbl>
+  <dgm:styleLbl name="asst4">
+    <dgm:scene3d>
+      <a:camera prst="orthographicFront"/>
+      <a:lightRig rig="threePt" dir="t"/>
+    </dgm:scene3d>
+    <dgm:sp3d/>
+    <dgm:txPr/>
+    <dgm:style>
+      <a:lnRef idx="2">
+        <a:scrgbClr r="0" g="0" b="0"/>
+      </a:lnRef>
+      <a:fillRef idx="1">
+        <a:scrgbClr r="0" g="0" b="0"/>
+      </a:fillRef>
+      <a:effectRef idx="0">
+        <a:scrgbClr r="0" g="0" b="0"/>
+      </a:effectRef>
+      <a:fontRef idx="minor">
+        <a:schemeClr val="lt1"/>
+      </a:fontRef>
+    </dgm:style>
+  </dgm:styleLbl>
+  <dgm:styleLbl name="parChTrans2D1">
+    <dgm:scene3d>
+      <a:camera prst="orthographicFront"/>
+      <a:lightRig rig="threePt" dir="t"/>
+    </dgm:scene3d>
+    <dgm:sp3d/>
+    <dgm:txPr/>
+    <dgm:style>
+      <a:lnRef idx="2">
+        <a:scrgbClr r="0" g="0" b="0"/>
+      </a:lnRef>
+      <a:fillRef idx="1">
+        <a:scrgbClr r="0" g="0" b="0"/>
+      </a:fillRef>
+      <a:effectRef idx="0">
+        <a:scrgbClr r="0" g="0" b="0"/>
+      </a:effectRef>
+      <a:fontRef idx="minor">
+        <a:schemeClr val="lt1"/>
+      </a:fontRef>
+    </dgm:style>
+  </dgm:styleLbl>
+  <dgm:styleLbl name="parChTrans2D2">
+    <dgm:scene3d>
+      <a:camera prst="orthographicFront"/>
+      <a:lightRig rig="threePt" dir="t"/>
+    </dgm:scene3d>
+    <dgm:sp3d/>
+    <dgm:txPr/>
+    <dgm:style>
+      <a:lnRef idx="2">
+        <a:scrgbClr r="0" g="0" b="0"/>
+      </a:lnRef>
+      <a:fillRef idx="1">
+        <a:scrgbClr r="0" g="0" b="0"/>
+      </a:fillRef>
+      <a:effectRef idx="0">
+        <a:scrgbClr r="0" g="0" b="0"/>
+      </a:effectRef>
+      <a:fontRef idx="minor">
+        <a:schemeClr val="lt1"/>
+      </a:fontRef>
+    </dgm:style>
+  </dgm:styleLbl>
+  <dgm:styleLbl name="parChTrans2D3">
+    <dgm:scene3d>
+      <a:camera prst="orthographicFront"/>
+      <a:lightRig rig="threePt" dir="t"/>
+    </dgm:scene3d>
+    <dgm:sp3d/>
+    <dgm:txPr/>
+    <dgm:style>
+      <a:lnRef idx="2">
+        <a:scrgbClr r="0" g="0" b="0"/>
+      </a:lnRef>
+      <a:fillRef idx="1">
+        <a:scrgbClr r="0" g="0" b="0"/>
+      </a:fillRef>
+      <a:effectRef idx="0">
+        <a:scrgbClr r="0" g="0" b="0"/>
+      </a:effectRef>
+      <a:fontRef idx="minor">
+        <a:schemeClr val="lt1"/>
+      </a:fontRef>
+    </dgm:style>
+  </dgm:styleLbl>
+  <dgm:styleLbl name="parChTrans2D4">
+    <dgm:scene3d>
+      <a:camera prst="orthographicFront"/>
+      <a:lightRig rig="threePt" dir="t"/>
+    </dgm:scene3d>
+    <dgm:sp3d/>
+    <dgm:txPr/>
+    <dgm:style>
+      <a:lnRef idx="2">
+        <a:scrgbClr r="0" g="0" b="0"/>
+      </a:lnRef>
+      <a:fillRef idx="1">
+        <a:scrgbClr r="0" g="0" b="0"/>
+      </a:fillRef>
+      <a:effectRef idx="0">
+        <a:scrgbClr r="0" g="0" b="0"/>
+      </a:effectRef>
+      <a:fontRef idx="minor">
+        <a:schemeClr val="lt1"/>
+      </a:fontRef>
+    </dgm:style>
+  </dgm:styleLbl>
+  <dgm:styleLbl name="parChTrans1D1">
+    <dgm:scene3d>
+      <a:camera prst="orthographicFront"/>
+      <a:lightRig rig="threePt" dir="t"/>
+    </dgm:scene3d>
+    <dgm:sp3d/>
+    <dgm:txPr/>
+    <dgm:style>
+      <a:lnRef idx="2">
+        <a:scrgbClr r="0" g="0" b="0"/>
+      </a:lnRef>
+      <a:fillRef idx="0">
+        <a:scrgbClr r="0" g="0" b="0"/>
+      </a:fillRef>
+      <a:effectRef idx="0">
+        <a:scrgbClr r="0" g="0" b="0"/>
+      </a:effectRef>
+      <a:fontRef idx="minor"/>
+    </dgm:style>
+  </dgm:styleLbl>
+  <dgm:styleLbl name="parChTrans1D2">
+    <dgm:scene3d>
+      <a:camera prst="orthographicFront"/>
+      <a:lightRig rig="threePt" dir="t"/>
+    </dgm:scene3d>
+    <dgm:sp3d/>
+    <dgm:txPr/>
+    <dgm:style>
+      <a:lnRef idx="2">
+        <a:scrgbClr r="0" g="0" b="0"/>
+      </a:lnRef>
+      <a:fillRef idx="0">
+        <a:scrgbClr r="0" g="0" b="0"/>
+      </a:fillRef>
+      <a:effectRef idx="0">
+        <a:scrgbClr r="0" g="0" b="0"/>
+      </a:effectRef>
+      <a:fontRef idx="minor"/>
+    </dgm:style>
+  </dgm:styleLbl>
+  <dgm:styleLbl name="parChTrans1D3">
+    <dgm:scene3d>
+      <a:camera prst="orthographicFront"/>
+      <a:lightRig rig="threePt" dir="t"/>
+    </dgm:scene3d>
+    <dgm:sp3d/>
+    <dgm:txPr/>
+    <dgm:style>
+      <a:lnRef idx="2">
+        <a:scrgbClr r="0" g="0" b="0"/>
+      </a:lnRef>
+      <a:fillRef idx="0">
+        <a:scrgbClr r="0" g="0" b="0"/>
+      </a:fillRef>
+      <a:effectRef idx="0">
+        <a:scrgbClr r="0" g="0" b="0"/>
+      </a:effectRef>
+      <a:fontRef idx="minor"/>
+    </dgm:style>
+  </dgm:styleLbl>
+  <dgm:styleLbl name="parChTrans1D4">
+    <dgm:scene3d>
+      <a:camera prst="orthographicFront"/>
+      <a:lightRig rig="threePt" dir="t"/>
+    </dgm:scene3d>
+    <dgm:sp3d/>
+    <dgm:txPr/>
+    <dgm:style>
+      <a:lnRef idx="2">
+        <a:scrgbClr r="0" g="0" b="0"/>
+      </a:lnRef>
+      <a:fillRef idx="0">
+        <a:scrgbClr r="0" g="0" b="0"/>
+      </a:fillRef>
+      <a:effectRef idx="0">
+        <a:scrgbClr r="0" g="0" b="0"/>
+      </a:effectRef>
+      <a:fontRef idx="minor"/>
+    </dgm:style>
+  </dgm:styleLbl>
+  <dgm:styleLbl name="fgAcc1">
+    <dgm:scene3d>
+      <a:camera prst="orthographicFront"/>
+      <a:lightRig rig="threePt" dir="t"/>
+    </dgm:scene3d>
+    <dgm:sp3d/>
+    <dgm:txPr/>
+    <dgm:style>
+      <a:lnRef idx="2">
+        <a:scrgbClr r="0" g="0" b="0"/>
+      </a:lnRef>
+      <a:fillRef idx="1">
+        <a:scrgbClr r="0" g="0" b="0"/>
+      </a:fillRef>
+      <a:effectRef idx="0">
+        <a:scrgbClr r="0" g="0" b="0"/>
+      </a:effectRef>
+      <a:fontRef idx="minor"/>
+    </dgm:style>
+  </dgm:styleLbl>
+  <dgm:styleLbl name="conFgAcc1">
+    <dgm:scene3d>
+      <a:camera prst="orthographicFront"/>
+      <a:lightRig rig="threePt" dir="t"/>
+    </dgm:scene3d>
+    <dgm:sp3d/>
+    <dgm:txPr/>
+    <dgm:style>
+      <a:lnRef idx="2">
+        <a:scrgbClr r="0" g="0" b="0"/>
+      </a:lnRef>
+      <a:fillRef idx="1">
+        <a:scrgbClr r="0" g="0" b="0"/>
+      </a:fillRef>
+      <a:effectRef idx="0">
+        <a:scrgbClr r="0" g="0" b="0"/>
+      </a:effectRef>
+      <a:fontRef idx="minor"/>
+    </dgm:style>
+  </dgm:styleLbl>
+  <dgm:styleLbl name="alignAcc1">
+    <dgm:scene3d>
+      <a:camera prst="orthographicFront"/>
+      <a:lightRig rig="threePt" dir="t"/>
+    </dgm:scene3d>
+    <dgm:sp3d/>
+    <dgm:txPr/>
+    <dgm:style>
+      <a:lnRef idx="2">
+        <a:scrgbClr r="0" g="0" b="0"/>
+      </a:lnRef>
+      <a:fillRef idx="1">
+        <a:scrgbClr r="0" g="0" b="0"/>
+      </a:fillRef>
+      <a:effectRef idx="0">
+        <a:scrgbClr r="0" g="0" b="0"/>
+      </a:effectRef>
+      <a:fontRef idx="minor"/>
+    </dgm:style>
+  </dgm:styleLbl>
+  <dgm:styleLbl name="trAlignAcc1">
+    <dgm:scene3d>
+      <a:camera prst="orthographicFront"/>
+      <a:lightRig rig="threePt" dir="t"/>
+    </dgm:scene3d>
+    <dgm:sp3d/>
+    <dgm:txPr/>
+    <dgm:style>
+      <a:lnRef idx="1">
+        <a:scrgbClr r="0" g="0" b="0"/>
+      </a:lnRef>
+      <a:fillRef idx="1">
+        <a:scrgbClr r="0" g="0" b="0"/>
+      </a:fillRef>
+      <a:effectRef idx="0">
+        <a:scrgbClr r="0" g="0" b="0"/>
+      </a:effectRef>
+      <a:fontRef idx="minor"/>
+    </dgm:style>
+  </dgm:styleLbl>
+  <dgm:styleLbl name="bgAcc1">
+    <dgm:scene3d>
+      <a:camera prst="orthographicFront"/>
+      <a:lightRig rig="threePt" dir="t"/>
+    </dgm:scene3d>
+    <dgm:sp3d/>
+    <dgm:txPr/>
+    <dgm:style>
+      <a:lnRef idx="2">
+        <a:scrgbClr r="0" g="0" b="0"/>
+      </a:lnRef>
+      <a:fillRef idx="1">
+        <a:scrgbClr r="0" g="0" b="0"/>
+      </a:fillRef>
+      <a:effectRef idx="0">
+        <a:scrgbClr r="0" g="0" b="0"/>
+      </a:effectRef>
+      <a:fontRef idx="minor"/>
+    </dgm:style>
+  </dgm:styleLbl>
+  <dgm:styleLbl name="solidFgAcc1">
+    <dgm:scene3d>
+      <a:camera prst="orthographicFront"/>
+      <a:lightRig rig="threePt" dir="t"/>
+    </dgm:scene3d>
+    <dgm:sp3d/>
+    <dgm:txPr/>
+    <dgm:style>
+      <a:lnRef idx="2">
+        <a:scrgbClr r="0" g="0" b="0"/>
+      </a:lnRef>
+      <a:fillRef idx="1">
+        <a:scrgbClr r="0" g="0" b="0"/>
+      </a:fillRef>
+      <a:effectRef idx="0">
+        <a:scrgbClr r="0" g="0" b="0"/>
+      </a:effectRef>
+      <a:fontRef idx="minor"/>
+    </dgm:style>
+  </dgm:styleLbl>
+  <dgm:styleLbl name="solidAlignAcc1">
+    <dgm:scene3d>
+      <a:camera prst="orthographicFront"/>
+      <a:lightRig rig="threePt" dir="t"/>
+    </dgm:scene3d>
+    <dgm:sp3d/>
+    <dgm:txPr/>
+    <dgm:style>
+      <a:lnRef idx="2">
+        <a:scrgbClr r="0" g="0" b="0"/>
+      </a:lnRef>
+      <a:fillRef idx="1">
+        <a:scrgbClr r="0" g="0" b="0"/>
+      </a:fillRef>
+      <a:effectRef idx="0">
+        <a:scrgbClr r="0" g="0" b="0"/>
+      </a:effectRef>
+      <a:fontRef idx="minor"/>
+    </dgm:style>
+  </dgm:styleLbl>
+  <dgm:styleLbl name="solidBgAcc1">
+    <dgm:scene3d>
+      <a:camera prst="orthographicFront"/>
+      <a:lightRig rig="threePt" dir="t"/>
+    </dgm:scene3d>
+    <dgm:sp3d/>
+    <dgm:txPr/>
+    <dgm:style>
+      <a:lnRef idx="2">
+        <a:scrgbClr r="0" g="0" b="0"/>
+      </a:lnRef>
+      <a:fillRef idx="1">
+        <a:scrgbClr r="0" g="0" b="0"/>
+      </a:fillRef>
+      <a:effectRef idx="0">
+        <a:scrgbClr r="0" g="0" b="0"/>
+      </a:effectRef>
+      <a:fontRef idx="minor"/>
+    </dgm:style>
+  </dgm:styleLbl>
+  <dgm:styleLbl name="fgAccFollowNode1">
+    <dgm:scene3d>
+      <a:camera prst="orthographicFront"/>
+      <a:lightRig rig="threePt" dir="t"/>
+    </dgm:scene3d>
+    <dgm:sp3d/>
+    <dgm:txPr/>
+    <dgm:style>
+      <a:lnRef idx="2">
+        <a:scrgbClr r="0" g="0" b="0"/>
+      </a:lnRef>
+      <a:fillRef idx="1">
+        <a:scrgbClr r="0" g="0" b="0"/>
+      </a:fillRef>
+      <a:effectRef idx="0">
+        <a:scrgbClr r="0" g="0" b="0"/>
+      </a:effectRef>
+      <a:fontRef idx="minor"/>
+    </dgm:style>
+  </dgm:styleLbl>
+  <dgm:styleLbl name="alignAccFollowNode1">
+    <dgm:scene3d>
+      <a:camera prst="orthographicFront"/>
+      <a:lightRig rig="threePt" dir="t"/>
+    </dgm:scene3d>
+    <dgm:sp3d/>
+    <dgm:txPr/>
+    <dgm:style>
+      <a:lnRef idx="2">
+        <a:scrgbClr r="0" g="0" b="0"/>
+      </a:lnRef>
+      <a:fillRef idx="1">
+        <a:scrgbClr r="0" g="0" b="0"/>
+      </a:fillRef>
+      <a:effectRef idx="0">
+        <a:scrgbClr r="0" g="0" b="0"/>
+      </a:effectRef>
+      <a:fontRef idx="minor"/>
+    </dgm:style>
+  </dgm:styleLbl>
+  <dgm:styleLbl name="bgAccFollowNode1">
+    <dgm:scene3d>
+      <a:camera prst="orthographicFront"/>
+      <a:lightRig rig="threePt" dir="t"/>
+    </dgm:scene3d>
+    <dgm:sp3d/>
+    <dgm:txPr/>
+    <dgm:style>
+      <a:lnRef idx="2">
+        <a:scrgbClr r="0" g="0" b="0"/>
+      </a:lnRef>
+      <a:fillRef idx="1">
+        <a:scrgbClr r="0" g="0" b="0"/>
+      </a:fillRef>
+      <a:effectRef idx="0">
+        <a:scrgbClr r="0" g="0" b="0"/>
+      </a:effectRef>
+      <a:fontRef idx="minor"/>
+    </dgm:style>
+  </dgm:styleLbl>
+  <dgm:styleLbl name="fgAcc0">
+    <dgm:scene3d>
+      <a:camera prst="orthographicFront"/>
+      <a:lightRig rig="threePt" dir="t"/>
+    </dgm:scene3d>
+    <dgm:sp3d/>
+    <dgm:txPr/>
+    <dgm:style>
+      <a:lnRef idx="2">
+        <a:scrgbClr r="0" g="0" b="0"/>
+      </a:lnRef>
+      <a:fillRef idx="1">
+        <a:scrgbClr r="0" g="0" b="0"/>
+      </a:fillRef>
+      <a:effectRef idx="0">
+        <a:scrgbClr r="0" g="0" b="0"/>
+      </a:effectRef>
+      <a:fontRef idx="minor"/>
+    </dgm:style>
+  </dgm:styleLbl>
+  <dgm:styleLbl name="fgAcc2">
+    <dgm:scene3d>
+      <a:camera prst="orthographicFront"/>
+      <a:lightRig rig="threePt" dir="t"/>
+    </dgm:scene3d>
+    <dgm:sp3d/>
+    <dgm:txPr/>
+    <dgm:style>
+      <a:lnRef idx="2">
+        <a:scrgbClr r="0" g="0" b="0"/>
+      </a:lnRef>
+      <a:fillRef idx="1">
+        <a:scrgbClr r="0" g="0" b="0"/>
+      </a:fillRef>
+      <a:effectRef idx="0">
+        <a:scrgbClr r="0" g="0" b="0"/>
+      </a:effectRef>
+      <a:fontRef idx="minor"/>
+    </dgm:style>
+  </dgm:styleLbl>
+  <dgm:styleLbl name="fgAcc3">
+    <dgm:scene3d>
+      <a:camera prst="orthographicFront"/>
+      <a:lightRig rig="threePt" dir="t"/>
+    </dgm:scene3d>
+    <dgm:sp3d/>
+    <dgm:txPr/>
+    <dgm:style>
+      <a:lnRef idx="2">
+        <a:scrgbClr r="0" g="0" b="0"/>
+      </a:lnRef>
+      <a:fillRef idx="1">
+        <a:scrgbClr r="0" g="0" b="0"/>
+      </a:fillRef>
+      <a:effectRef idx="0">
+        <a:scrgbClr r="0" g="0" b="0"/>
+      </a:effectRef>
+      <a:fontRef idx="minor"/>
+    </dgm:style>
+  </dgm:styleLbl>
+  <dgm:styleLbl name="fgAcc4">
+    <dgm:scene3d>
+      <a:camera prst="orthographicFront"/>
+      <a:lightRig rig="threePt" dir="t"/>
+    </dgm:scene3d>
+    <dgm:sp3d/>
+    <dgm:txPr/>
+    <dgm:style>
+      <a:lnRef idx="2">
+        <a:scrgbClr r="0" g="0" b="0"/>
+      </a:lnRef>
+      <a:fillRef idx="1">
+        <a:scrgbClr r="0" g="0" b="0"/>
+      </a:fillRef>
+      <a:effectRef idx="0">
+        <a:scrgbClr r="0" g="0" b="0"/>
+      </a:effectRef>
+      <a:fontRef idx="minor"/>
+    </dgm:style>
+  </dgm:styleLbl>
+  <dgm:styleLbl name="bgShp">
+    <dgm:scene3d>
+      <a:camera prst="orthographicFront"/>
+      <a:lightRig rig="threePt" dir="t"/>
+    </dgm:scene3d>
+    <dgm:sp3d/>
+    <dgm:txPr/>
+    <dgm:style>
+      <a:lnRef idx="0">
+        <a:scrgbClr r="0" g="0" b="0"/>
+      </a:lnRef>
+      <a:fillRef idx="1">
+        <a:scrgbClr r="0" g="0" b="0"/>
+      </a:fillRef>
+      <a:effectRef idx="0">
+        <a:scrgbClr r="0" g="0" b="0"/>
+      </a:effectRef>
+      <a:fontRef idx="minor"/>
+    </dgm:style>
+  </dgm:styleLbl>
+  <dgm:styleLbl name="dkBgShp">
+    <dgm:scene3d>
+      <a:camera prst="orthographicFront"/>
+      <a:lightRig rig="threePt" dir="t"/>
+    </dgm:scene3d>
+    <dgm:sp3d/>
+    <dgm:txPr/>
+    <dgm:style>
+      <a:lnRef idx="0">
+        <a:scrgbClr r="0" g="0" b="0"/>
+      </a:lnRef>
+      <a:fillRef idx="1">
+        <a:scrgbClr r="0" g="0" b="0"/>
+      </a:fillRef>
+      <a:effectRef idx="0">
+        <a:scrgbClr r="0" g="0" b="0"/>
+      </a:effectRef>
+      <a:fontRef idx="minor"/>
+    </dgm:style>
+  </dgm:styleLbl>
+  <dgm:styleLbl name="trBgShp">
+    <dgm:scene3d>
+      <a:camera prst="orthographicFront"/>
+      <a:lightRig rig="threePt" dir="t"/>
+    </dgm:scene3d>
+    <dgm:sp3d/>
+    <dgm:txPr/>
+    <dgm:style>
+      <a:lnRef idx="0">
+        <a:scrgbClr r="0" g="0" b="0"/>
+      </a:lnRef>
+      <a:fillRef idx="1">
+        <a:scrgbClr r="0" g="0" b="0"/>
+      </a:fillRef>
+      <a:effectRef idx="0">
+        <a:scrgbClr r="0" g="0" b="0"/>
+      </a:effectRef>
+      <a:fontRef idx="minor"/>
+    </dgm:style>
+  </dgm:styleLbl>
+  <dgm:styleLbl name="fgShp">
+    <dgm:scene3d>
+      <a:camera prst="orthographicFront"/>
+      <a:lightRig rig="threePt" dir="t"/>
+    </dgm:scene3d>
+    <dgm:sp3d/>
+    <dgm:txPr/>
+    <dgm:style>
+      <a:lnRef idx="2">
+        <a:scrgbClr r="0" g="0" b="0"/>
+      </a:lnRef>
+      <a:fillRef idx="1">
+        <a:scrgbClr r="0" g="0" b="0"/>
+      </a:fillRef>
+      <a:effectRef idx="0">
+        <a:scrgbClr r="0" g="0" b="0"/>
+      </a:effectRef>
+      <a:fontRef idx="minor"/>
+    </dgm:style>
+  </dgm:styleLbl>
+  <dgm:styleLbl name="revTx">
+    <dgm:scene3d>
+      <a:camera prst="orthographicFront"/>
+      <a:lightRig rig="threePt" dir="t"/>
+    </dgm:scene3d>
+    <dgm:sp3d/>
+    <dgm:txPr/>
+    <dgm:style>
+      <a:lnRef idx="0">
+        <a:scrgbClr r="0" g="0" b="0"/>
+      </a:lnRef>
+      <a:fillRef idx="0">
+        <a:scrgbClr r="0" g="0" b="0"/>
+      </a:fillRef>
+      <a:effectRef idx="0">
+        <a:scrgbClr r="0" g="0" b="0"/>
+      </a:effectRef>
+      <a:fontRef idx="minor"/>
+    </dgm:style>
+  </dgm:styleLbl>
+</dgm:styleDef>
 </file>
 
 <file path=ppt/notesMasters/notesMaster1.xml><?xml version="1.0" encoding="utf-8"?>
@@ -572,7 +4188,7 @@
           <a:p>
             <a:fld id="{601CE386-37F1-42E2-8A78-E74385306B9B}" type="slidenum">
               <a:rPr lang="pt-BR" smtClean="0"/>
-              <a:t>11</a:t>
+              <a:t>12</a:t>
             </a:fld>
             <a:endParaRPr lang="pt-BR"/>
           </a:p>
@@ -582,6 +4198,90 @@
     <p:extLst>
       <p:ext uri="{BB962C8B-B14F-4D97-AF65-F5344CB8AC3E}">
         <p14:creationId xmlns:p14="http://schemas.microsoft.com/office/powerpoint/2010/main" val="2884946122"/>
+      </p:ext>
+    </p:extLst>
+  </p:cSld>
+  <p:clrMapOvr>
+    <a:masterClrMapping/>
+  </p:clrMapOvr>
+</p:notes>
+</file>
+
+<file path=ppt/notesSlides/notesSlide2.xml><?xml version="1.0" encoding="utf-8"?>
+<p:notes xmlns:a="http://schemas.openxmlformats.org/drawingml/2006/main" xmlns:r="http://schemas.openxmlformats.org/officeDocument/2006/relationships" xmlns:p="http://schemas.openxmlformats.org/presentationml/2006/main">
+  <p:cSld>
+    <p:spTree>
+      <p:nvGrpSpPr>
+        <p:cNvPr id="1" name=""/>
+        <p:cNvGrpSpPr/>
+        <p:nvPr/>
+      </p:nvGrpSpPr>
+      <p:grpSpPr>
+        <a:xfrm>
+          <a:off x="0" y="0"/>
+          <a:ext cx="0" cy="0"/>
+          <a:chOff x="0" y="0"/>
+          <a:chExt cx="0" cy="0"/>
+        </a:xfrm>
+      </p:grpSpPr>
+      <p:sp>
+        <p:nvSpPr>
+          <p:cNvPr id="2" name="Espaço Reservado para Imagem de Slide 1"/>
+          <p:cNvSpPr>
+            <a:spLocks noGrp="1" noRot="1" noChangeAspect="1"/>
+          </p:cNvSpPr>
+          <p:nvPr>
+            <p:ph type="sldImg"/>
+          </p:nvPr>
+        </p:nvSpPr>
+        <p:spPr/>
+      </p:sp>
+      <p:sp>
+        <p:nvSpPr>
+          <p:cNvPr id="3" name="Espaço Reservado para Anotações 2"/>
+          <p:cNvSpPr>
+            <a:spLocks noGrp="1"/>
+          </p:cNvSpPr>
+          <p:nvPr>
+            <p:ph type="body" idx="1"/>
+          </p:nvPr>
+        </p:nvSpPr>
+        <p:spPr/>
+        <p:txBody>
+          <a:bodyPr/>
+          <a:lstStyle/>
+          <a:p>
+            <a:endParaRPr lang="pt-BR" dirty="0"/>
+          </a:p>
+        </p:txBody>
+      </p:sp>
+      <p:sp>
+        <p:nvSpPr>
+          <p:cNvPr id="4" name="Espaço Reservado para Número de Slide 3"/>
+          <p:cNvSpPr>
+            <a:spLocks noGrp="1"/>
+          </p:cNvSpPr>
+          <p:nvPr>
+            <p:ph type="sldNum" sz="quarter" idx="10"/>
+          </p:nvPr>
+        </p:nvSpPr>
+        <p:spPr/>
+        <p:txBody>
+          <a:bodyPr/>
+          <a:lstStyle/>
+          <a:p>
+            <a:fld id="{601CE386-37F1-42E2-8A78-E74385306B9B}" type="slidenum">
+              <a:rPr lang="pt-BR" smtClean="0"/>
+              <a:t>14</a:t>
+            </a:fld>
+            <a:endParaRPr lang="pt-BR"/>
+          </a:p>
+        </p:txBody>
+      </p:sp>
+    </p:spTree>
+    <p:extLst>
+      <p:ext uri="{BB962C8B-B14F-4D97-AF65-F5344CB8AC3E}">
+        <p14:creationId xmlns:p14="http://schemas.microsoft.com/office/powerpoint/2010/main" val="2158666952"/>
       </p:ext>
     </p:extLst>
   </p:cSld>
@@ -3596,14 +7296,11 @@
           <a:p>
             <a:r>
               <a:rPr lang="pt-BR" dirty="0" smtClean="0"/>
-              <a:t>Princípios SOLID usando </a:t>
-            </a:r>
-            <a:br>
+              <a:t>Princípios </a:t>
+            </a:r>
+            <a:r>
               <a:rPr lang="pt-BR" dirty="0" smtClean="0"/>
-            </a:br>
-            <a:r>
-              <a:rPr lang="pt-BR" dirty="0" smtClean="0"/>
-              <a:t>.NET Core e Visual Studio 2017</a:t>
+              <a:t>SOLID</a:t>
             </a:r>
             <a:endParaRPr lang="pt-BR" dirty="0"/>
           </a:p>
@@ -3674,18 +7371,12 @@
         </p:nvSpPr>
         <p:spPr/>
         <p:txBody>
-          <a:bodyPr>
-            <a:normAutofit/>
-          </a:bodyPr>
+          <a:bodyPr/>
           <a:lstStyle/>
           <a:p>
             <a:r>
-              <a:rPr lang="pt-BR" dirty="0"/>
-              <a:t>O que é uma boa modelagem</a:t>
-            </a:r>
-            <a:r>
               <a:rPr lang="pt-BR" dirty="0" smtClean="0"/>
-              <a:t>?</a:t>
+              <a:t>Código Intestável</a:t>
             </a:r>
             <a:endParaRPr lang="pt-BR" dirty="0"/>
           </a:p>
@@ -3703,155 +7394,12 @@
         </p:nvSpPr>
         <p:spPr/>
         <p:txBody>
-          <a:bodyPr>
-            <a:normAutofit lnSpcReduction="10000"/>
-          </a:bodyPr>
+          <a:bodyPr/>
           <a:lstStyle/>
           <a:p>
             <a:r>
-              <a:rPr lang="en-US" dirty="0" smtClean="0"/>
-              <a:t>Alta </a:t>
-            </a:r>
-            <a:r>
-              <a:rPr lang="en-US" dirty="0" err="1" smtClean="0"/>
-              <a:t>coesão</a:t>
-            </a:r>
-            <a:endParaRPr lang="en-US" dirty="0" smtClean="0"/>
-          </a:p>
-          <a:p>
-            <a:r>
-              <a:rPr lang="en-US" dirty="0" err="1" smtClean="0"/>
-              <a:t>Baixo</a:t>
-            </a:r>
-            <a:r>
-              <a:rPr lang="en-US" dirty="0" smtClean="0"/>
-              <a:t> </a:t>
-            </a:r>
-            <a:r>
-              <a:rPr lang="en-US" dirty="0" err="1" smtClean="0"/>
-              <a:t>acomplamento</a:t>
-            </a:r>
-            <a:r>
-              <a:rPr lang="en-US" dirty="0" smtClean="0"/>
-              <a:t> </a:t>
-            </a:r>
-          </a:p>
-          <a:p>
-            <a:pPr marL="0" indent="0">
-              <a:buNone/>
-            </a:pPr>
-            <a:endParaRPr lang="en-US" dirty="0" smtClean="0"/>
-          </a:p>
-          <a:p>
-            <a:r>
-              <a:rPr lang="en-US" dirty="0" smtClean="0"/>
-              <a:t>Como </a:t>
-            </a:r>
-            <a:r>
-              <a:rPr lang="en-US" dirty="0" err="1" smtClean="0"/>
-              <a:t>alcançar</a:t>
-            </a:r>
-            <a:r>
-              <a:rPr lang="en-US" dirty="0" smtClean="0"/>
-              <a:t> </a:t>
-            </a:r>
-            <a:r>
-              <a:rPr lang="en-US" dirty="0" err="1" smtClean="0"/>
-              <a:t>uma</a:t>
-            </a:r>
-            <a:r>
-              <a:rPr lang="en-US" dirty="0" smtClean="0"/>
-              <a:t> boa </a:t>
-            </a:r>
-            <a:r>
-              <a:rPr lang="en-US" dirty="0" err="1" smtClean="0"/>
-              <a:t>modelagem</a:t>
-            </a:r>
-            <a:r>
-              <a:rPr lang="en-US" dirty="0" smtClean="0"/>
-              <a:t>? </a:t>
-            </a:r>
-          </a:p>
-          <a:p>
-            <a:r>
-              <a:rPr lang="en-US" dirty="0" err="1" smtClean="0"/>
-              <a:t>Siga</a:t>
-            </a:r>
-            <a:r>
-              <a:rPr lang="en-US" dirty="0" smtClean="0"/>
-              <a:t> as </a:t>
-            </a:r>
-            <a:r>
-              <a:rPr lang="en-US" dirty="0" err="1" smtClean="0"/>
-              <a:t>praticas</a:t>
-            </a:r>
-            <a:r>
-              <a:rPr lang="en-US" dirty="0" smtClean="0"/>
-              <a:t> de </a:t>
-            </a:r>
-            <a:r>
-              <a:rPr lang="en-US" dirty="0" err="1" smtClean="0"/>
-              <a:t>programação</a:t>
-            </a:r>
-            <a:r>
-              <a:rPr lang="en-US" dirty="0" smtClean="0"/>
-              <a:t> da </a:t>
-            </a:r>
-            <a:r>
-              <a:rPr lang="en-US" dirty="0" err="1" smtClean="0"/>
-              <a:t>sua</a:t>
-            </a:r>
-            <a:r>
-              <a:rPr lang="en-US" dirty="0" smtClean="0"/>
-              <a:t> </a:t>
-            </a:r>
-            <a:r>
-              <a:rPr lang="en-US" dirty="0" err="1" smtClean="0"/>
-              <a:t>linguagem</a:t>
-            </a:r>
-            <a:r>
-              <a:rPr lang="en-US" dirty="0" smtClean="0"/>
-              <a:t> e framework </a:t>
-            </a:r>
-          </a:p>
-          <a:p>
-            <a:r>
-              <a:rPr lang="en-US" dirty="0" err="1" smtClean="0"/>
-              <a:t>Siga</a:t>
-            </a:r>
-            <a:r>
-              <a:rPr lang="en-US" dirty="0" smtClean="0"/>
-              <a:t> </a:t>
-            </a:r>
-            <a:r>
-              <a:rPr lang="en-US" dirty="0" err="1" smtClean="0"/>
-              <a:t>os</a:t>
-            </a:r>
-            <a:r>
-              <a:rPr lang="en-US" dirty="0" smtClean="0"/>
-              <a:t> </a:t>
-            </a:r>
-            <a:r>
-              <a:rPr lang="en-US" dirty="0" err="1" smtClean="0"/>
-              <a:t>princípios</a:t>
-            </a:r>
-            <a:r>
-              <a:rPr lang="en-US" dirty="0" smtClean="0"/>
-              <a:t> de </a:t>
-            </a:r>
-            <a:r>
-              <a:rPr lang="en-US" dirty="0" err="1" smtClean="0"/>
-              <a:t>modelagem</a:t>
-            </a:r>
-            <a:r>
-              <a:rPr lang="en-US" dirty="0" smtClean="0"/>
-              <a:t> de OO</a:t>
-            </a:r>
-          </a:p>
-          <a:p>
-            <a:r>
-              <a:rPr lang="en-US" dirty="0" smtClean="0"/>
-              <a:t>Use design patterns</a:t>
+              <a:rPr lang="pt-BR" dirty="0" smtClean="0"/>
+              <a:t>Código que não é testável contém defeitos.</a:t>
             </a:r>
             <a:endParaRPr lang="pt-BR" dirty="0"/>
           </a:p>
@@ -3860,7 +7408,7 @@
     </p:spTree>
     <p:extLst>
       <p:ext uri="{BB962C8B-B14F-4D97-AF65-F5344CB8AC3E}">
-        <p14:creationId xmlns:p14="http://schemas.microsoft.com/office/powerpoint/2010/main" val="856746124"/>
+        <p14:creationId xmlns:p14="http://schemas.microsoft.com/office/powerpoint/2010/main" val="3098553960"/>
       </p:ext>
     </p:extLst>
   </p:cSld>
@@ -3899,437 +7447,193 @@
         </p:nvSpPr>
         <p:spPr/>
         <p:txBody>
-          <a:bodyPr/>
+          <a:bodyPr>
+            <a:normAutofit/>
+          </a:bodyPr>
           <a:lstStyle/>
           <a:p>
             <a:r>
+              <a:rPr lang="pt-BR" dirty="0"/>
+              <a:t>O que é uma boa modelagem</a:t>
+            </a:r>
+            <a:r>
               <a:rPr lang="pt-BR" dirty="0" smtClean="0"/>
-              <a:t>S.O.L.I.D</a:t>
+              <a:t>?</a:t>
             </a:r>
             <a:endParaRPr lang="pt-BR" dirty="0"/>
           </a:p>
         </p:txBody>
       </p:sp>
-      <p:graphicFrame>
-        <p:nvGraphicFramePr>
-          <p:cNvPr id="6" name="Espaço Reservado para Conteúdo 5"/>
-          <p:cNvGraphicFramePr>
-            <a:graphicFrameLocks noGrp="1"/>
-          </p:cNvGraphicFramePr>
+      <p:sp>
+        <p:nvSpPr>
+          <p:cNvPr id="3" name="Espaço Reservado para Conteúdo 2"/>
+          <p:cNvSpPr>
+            <a:spLocks noGrp="1"/>
+          </p:cNvSpPr>
           <p:nvPr>
             <p:ph idx="1"/>
-            <p:extLst>
-              <p:ext uri="{D42A27DB-BD31-4B8C-83A1-F6EECF244321}">
-                <p14:modId xmlns:p14="http://schemas.microsoft.com/office/powerpoint/2010/main" val="3303821435"/>
-              </p:ext>
-            </p:extLst>
-          </p:nvPr>
-        </p:nvGraphicFramePr>
-        <p:xfrm>
-          <a:off x="467544" y="1988840"/>
-          <a:ext cx="8229600" cy="3219450"/>
-        </p:xfrm>
-        <a:graphic>
-          <a:graphicData uri="http://schemas.openxmlformats.org/drawingml/2006/table">
-            <a:tbl>
-              <a:tblPr>
-                <a:tableStyleId>{5940675A-B579-460E-94D1-54222C63F5DA}</a:tableStyleId>
-              </a:tblPr>
-              <a:tblGrid>
-                <a:gridCol w="874440"/>
-                <a:gridCol w="3600400"/>
-                <a:gridCol w="3754760"/>
-              </a:tblGrid>
-              <a:tr h="0">
-                <a:tc>
-                  <a:txBody>
-                    <a:bodyPr/>
-                    <a:lstStyle/>
-                    <a:p>
-                      <a:r>
-                        <a:rPr lang="pt-BR" b="1" dirty="0">
-                          <a:effectLst/>
-                        </a:rPr>
-                        <a:t>S</a:t>
-                      </a:r>
-                      <a:r>
-                        <a:rPr lang="pt-BR" dirty="0">
-                          <a:effectLst/>
-                        </a:rPr>
-                        <a:t>RP</a:t>
-                      </a:r>
-                    </a:p>
-                  </a:txBody>
-                  <a:tcPr marL="47625" marR="47625" marT="47625" marB="47625" anchor="ctr"/>
-                </a:tc>
-                <a:tc>
-                  <a:txBody>
-                    <a:bodyPr/>
-                    <a:lstStyle/>
-                    <a:p>
-                      <a:r>
-                        <a:rPr lang="pt-BR" dirty="0" smtClean="0">
-                          <a:effectLst/>
-                        </a:rPr>
-                        <a:t>Single </a:t>
-                      </a:r>
-                      <a:r>
-                        <a:rPr lang="pt-BR" dirty="0" err="1">
-                          <a:effectLst/>
-                        </a:rPr>
-                        <a:t>Responsibility</a:t>
-                      </a:r>
-                      <a:r>
-                        <a:rPr lang="pt-BR" dirty="0">
-                          <a:effectLst/>
-                        </a:rPr>
-                        <a:t> </a:t>
-                      </a:r>
-                      <a:r>
-                        <a:rPr lang="pt-BR" dirty="0" err="1">
-                          <a:effectLst/>
-                        </a:rPr>
-                        <a:t>Principle</a:t>
-                      </a:r>
-                      <a:endParaRPr lang="pt-BR" dirty="0">
-                        <a:effectLst/>
-                      </a:endParaRPr>
-                    </a:p>
-                  </a:txBody>
-                  <a:tcPr marL="47625" marR="47625" marT="47625" marB="47625" anchor="ctr"/>
-                </a:tc>
-                <a:tc>
-                  <a:txBody>
-                    <a:bodyPr/>
-                    <a:lstStyle/>
-                    <a:p>
-                      <a:r>
-                        <a:rPr lang="en-US" dirty="0">
-                          <a:effectLst/>
-                        </a:rPr>
-                        <a:t>A class should have one, and only one, reason to change.</a:t>
-                      </a:r>
-                    </a:p>
-                  </a:txBody>
-                  <a:tcPr marL="47625" marR="47625" marT="47625" marB="47625" anchor="ctr"/>
-                </a:tc>
-              </a:tr>
-              <a:tr h="0">
-                <a:tc>
-                  <a:txBody>
-                    <a:bodyPr/>
-                    <a:lstStyle/>
-                    <a:p>
-                      <a:r>
-                        <a:rPr lang="pt-BR" b="1" dirty="0">
-                          <a:effectLst/>
-                        </a:rPr>
-                        <a:t>O</a:t>
-                      </a:r>
-                      <a:r>
-                        <a:rPr lang="pt-BR" dirty="0">
-                          <a:effectLst/>
-                        </a:rPr>
-                        <a:t>CP</a:t>
-                      </a:r>
-                    </a:p>
-                  </a:txBody>
-                  <a:tcPr marL="47625" marR="47625" marT="47625" marB="47625" anchor="ctr"/>
-                </a:tc>
-                <a:tc>
-                  <a:txBody>
-                    <a:bodyPr/>
-                    <a:lstStyle/>
-                    <a:p>
-                      <a:r>
-                        <a:rPr lang="pt-BR" dirty="0" smtClean="0">
-                          <a:effectLst/>
-                        </a:rPr>
-                        <a:t>Open </a:t>
-                      </a:r>
-                      <a:r>
-                        <a:rPr lang="pt-BR" dirty="0" err="1">
-                          <a:effectLst/>
-                        </a:rPr>
-                        <a:t>Closed</a:t>
-                      </a:r>
-                      <a:r>
-                        <a:rPr lang="pt-BR" dirty="0">
-                          <a:effectLst/>
-                        </a:rPr>
-                        <a:t> </a:t>
-                      </a:r>
-                      <a:r>
-                        <a:rPr lang="pt-BR" dirty="0" err="1">
-                          <a:effectLst/>
-                        </a:rPr>
-                        <a:t>Principle</a:t>
-                      </a:r>
-                      <a:endParaRPr lang="pt-BR" dirty="0">
-                        <a:effectLst/>
-                      </a:endParaRPr>
-                    </a:p>
-                  </a:txBody>
-                  <a:tcPr marL="47625" marR="47625" marT="47625" marB="47625" anchor="ctr"/>
-                </a:tc>
-                <a:tc>
-                  <a:txBody>
-                    <a:bodyPr/>
-                    <a:lstStyle/>
-                    <a:p>
-                      <a:r>
-                        <a:rPr lang="en-US">
-                          <a:effectLst/>
-                        </a:rPr>
-                        <a:t>You should be able to extend a classes behavior, without modifying it.</a:t>
-                      </a:r>
-                    </a:p>
-                  </a:txBody>
-                  <a:tcPr marL="47625" marR="47625" marT="47625" marB="47625" anchor="ctr"/>
-                </a:tc>
-              </a:tr>
-              <a:tr h="0">
-                <a:tc>
-                  <a:txBody>
-                    <a:bodyPr/>
-                    <a:lstStyle/>
-                    <a:p>
-                      <a:r>
-                        <a:rPr lang="pt-BR" b="1" dirty="0">
-                          <a:effectLst/>
-                        </a:rPr>
-                        <a:t>L</a:t>
-                      </a:r>
-                      <a:r>
-                        <a:rPr lang="pt-BR" dirty="0">
-                          <a:effectLst/>
-                        </a:rPr>
-                        <a:t>SP</a:t>
-                      </a:r>
-                    </a:p>
-                  </a:txBody>
-                  <a:tcPr marL="47625" marR="47625" marT="47625" marB="47625" anchor="ctr"/>
-                </a:tc>
-                <a:tc>
-                  <a:txBody>
-                    <a:bodyPr/>
-                    <a:lstStyle/>
-                    <a:p>
-                      <a:r>
-                        <a:rPr lang="pt-BR" dirty="0" err="1" smtClean="0">
-                          <a:effectLst/>
-                        </a:rPr>
-                        <a:t>Liskov</a:t>
-                      </a:r>
-                      <a:r>
-                        <a:rPr lang="pt-BR" dirty="0" smtClean="0">
-                          <a:effectLst/>
-                        </a:rPr>
-                        <a:t> </a:t>
-                      </a:r>
-                      <a:r>
-                        <a:rPr lang="pt-BR" dirty="0" err="1">
-                          <a:effectLst/>
-                        </a:rPr>
-                        <a:t>Substitution</a:t>
-                      </a:r>
-                      <a:r>
-                        <a:rPr lang="pt-BR" dirty="0">
-                          <a:effectLst/>
-                        </a:rPr>
-                        <a:t> </a:t>
-                      </a:r>
-                      <a:r>
-                        <a:rPr lang="pt-BR" dirty="0" err="1">
-                          <a:effectLst/>
-                        </a:rPr>
-                        <a:t>Principle</a:t>
-                      </a:r>
-                      <a:endParaRPr lang="pt-BR" dirty="0">
-                        <a:effectLst/>
-                      </a:endParaRPr>
-                    </a:p>
-                  </a:txBody>
-                  <a:tcPr marL="47625" marR="47625" marT="47625" marB="47625" anchor="ctr"/>
-                </a:tc>
-                <a:tc>
-                  <a:txBody>
-                    <a:bodyPr/>
-                    <a:lstStyle/>
-                    <a:p>
-                      <a:r>
-                        <a:rPr lang="en-US">
-                          <a:effectLst/>
-                        </a:rPr>
-                        <a:t>Derived classes must be substitutable for their base classes.</a:t>
-                      </a:r>
-                    </a:p>
-                  </a:txBody>
-                  <a:tcPr marL="47625" marR="47625" marT="47625" marB="47625" anchor="ctr"/>
-                </a:tc>
-              </a:tr>
-              <a:tr h="0">
-                <a:tc>
-                  <a:txBody>
-                    <a:bodyPr/>
-                    <a:lstStyle/>
-                    <a:p>
-                      <a:r>
-                        <a:rPr lang="pt-BR" b="1" dirty="0">
-                          <a:effectLst/>
-                        </a:rPr>
-                        <a:t>I</a:t>
-                      </a:r>
-                      <a:r>
-                        <a:rPr lang="pt-BR" dirty="0">
-                          <a:effectLst/>
-                        </a:rPr>
-                        <a:t>SP</a:t>
-                      </a:r>
-                    </a:p>
-                  </a:txBody>
-                  <a:tcPr marL="47625" marR="47625" marT="47625" marB="47625" anchor="ctr"/>
-                </a:tc>
-                <a:tc>
-                  <a:txBody>
-                    <a:bodyPr/>
-                    <a:lstStyle/>
-                    <a:p>
-                      <a:r>
-                        <a:rPr lang="pt-BR" dirty="0" smtClean="0">
-                          <a:effectLst/>
-                        </a:rPr>
-                        <a:t>Interface </a:t>
-                      </a:r>
-                      <a:r>
-                        <a:rPr lang="pt-BR" dirty="0" err="1">
-                          <a:effectLst/>
-                        </a:rPr>
-                        <a:t>Segregation</a:t>
-                      </a:r>
-                      <a:r>
-                        <a:rPr lang="pt-BR" dirty="0">
-                          <a:effectLst/>
-                        </a:rPr>
-                        <a:t> </a:t>
-                      </a:r>
-                      <a:r>
-                        <a:rPr lang="pt-BR" dirty="0" err="1">
-                          <a:effectLst/>
-                        </a:rPr>
-                        <a:t>Principle</a:t>
-                      </a:r>
-                      <a:endParaRPr lang="pt-BR" dirty="0">
-                        <a:effectLst/>
-                      </a:endParaRPr>
-                    </a:p>
-                  </a:txBody>
-                  <a:tcPr marL="47625" marR="47625" marT="47625" marB="47625" anchor="ctr"/>
-                </a:tc>
-                <a:tc>
-                  <a:txBody>
-                    <a:bodyPr/>
-                    <a:lstStyle/>
-                    <a:p>
-                      <a:r>
-                        <a:rPr lang="en-US" dirty="0">
-                          <a:effectLst/>
-                        </a:rPr>
-                        <a:t>Make fine grained interfaces that are client specific.</a:t>
-                      </a:r>
-                    </a:p>
-                  </a:txBody>
-                  <a:tcPr marL="47625" marR="47625" marT="47625" marB="47625" anchor="ctr"/>
-                </a:tc>
-              </a:tr>
-              <a:tr h="0">
-                <a:tc>
-                  <a:txBody>
-                    <a:bodyPr/>
-                    <a:lstStyle/>
-                    <a:p>
-                      <a:r>
-                        <a:rPr lang="pt-BR" b="1" dirty="0">
-                          <a:effectLst/>
-                        </a:rPr>
-                        <a:t>D</a:t>
-                      </a:r>
-                      <a:r>
-                        <a:rPr lang="pt-BR" dirty="0">
-                          <a:effectLst/>
-                        </a:rPr>
-                        <a:t>IP</a:t>
-                      </a:r>
-                    </a:p>
-                  </a:txBody>
-                  <a:tcPr marL="47625" marR="47625" marT="47625" marB="47625" anchor="ctr"/>
-                </a:tc>
-                <a:tc>
-                  <a:txBody>
-                    <a:bodyPr/>
-                    <a:lstStyle/>
-                    <a:p>
-                      <a:r>
-                        <a:rPr lang="pt-BR" dirty="0" err="1" smtClean="0">
-                          <a:effectLst/>
-                        </a:rPr>
-                        <a:t>Dependency</a:t>
-                      </a:r>
-                      <a:r>
-                        <a:rPr lang="pt-BR" dirty="0" smtClean="0">
-                          <a:effectLst/>
-                        </a:rPr>
-                        <a:t> </a:t>
-                      </a:r>
-                      <a:r>
-                        <a:rPr lang="pt-BR" dirty="0" err="1">
-                          <a:effectLst/>
-                        </a:rPr>
-                        <a:t>Inversion</a:t>
-                      </a:r>
-                      <a:r>
-                        <a:rPr lang="pt-BR" dirty="0">
-                          <a:effectLst/>
-                        </a:rPr>
-                        <a:t> </a:t>
-                      </a:r>
-                      <a:r>
-                        <a:rPr lang="pt-BR" dirty="0" err="1">
-                          <a:effectLst/>
-                        </a:rPr>
-                        <a:t>Principle</a:t>
-                      </a:r>
-                      <a:endParaRPr lang="pt-BR" dirty="0">
-                        <a:effectLst/>
-                      </a:endParaRPr>
-                    </a:p>
-                  </a:txBody>
-                  <a:tcPr marL="47625" marR="47625" marT="47625" marB="47625" anchor="ctr"/>
-                </a:tc>
-                <a:tc>
-                  <a:txBody>
-                    <a:bodyPr/>
-                    <a:lstStyle/>
-                    <a:p>
-                      <a:r>
-                        <a:rPr lang="en-US" dirty="0">
-                          <a:effectLst/>
-                        </a:rPr>
-                        <a:t>Depend on abstractions, not on concretions.</a:t>
-                      </a:r>
-                    </a:p>
-                  </a:txBody>
-                  <a:tcPr marL="47625" marR="47625" marT="47625" marB="47625" anchor="ctr"/>
-                </a:tc>
-              </a:tr>
-            </a:tbl>
-          </a:graphicData>
-        </a:graphic>
-      </p:graphicFrame>
+          </p:nvPr>
+        </p:nvSpPr>
+        <p:spPr/>
+        <p:txBody>
+          <a:bodyPr>
+            <a:normAutofit lnSpcReduction="10000"/>
+          </a:bodyPr>
+          <a:lstStyle/>
+          <a:p>
+            <a:r>
+              <a:rPr lang="en-US" dirty="0" smtClean="0"/>
+              <a:t>Alta </a:t>
+            </a:r>
+            <a:r>
+              <a:rPr lang="en-US" dirty="0" err="1" smtClean="0"/>
+              <a:t>coesão</a:t>
+            </a:r>
+            <a:endParaRPr lang="en-US" dirty="0" smtClean="0"/>
+          </a:p>
+          <a:p>
+            <a:r>
+              <a:rPr lang="en-US" dirty="0" err="1" smtClean="0"/>
+              <a:t>Baixo</a:t>
+            </a:r>
+            <a:r>
+              <a:rPr lang="en-US" dirty="0" smtClean="0"/>
+              <a:t> </a:t>
+            </a:r>
+            <a:r>
+              <a:rPr lang="en-US" dirty="0" err="1" smtClean="0"/>
+              <a:t>acomplamento</a:t>
+            </a:r>
+            <a:r>
+              <a:rPr lang="en-US" dirty="0" smtClean="0"/>
+              <a:t> </a:t>
+            </a:r>
+          </a:p>
+          <a:p>
+            <a:pPr marL="0" indent="0">
+              <a:buNone/>
+            </a:pPr>
+            <a:endParaRPr lang="en-US" dirty="0" smtClean="0"/>
+          </a:p>
+          <a:p>
+            <a:r>
+              <a:rPr lang="en-US" dirty="0" smtClean="0"/>
+              <a:t>Como </a:t>
+            </a:r>
+            <a:r>
+              <a:rPr lang="en-US" dirty="0" err="1" smtClean="0"/>
+              <a:t>alcançar</a:t>
+            </a:r>
+            <a:r>
+              <a:rPr lang="en-US" dirty="0" smtClean="0"/>
+              <a:t> </a:t>
+            </a:r>
+            <a:r>
+              <a:rPr lang="en-US" dirty="0" err="1" smtClean="0"/>
+              <a:t>uma</a:t>
+            </a:r>
+            <a:r>
+              <a:rPr lang="en-US" dirty="0" smtClean="0"/>
+              <a:t> boa </a:t>
+            </a:r>
+            <a:r>
+              <a:rPr lang="en-US" dirty="0" err="1" smtClean="0"/>
+              <a:t>modelagem</a:t>
+            </a:r>
+            <a:r>
+              <a:rPr lang="en-US" dirty="0" smtClean="0"/>
+              <a:t>? </a:t>
+            </a:r>
+          </a:p>
+          <a:p>
+            <a:r>
+              <a:rPr lang="en-US" dirty="0" err="1" smtClean="0"/>
+              <a:t>Siga</a:t>
+            </a:r>
+            <a:r>
+              <a:rPr lang="en-US" dirty="0" smtClean="0"/>
+              <a:t> as </a:t>
+            </a:r>
+            <a:r>
+              <a:rPr lang="en-US" dirty="0" err="1" smtClean="0"/>
+              <a:t>praticas</a:t>
+            </a:r>
+            <a:r>
+              <a:rPr lang="en-US" dirty="0" smtClean="0"/>
+              <a:t> de </a:t>
+            </a:r>
+            <a:r>
+              <a:rPr lang="en-US" dirty="0" err="1" smtClean="0"/>
+              <a:t>programação</a:t>
+            </a:r>
+            <a:r>
+              <a:rPr lang="en-US" dirty="0" smtClean="0"/>
+              <a:t> da </a:t>
+            </a:r>
+            <a:r>
+              <a:rPr lang="en-US" dirty="0" err="1" smtClean="0"/>
+              <a:t>sua</a:t>
+            </a:r>
+            <a:r>
+              <a:rPr lang="en-US" dirty="0" smtClean="0"/>
+              <a:t> </a:t>
+            </a:r>
+            <a:r>
+              <a:rPr lang="en-US" dirty="0" err="1" smtClean="0"/>
+              <a:t>linguagem</a:t>
+            </a:r>
+            <a:r>
+              <a:rPr lang="en-US" dirty="0" smtClean="0"/>
+              <a:t> e framework </a:t>
+            </a:r>
+          </a:p>
+          <a:p>
+            <a:r>
+              <a:rPr lang="en-US" dirty="0" err="1" smtClean="0"/>
+              <a:t>Siga</a:t>
+            </a:r>
+            <a:r>
+              <a:rPr lang="en-US" dirty="0" smtClean="0"/>
+              <a:t> </a:t>
+            </a:r>
+            <a:r>
+              <a:rPr lang="en-US" dirty="0" err="1" smtClean="0"/>
+              <a:t>os</a:t>
+            </a:r>
+            <a:r>
+              <a:rPr lang="en-US" dirty="0" smtClean="0"/>
+              <a:t> </a:t>
+            </a:r>
+            <a:r>
+              <a:rPr lang="en-US" dirty="0" err="1" smtClean="0"/>
+              <a:t>princípios</a:t>
+            </a:r>
+            <a:r>
+              <a:rPr lang="en-US" dirty="0" smtClean="0"/>
+              <a:t> de </a:t>
+            </a:r>
+            <a:r>
+              <a:rPr lang="en-US" dirty="0" err="1" smtClean="0"/>
+              <a:t>modelagem</a:t>
+            </a:r>
+            <a:r>
+              <a:rPr lang="en-US" dirty="0" smtClean="0"/>
+              <a:t> de OO</a:t>
+            </a:r>
+          </a:p>
+          <a:p>
+            <a:r>
+              <a:rPr lang="en-US" dirty="0" smtClean="0"/>
+              <a:t>Use design patterns</a:t>
+            </a:r>
+            <a:endParaRPr lang="pt-BR" dirty="0"/>
+          </a:p>
+        </p:txBody>
+      </p:sp>
     </p:spTree>
     <p:extLst>
       <p:ext uri="{BB962C8B-B14F-4D97-AF65-F5344CB8AC3E}">
-        <p14:creationId xmlns:p14="http://schemas.microsoft.com/office/powerpoint/2010/main" val="3490128488"/>
+        <p14:creationId xmlns:p14="http://schemas.microsoft.com/office/powerpoint/2010/main" val="856746124"/>
       </p:ext>
     </p:extLst>
   </p:cSld>
@@ -4369,61 +7673,52 @@
         <p:spPr/>
         <p:txBody>
           <a:bodyPr>
-            <a:normAutofit/>
+            <a:normAutofit fontScale="90000"/>
           </a:bodyPr>
           <a:lstStyle/>
           <a:p>
             <a:r>
-              <a:rPr lang="pt-BR" dirty="0" smtClean="0">
-                <a:effectLst/>
-              </a:rPr>
-              <a:t>Single </a:t>
-            </a:r>
-            <a:r>
-              <a:rPr lang="pt-BR" dirty="0" err="1" smtClean="0">
-                <a:effectLst/>
-              </a:rPr>
-              <a:t>Responsibility</a:t>
-            </a:r>
-            <a:r>
-              <a:rPr lang="pt-BR" dirty="0" smtClean="0">
-                <a:effectLst/>
-              </a:rPr>
-              <a:t> </a:t>
-            </a:r>
-            <a:r>
-              <a:rPr lang="pt-BR" dirty="0" err="1" smtClean="0">
-                <a:effectLst/>
-              </a:rPr>
-              <a:t>Principle</a:t>
+              <a:rPr lang="pt-BR" dirty="0" smtClean="0"/>
+              <a:t>Princípios de</a:t>
+            </a:r>
+            <a:r>
+              <a:rPr lang="pt-BR" dirty="0"/>
+              <a:t> </a:t>
+            </a:r>
+            <a:r>
+              <a:rPr lang="pt-BR" dirty="0" smtClean="0"/>
+              <a:t>modelagem de classes</a:t>
             </a:r>
             <a:endParaRPr lang="pt-BR" dirty="0"/>
           </a:p>
         </p:txBody>
       </p:sp>
-      <p:sp>
-        <p:nvSpPr>
-          <p:cNvPr id="3" name="Espaço Reservado para Conteúdo 2"/>
-          <p:cNvSpPr>
-            <a:spLocks noGrp="1"/>
-          </p:cNvSpPr>
-          <p:nvPr>
-            <p:ph idx="1"/>
-          </p:nvPr>
-        </p:nvSpPr>
-        <p:spPr/>
-        <p:txBody>
-          <a:bodyPr/>
-          <a:lstStyle/>
-          <a:p>
-            <a:endParaRPr lang="pt-BR"/>
-          </a:p>
-        </p:txBody>
-      </p:sp>
+      <p:graphicFrame>
+        <p:nvGraphicFramePr>
+          <p:cNvPr id="4" name="Diagrama 3"/>
+          <p:cNvGraphicFramePr/>
+          <p:nvPr>
+            <p:extLst>
+              <p:ext uri="{D42A27DB-BD31-4B8C-83A1-F6EECF244321}">
+                <p14:modId xmlns:p14="http://schemas.microsoft.com/office/powerpoint/2010/main" val="490700146"/>
+              </p:ext>
+            </p:extLst>
+          </p:nvPr>
+        </p:nvGraphicFramePr>
+        <p:xfrm>
+          <a:off x="1475656" y="1844824"/>
+          <a:ext cx="6096000" cy="4064000"/>
+        </p:xfrm>
+        <a:graphic>
+          <a:graphicData uri="http://schemas.openxmlformats.org/drawingml/2006/diagram">
+            <dgm:relIds xmlns:dgm="http://schemas.openxmlformats.org/drawingml/2006/diagram" xmlns:r="http://schemas.openxmlformats.org/officeDocument/2006/relationships" r:dm="rId3" r:lo="rId4" r:qs="rId5" r:cs="rId6"/>
+          </a:graphicData>
+        </a:graphic>
+      </p:graphicFrame>
     </p:spTree>
     <p:extLst>
       <p:ext uri="{BB962C8B-B14F-4D97-AF65-F5344CB8AC3E}">
-        <p14:creationId xmlns:p14="http://schemas.microsoft.com/office/powerpoint/2010/main" val="941101679"/>
+        <p14:creationId xmlns:p14="http://schemas.microsoft.com/office/powerpoint/2010/main" val="3490128488"/>
       </p:ext>
     </p:extLst>
   </p:cSld>
@@ -4462,64 +7757,156 @@
         </p:nvSpPr>
         <p:spPr/>
         <p:txBody>
-          <a:bodyPr>
-            <a:normAutofit/>
-          </a:bodyPr>
-          <a:lstStyle/>
-          <a:p>
-            <a:r>
-              <a:rPr lang="pt-BR" dirty="0" smtClean="0">
-                <a:effectLst/>
-              </a:rPr>
-              <a:t>Open </a:t>
-            </a:r>
-            <a:r>
-              <a:rPr lang="pt-BR" dirty="0" err="1" smtClean="0">
-                <a:effectLst/>
-              </a:rPr>
-              <a:t>Closed</a:t>
-            </a:r>
-            <a:r>
-              <a:rPr lang="pt-BR" dirty="0" smtClean="0">
-                <a:effectLst/>
-              </a:rPr>
-              <a:t> </a:t>
-            </a:r>
-            <a:r>
-              <a:rPr lang="pt-BR" dirty="0" err="1" smtClean="0">
-                <a:effectLst/>
-              </a:rPr>
-              <a:t>Principle</a:t>
-            </a:r>
-            <a:endParaRPr lang="pt-BR" dirty="0">
-              <a:effectLst/>
-            </a:endParaRPr>
-          </a:p>
-        </p:txBody>
-      </p:sp>
-      <p:sp>
-        <p:nvSpPr>
-          <p:cNvPr id="3" name="Espaço Reservado para Conteúdo 2"/>
-          <p:cNvSpPr>
-            <a:spLocks noGrp="1"/>
-          </p:cNvSpPr>
-          <p:nvPr>
-            <p:ph idx="1"/>
-          </p:nvPr>
-        </p:nvSpPr>
-        <p:spPr/>
-        <p:txBody>
           <a:bodyPr/>
           <a:lstStyle/>
           <a:p>
-            <a:endParaRPr lang="pt-BR"/>
+            <a:r>
+              <a:rPr lang="pt-BR" dirty="0" smtClean="0"/>
+              <a:t>SRP: Single </a:t>
+            </a:r>
+            <a:r>
+              <a:rPr lang="pt-BR" dirty="0" err="1"/>
+              <a:t>Responsibility</a:t>
+            </a:r>
+            <a:r>
+              <a:rPr lang="pt-BR" dirty="0"/>
+              <a:t> </a:t>
+            </a:r>
+            <a:r>
+              <a:rPr lang="pt-BR" dirty="0" err="1"/>
+              <a:t>Principle</a:t>
+            </a:r>
+            <a:endParaRPr lang="pt-BR" dirty="0"/>
+          </a:p>
+        </p:txBody>
+      </p:sp>
+      <p:sp>
+        <p:nvSpPr>
+          <p:cNvPr id="3" name="Espaço Reservado para Conteúdo 2"/>
+          <p:cNvSpPr>
+            <a:spLocks noGrp="1"/>
+          </p:cNvSpPr>
+          <p:nvPr>
+            <p:ph idx="1"/>
+          </p:nvPr>
+        </p:nvSpPr>
+        <p:spPr/>
+        <p:txBody>
+          <a:bodyPr/>
+          <a:lstStyle/>
+          <a:p>
+            <a:r>
+              <a:rPr lang="pt-BR" dirty="0" smtClean="0"/>
+              <a:t>“</a:t>
+            </a:r>
+            <a:r>
+              <a:rPr lang="en-US" dirty="0"/>
+              <a:t>Uma </a:t>
+            </a:r>
+            <a:r>
+              <a:rPr lang="en-US" dirty="0" err="1"/>
+              <a:t>classe</a:t>
+            </a:r>
+            <a:r>
+              <a:rPr lang="en-US" dirty="0"/>
+              <a:t> </a:t>
+            </a:r>
+            <a:r>
+              <a:rPr lang="en-US" dirty="0" err="1"/>
+              <a:t>deve</a:t>
+            </a:r>
+            <a:r>
+              <a:rPr lang="en-US" dirty="0"/>
+              <a:t> </a:t>
+            </a:r>
+            <a:r>
+              <a:rPr lang="en-US" dirty="0" err="1"/>
+              <a:t>ter</a:t>
+            </a:r>
+            <a:r>
+              <a:rPr lang="en-US" dirty="0"/>
+              <a:t> </a:t>
+            </a:r>
+            <a:r>
+              <a:rPr lang="en-US" dirty="0" err="1"/>
+              <a:t>uma</a:t>
+            </a:r>
+            <a:r>
+              <a:rPr lang="en-US" dirty="0"/>
+              <a:t>, e </a:t>
+            </a:r>
+            <a:r>
+              <a:rPr lang="en-US" dirty="0" err="1"/>
+              <a:t>somente</a:t>
+            </a:r>
+            <a:r>
+              <a:rPr lang="en-US" dirty="0"/>
+              <a:t> </a:t>
+            </a:r>
+            <a:r>
+              <a:rPr lang="en-US" dirty="0" err="1"/>
+              <a:t>uma</a:t>
+            </a:r>
+            <a:r>
+              <a:rPr lang="en-US" dirty="0"/>
+              <a:t> </a:t>
+            </a:r>
+            <a:r>
+              <a:rPr lang="en-US" dirty="0" err="1"/>
+              <a:t>razão</a:t>
+            </a:r>
+            <a:r>
+              <a:rPr lang="en-US" dirty="0"/>
+              <a:t> para </a:t>
+            </a:r>
+            <a:r>
+              <a:rPr lang="en-US" dirty="0" err="1"/>
+              <a:t>mudar</a:t>
+            </a:r>
+            <a:r>
+              <a:rPr lang="en-US" dirty="0" smtClean="0"/>
+              <a:t>.</a:t>
+            </a:r>
+            <a:r>
+              <a:rPr lang="pt-BR" dirty="0" smtClean="0"/>
+              <a:t>” – </a:t>
+            </a:r>
+            <a:r>
+              <a:rPr lang="pt-BR" dirty="0" err="1" smtClean="0"/>
+              <a:t>Uncle</a:t>
+            </a:r>
+            <a:r>
+              <a:rPr lang="pt-BR" dirty="0" smtClean="0"/>
+              <a:t> Bob</a:t>
+            </a:r>
+          </a:p>
+          <a:p>
+            <a:r>
+              <a:rPr lang="pt-BR" dirty="0" smtClean="0"/>
+              <a:t>Benefício da alta coesão</a:t>
+            </a:r>
+          </a:p>
+          <a:p>
+            <a:r>
+              <a:rPr lang="pt-BR" dirty="0" smtClean="0"/>
+              <a:t>Não é fácil identificar responsabilidades diferentes.</a:t>
+            </a:r>
+          </a:p>
+          <a:p>
+            <a:endParaRPr lang="pt-BR" dirty="0"/>
+          </a:p>
+          <a:p>
+            <a:pPr marL="57150" indent="0">
+              <a:buNone/>
+            </a:pPr>
+            <a:endParaRPr lang="pt-BR" dirty="0"/>
           </a:p>
         </p:txBody>
       </p:sp>
     </p:spTree>
     <p:extLst>
       <p:ext uri="{BB962C8B-B14F-4D97-AF65-F5344CB8AC3E}">
-        <p14:creationId xmlns:p14="http://schemas.microsoft.com/office/powerpoint/2010/main" val="3690554409"/>
+        <p14:creationId xmlns:p14="http://schemas.microsoft.com/office/powerpoint/2010/main" val="2327629735"/>
       </p:ext>
     </p:extLst>
   </p:cSld>
@@ -4546,6 +7933,96 @@
           <a:chExt cx="0" cy="0"/>
         </a:xfrm>
       </p:grpSpPr>
+      <p:graphicFrame>
+        <p:nvGraphicFramePr>
+          <p:cNvPr id="17" name="Tabela 16"/>
+          <p:cNvGraphicFramePr>
+            <a:graphicFrameLocks noGrp="1"/>
+          </p:cNvGraphicFramePr>
+          <p:nvPr>
+            <p:extLst>
+              <p:ext uri="{D42A27DB-BD31-4B8C-83A1-F6EECF244321}">
+                <p14:modId xmlns:p14="http://schemas.microsoft.com/office/powerpoint/2010/main" val="2419342909"/>
+              </p:ext>
+            </p:extLst>
+          </p:nvPr>
+        </p:nvGraphicFramePr>
+        <p:xfrm>
+          <a:off x="251520" y="1556792"/>
+          <a:ext cx="8640960" cy="3384376"/>
+        </p:xfrm>
+        <a:graphic>
+          <a:graphicData uri="http://schemas.openxmlformats.org/drawingml/2006/table">
+            <a:tbl>
+              <a:tblPr firstRow="1" bandRow="1">
+                <a:tableStyleId>{5940675A-B579-460E-94D1-54222C63F5DA}</a:tableStyleId>
+              </a:tblPr>
+              <a:tblGrid>
+                <a:gridCol w="2880320"/>
+                <a:gridCol w="5760640"/>
+              </a:tblGrid>
+              <a:tr h="493485">
+                <a:tc>
+                  <a:txBody>
+                    <a:bodyPr/>
+                    <a:lstStyle/>
+                    <a:p>
+                      <a:pPr algn="ctr"/>
+                      <a:r>
+                        <a:rPr lang="pt-BR" dirty="0" smtClean="0"/>
+                        <a:t>Versão</a:t>
+                      </a:r>
+                      <a:r>
+                        <a:rPr lang="pt-BR" baseline="0" dirty="0" smtClean="0"/>
+                        <a:t> A</a:t>
+                      </a:r>
+                      <a:endParaRPr lang="pt-BR" dirty="0"/>
+                    </a:p>
+                  </a:txBody>
+                  <a:tcPr/>
+                </a:tc>
+                <a:tc>
+                  <a:txBody>
+                    <a:bodyPr/>
+                    <a:lstStyle/>
+                    <a:p>
+                      <a:pPr algn="ctr"/>
+                      <a:r>
+                        <a:rPr lang="pt-BR" dirty="0" smtClean="0"/>
+                        <a:t>Versão B</a:t>
+                      </a:r>
+                      <a:endParaRPr lang="pt-BR" dirty="0"/>
+                    </a:p>
+                  </a:txBody>
+                  <a:tcPr/>
+                </a:tc>
+              </a:tr>
+              <a:tr h="2890891">
+                <a:tc>
+                  <a:txBody>
+                    <a:bodyPr/>
+                    <a:lstStyle/>
+                    <a:p>
+                      <a:endParaRPr lang="pt-BR" dirty="0"/>
+                    </a:p>
+                  </a:txBody>
+                  <a:tcPr/>
+                </a:tc>
+                <a:tc>
+                  <a:txBody>
+                    <a:bodyPr/>
+                    <a:lstStyle/>
+                    <a:p>
+                      <a:endParaRPr lang="pt-BR" dirty="0"/>
+                    </a:p>
+                  </a:txBody>
+                  <a:tcPr/>
+                </a:tc>
+              </a:tr>
+            </a:tbl>
+          </a:graphicData>
+        </a:graphic>
+      </p:graphicFrame>
       <p:sp>
         <p:nvSpPr>
           <p:cNvPr id="2" name="Título 1"/>
@@ -4564,44 +8041,174 @@
           <a:lstStyle/>
           <a:p>
             <a:r>
-              <a:rPr lang="pt-BR" dirty="0" err="1" smtClean="0">
-                <a:effectLst/>
-              </a:rPr>
-              <a:t>Liskov</a:t>
-            </a:r>
-            <a:r>
-              <a:rPr lang="pt-BR" dirty="0" smtClean="0">
-                <a:effectLst/>
-              </a:rPr>
+              <a:rPr lang="pt-BR" dirty="0"/>
+              <a:t>SRP: Single </a:t>
+            </a:r>
+            <a:r>
+              <a:rPr lang="pt-BR" dirty="0" err="1"/>
+              <a:t>Responsibility</a:t>
+            </a:r>
+            <a:r>
+              <a:rPr lang="pt-BR" dirty="0"/>
               <a:t> </a:t>
             </a:r>
             <a:r>
-              <a:rPr lang="pt-BR" dirty="0" err="1" smtClean="0">
-                <a:effectLst/>
-              </a:rPr>
-              <a:t>Substitution</a:t>
-            </a:r>
-            <a:r>
-              <a:rPr lang="pt-BR" dirty="0" smtClean="0">
-                <a:effectLst/>
-              </a:rPr>
-              <a:t> </a:t>
-            </a:r>
-            <a:r>
-              <a:rPr lang="pt-BR" dirty="0" err="1" smtClean="0">
-                <a:effectLst/>
-              </a:rPr>
+              <a:rPr lang="pt-BR" dirty="0" err="1"/>
               <a:t>Principle</a:t>
             </a:r>
-            <a:endParaRPr lang="pt-BR" dirty="0">
-              <a:effectLst/>
-            </a:endParaRPr>
-          </a:p>
-        </p:txBody>
-      </p:sp>
-      <p:sp>
-        <p:nvSpPr>
-          <p:cNvPr id="3" name="Espaço Reservado para Conteúdo 2"/>
+            <a:endParaRPr lang="pt-BR" dirty="0"/>
+          </a:p>
+        </p:txBody>
+      </p:sp>
+      <p:pic>
+        <p:nvPicPr>
+          <p:cNvPr id="1029" name="Picture 5"/>
+          <p:cNvPicPr>
+            <a:picLocks noChangeAspect="1" noChangeArrowheads="1"/>
+          </p:cNvPicPr>
+          <p:nvPr/>
+        </p:nvPicPr>
+        <p:blipFill>
+          <a:blip r:embed="rId3">
+            <a:extLst>
+              <a:ext uri="{28A0092B-C50C-407E-A947-70E740481C1C}">
+                <a14:useLocalDpi xmlns:a14="http://schemas.microsoft.com/office/drawing/2010/main" val="0"/>
+              </a:ext>
+            </a:extLst>
+          </a:blip>
+          <a:srcRect/>
+          <a:stretch>
+            <a:fillRect/>
+          </a:stretch>
+        </p:blipFill>
+        <p:spPr bwMode="auto">
+          <a:xfrm>
+            <a:off x="395536" y="2708920"/>
+            <a:ext cx="2362200" cy="1247775"/>
+          </a:xfrm>
+          <a:prstGeom prst="rect">
+            <a:avLst/>
+          </a:prstGeom>
+          <a:noFill/>
+          <a:ln>
+            <a:noFill/>
+          </a:ln>
+          <a:extLst>
+            <a:ext uri="{909E8E84-426E-40DD-AFC4-6F175D3DCCD1}">
+              <a14:hiddenFill xmlns:a14="http://schemas.microsoft.com/office/drawing/2010/main">
+                <a:solidFill>
+                  <a:schemeClr val="accent1"/>
+                </a:solidFill>
+              </a14:hiddenFill>
+            </a:ext>
+            <a:ext uri="{91240B29-F687-4F45-9708-019B960494DF}">
+              <a14:hiddenLine xmlns:a14="http://schemas.microsoft.com/office/drawing/2010/main" w="9525">
+                <a:solidFill>
+                  <a:schemeClr val="tx1"/>
+                </a:solidFill>
+                <a:miter lim="800000"/>
+                <a:headEnd/>
+                <a:tailEnd/>
+              </a14:hiddenLine>
+            </a:ext>
+          </a:extLst>
+        </p:spPr>
+      </p:pic>
+      <p:pic>
+        <p:nvPicPr>
+          <p:cNvPr id="1030" name="Picture 6"/>
+          <p:cNvPicPr>
+            <a:picLocks noChangeAspect="1" noChangeArrowheads="1"/>
+          </p:cNvPicPr>
+          <p:nvPr/>
+        </p:nvPicPr>
+        <p:blipFill>
+          <a:blip r:embed="rId4">
+            <a:extLst>
+              <a:ext uri="{28A0092B-C50C-407E-A947-70E740481C1C}">
+                <a14:useLocalDpi xmlns:a14="http://schemas.microsoft.com/office/drawing/2010/main" val="0"/>
+              </a:ext>
+            </a:extLst>
+          </a:blip>
+          <a:srcRect/>
+          <a:stretch>
+            <a:fillRect/>
+          </a:stretch>
+        </p:blipFill>
+        <p:spPr bwMode="auto">
+          <a:xfrm>
+            <a:off x="3491880" y="2708920"/>
+            <a:ext cx="5067300" cy="2019300"/>
+          </a:xfrm>
+          <a:prstGeom prst="rect">
+            <a:avLst/>
+          </a:prstGeom>
+          <a:noFill/>
+          <a:ln>
+            <a:noFill/>
+          </a:ln>
+          <a:extLst>
+            <a:ext uri="{909E8E84-426E-40DD-AFC4-6F175D3DCCD1}">
+              <a14:hiddenFill xmlns:a14="http://schemas.microsoft.com/office/drawing/2010/main">
+                <a:solidFill>
+                  <a:schemeClr val="accent1"/>
+                </a:solidFill>
+              </a14:hiddenFill>
+            </a:ext>
+            <a:ext uri="{91240B29-F687-4F45-9708-019B960494DF}">
+              <a14:hiddenLine xmlns:a14="http://schemas.microsoft.com/office/drawing/2010/main" w="9525">
+                <a:solidFill>
+                  <a:schemeClr val="tx1"/>
+                </a:solidFill>
+                <a:miter lim="800000"/>
+                <a:headEnd/>
+                <a:tailEnd/>
+              </a14:hiddenLine>
+            </a:ext>
+          </a:extLst>
+        </p:spPr>
+      </p:pic>
+      <p:sp>
+        <p:nvSpPr>
+          <p:cNvPr id="19" name="Seta para a direita 18"/>
+          <p:cNvSpPr/>
+          <p:nvPr/>
+        </p:nvSpPr>
+        <p:spPr>
+          <a:xfrm>
+            <a:off x="2627784" y="4149080"/>
+            <a:ext cx="1224136" cy="579140"/>
+          </a:xfrm>
+          <a:prstGeom prst="rightArrow">
+            <a:avLst/>
+          </a:prstGeom>
+        </p:spPr>
+        <p:style>
+          <a:lnRef idx="1">
+            <a:schemeClr val="accent3"/>
+          </a:lnRef>
+          <a:fillRef idx="2">
+            <a:schemeClr val="accent3"/>
+          </a:fillRef>
+          <a:effectRef idx="1">
+            <a:schemeClr val="accent3"/>
+          </a:effectRef>
+          <a:fontRef idx="minor">
+            <a:schemeClr val="dk1"/>
+          </a:fontRef>
+        </p:style>
+        <p:txBody>
+          <a:bodyPr rtlCol="0" anchor="ctr"/>
+          <a:lstStyle/>
+          <a:p>
+            <a:pPr algn="ctr"/>
+            <a:endParaRPr lang="pt-BR"/>
+          </a:p>
+        </p:txBody>
+      </p:sp>
+      <p:sp>
+        <p:nvSpPr>
+          <p:cNvPr id="25" name="Espaço Reservado para Conteúdo 2"/>
           <p:cNvSpPr>
             <a:spLocks noGrp="1"/>
           </p:cNvSpPr>
@@ -4609,19 +8216,36 @@
             <p:ph idx="1"/>
           </p:nvPr>
         </p:nvSpPr>
-        <p:spPr/>
-        <p:txBody>
-          <a:bodyPr/>
+        <p:spPr>
+          <a:xfrm>
+            <a:off x="457200" y="5412357"/>
+            <a:ext cx="8229600" cy="824955"/>
+          </a:xfrm>
+        </p:spPr>
+        <p:txBody>
+          <a:bodyPr>
+            <a:normAutofit/>
+          </a:bodyPr>
           <a:lstStyle/>
           <a:p>
-            <a:endParaRPr lang="pt-BR"/>
+            <a:r>
+              <a:rPr lang="pt-BR" dirty="0" smtClean="0"/>
+              <a:t>Geralmente a versão B é um código melhor</a:t>
+            </a:r>
+            <a:endParaRPr lang="pt-BR" dirty="0"/>
+          </a:p>
+          <a:p>
+            <a:pPr marL="57150" indent="0">
+              <a:buNone/>
+            </a:pPr>
+            <a:endParaRPr lang="pt-BR" dirty="0"/>
           </a:p>
         </p:txBody>
       </p:sp>
     </p:spTree>
     <p:extLst>
       <p:ext uri="{BB962C8B-B14F-4D97-AF65-F5344CB8AC3E}">
-        <p14:creationId xmlns:p14="http://schemas.microsoft.com/office/powerpoint/2010/main" val="103673672"/>
+        <p14:creationId xmlns:p14="http://schemas.microsoft.com/office/powerpoint/2010/main" val="941101679"/>
       </p:ext>
     </p:extLst>
   </p:cSld>
@@ -4666,38 +8290,82 @@
           <a:lstStyle/>
           <a:p>
             <a:r>
-              <a:rPr lang="pt-BR" dirty="0" smtClean="0">
-                <a:effectLst/>
-              </a:rPr>
-              <a:t>Interface </a:t>
-            </a:r>
-            <a:r>
-              <a:rPr lang="pt-BR" dirty="0" err="1" smtClean="0">
-                <a:effectLst/>
-              </a:rPr>
-              <a:t>Segregation</a:t>
-            </a:r>
-            <a:r>
-              <a:rPr lang="pt-BR" dirty="0" smtClean="0">
-                <a:effectLst/>
-              </a:rPr>
+              <a:rPr lang="pt-BR" dirty="0"/>
+              <a:t>SRP: Single </a:t>
+            </a:r>
+            <a:r>
+              <a:rPr lang="pt-BR" dirty="0" err="1"/>
+              <a:t>Responsibility</a:t>
+            </a:r>
+            <a:r>
+              <a:rPr lang="pt-BR" dirty="0"/>
               <a:t> </a:t>
             </a:r>
             <a:r>
-              <a:rPr lang="pt-BR" dirty="0" err="1" smtClean="0">
-                <a:effectLst/>
-              </a:rPr>
+              <a:rPr lang="pt-BR" dirty="0" err="1"/>
               <a:t>Principle</a:t>
             </a:r>
-            <a:endParaRPr lang="pt-BR" dirty="0">
-              <a:effectLst/>
-            </a:endParaRPr>
-          </a:p>
-        </p:txBody>
-      </p:sp>
-      <p:sp>
-        <p:nvSpPr>
-          <p:cNvPr id="3" name="Espaço Reservado para Conteúdo 2"/>
+            <a:endParaRPr lang="pt-BR" dirty="0"/>
+          </a:p>
+        </p:txBody>
+      </p:sp>
+      <p:pic>
+        <p:nvPicPr>
+          <p:cNvPr id="3074" name="Picture 2"/>
+          <p:cNvPicPr>
+            <a:picLocks noChangeAspect="1" noChangeArrowheads="1"/>
+          </p:cNvPicPr>
+          <p:nvPr/>
+        </p:nvPicPr>
+        <p:blipFill>
+          <a:blip r:embed="rId2">
+            <a:extLst>
+              <a:ext uri="{28A0092B-C50C-407E-A947-70E740481C1C}">
+                <a14:useLocalDpi xmlns:a14="http://schemas.microsoft.com/office/drawing/2010/main" val="0"/>
+              </a:ext>
+            </a:extLst>
+          </a:blip>
+          <a:srcRect/>
+          <a:stretch>
+            <a:fillRect/>
+          </a:stretch>
+        </p:blipFill>
+        <p:spPr bwMode="auto">
+          <a:xfrm>
+            <a:off x="1907704" y="1615604"/>
+            <a:ext cx="4876800" cy="1485900"/>
+          </a:xfrm>
+          <a:prstGeom prst="rect">
+            <a:avLst/>
+          </a:prstGeom>
+          <a:noFill/>
+          <a:ln>
+            <a:noFill/>
+          </a:ln>
+          <a:extLst>
+            <a:ext uri="{909E8E84-426E-40DD-AFC4-6F175D3DCCD1}">
+              <a14:hiddenFill xmlns:a14="http://schemas.microsoft.com/office/drawing/2010/main">
+                <a:solidFill>
+                  <a:schemeClr val="accent1"/>
+                </a:solidFill>
+              </a14:hiddenFill>
+            </a:ext>
+            <a:ext uri="{91240B29-F687-4F45-9708-019B960494DF}">
+              <a14:hiddenLine xmlns:a14="http://schemas.microsoft.com/office/drawing/2010/main" w="9525">
+                <a:solidFill>
+                  <a:schemeClr val="tx1"/>
+                </a:solidFill>
+                <a:miter lim="800000"/>
+                <a:headEnd/>
+                <a:tailEnd/>
+              </a14:hiddenLine>
+            </a:ext>
+          </a:extLst>
+        </p:spPr>
+      </p:pic>
+      <p:sp>
+        <p:nvSpPr>
+          <p:cNvPr id="8" name="Espaço Reservado para Conteúdo 2"/>
           <p:cNvSpPr>
             <a:spLocks noGrp="1"/>
           </p:cNvSpPr>
@@ -4705,19 +8373,51 @@
             <p:ph idx="1"/>
           </p:nvPr>
         </p:nvSpPr>
-        <p:spPr/>
-        <p:txBody>
-          <a:bodyPr/>
+        <p:spPr>
+          <a:xfrm>
+            <a:off x="457200" y="3717032"/>
+            <a:ext cx="8229600" cy="2409131"/>
+          </a:xfrm>
+        </p:spPr>
+        <p:txBody>
+          <a:bodyPr>
+            <a:normAutofit fontScale="92500"/>
+          </a:bodyPr>
           <a:lstStyle/>
           <a:p>
-            <a:endParaRPr lang="pt-BR"/>
+            <a:r>
+              <a:rPr lang="pt-BR" dirty="0" smtClean="0"/>
+              <a:t>Violação do SRP.</a:t>
+            </a:r>
+            <a:endParaRPr lang="pt-BR" dirty="0"/>
+          </a:p>
+          <a:p>
+            <a:r>
+              <a:rPr lang="pt-BR" dirty="0" smtClean="0"/>
+              <a:t>Regras de negócio e Persistência quase sempre não devem se misturar.</a:t>
+            </a:r>
+          </a:p>
+          <a:p>
+            <a:r>
+              <a:rPr lang="pt-BR" dirty="0" smtClean="0"/>
+              <a:t>Regras de negócio mudam mais frequentemente.</a:t>
+            </a:r>
+          </a:p>
+          <a:p>
+            <a:endParaRPr lang="pt-BR" dirty="0"/>
+          </a:p>
+          <a:p>
+            <a:pPr marL="57150" indent="0">
+              <a:buNone/>
+            </a:pPr>
+            <a:endParaRPr lang="pt-BR" dirty="0"/>
           </a:p>
         </p:txBody>
       </p:sp>
     </p:spTree>
     <p:extLst>
       <p:ext uri="{BB962C8B-B14F-4D97-AF65-F5344CB8AC3E}">
-        <p14:creationId xmlns:p14="http://schemas.microsoft.com/office/powerpoint/2010/main" val="732507362"/>
+        <p14:creationId xmlns:p14="http://schemas.microsoft.com/office/powerpoint/2010/main" val="2284471846"/>
       </p:ext>
     </p:extLst>
   </p:cSld>
@@ -4756,70 +8456,64 @@
         </p:nvSpPr>
         <p:spPr/>
         <p:txBody>
-          <a:bodyPr>
-            <a:normAutofit/>
-          </a:bodyPr>
-          <a:lstStyle/>
-          <a:p>
-            <a:r>
-              <a:rPr lang="pt-BR" dirty="0" err="1" smtClean="0">
-                <a:effectLst/>
-              </a:rPr>
-              <a:t>Dependency</a:t>
-            </a:r>
-            <a:r>
-              <a:rPr lang="pt-BR" dirty="0" smtClean="0">
-                <a:effectLst/>
-              </a:rPr>
-              <a:t> </a:t>
-            </a:r>
-            <a:r>
-              <a:rPr lang="pt-BR" dirty="0" err="1" smtClean="0">
-                <a:effectLst/>
-              </a:rPr>
-              <a:t>Inversion</a:t>
-            </a:r>
-            <a:r>
-              <a:rPr lang="pt-BR" dirty="0" smtClean="0">
-                <a:effectLst/>
-              </a:rPr>
-              <a:t> </a:t>
-            </a:r>
-            <a:r>
-              <a:rPr lang="pt-BR" dirty="0" err="1" smtClean="0">
-                <a:effectLst/>
-              </a:rPr>
-              <a:t>Principle</a:t>
-            </a:r>
-            <a:endParaRPr lang="pt-BR" dirty="0">
-              <a:effectLst/>
-            </a:endParaRPr>
-          </a:p>
-        </p:txBody>
-      </p:sp>
-      <p:sp>
-        <p:nvSpPr>
-          <p:cNvPr id="3" name="Espaço Reservado para Conteúdo 2"/>
-          <p:cNvSpPr>
-            <a:spLocks noGrp="1"/>
-          </p:cNvSpPr>
-          <p:nvPr>
-            <p:ph idx="1"/>
-          </p:nvPr>
-        </p:nvSpPr>
-        <p:spPr/>
-        <p:txBody>
           <a:bodyPr/>
           <a:lstStyle/>
           <a:p>
-            <a:endParaRPr lang="pt-BR"/>
+            <a:r>
+              <a:rPr lang="pt-BR" dirty="0"/>
+              <a:t>SRP: Single </a:t>
+            </a:r>
+            <a:r>
+              <a:rPr lang="pt-BR" dirty="0" err="1"/>
+              <a:t>Responsibility</a:t>
+            </a:r>
+            <a:r>
+              <a:rPr lang="pt-BR" dirty="0"/>
+              <a:t> </a:t>
+            </a:r>
+            <a:r>
+              <a:rPr lang="pt-BR" dirty="0" err="1"/>
+              <a:t>Principle</a:t>
+            </a:r>
+            <a:endParaRPr lang="pt-BR" dirty="0"/>
+          </a:p>
+        </p:txBody>
+      </p:sp>
+      <p:sp>
+        <p:nvSpPr>
+          <p:cNvPr id="3" name="Espaço Reservado para Conteúdo 2"/>
+          <p:cNvSpPr>
+            <a:spLocks noGrp="1"/>
+          </p:cNvSpPr>
+          <p:nvPr>
+            <p:ph idx="1"/>
+          </p:nvPr>
+        </p:nvSpPr>
+        <p:spPr/>
+        <p:txBody>
+          <a:bodyPr/>
+          <a:lstStyle/>
+          <a:p>
+            <a:r>
+              <a:rPr lang="pt-BR" dirty="0" smtClean="0"/>
+              <a:t>É o princípio mais simples e a mais difícil de aplicar corretamente.</a:t>
+            </a:r>
+          </a:p>
+          <a:p>
+            <a:endParaRPr lang="pt-BR" dirty="0" smtClean="0"/>
+          </a:p>
+          <a:p>
+            <a:r>
+              <a:rPr lang="pt-BR" dirty="0" smtClean="0"/>
+              <a:t>Identificar e separar uma responsabilidade da outra é muito relevante na modelagem.</a:t>
+            </a:r>
           </a:p>
         </p:txBody>
       </p:sp>
     </p:spTree>
     <p:extLst>
       <p:ext uri="{BB962C8B-B14F-4D97-AF65-F5344CB8AC3E}">
-        <p14:creationId xmlns:p14="http://schemas.microsoft.com/office/powerpoint/2010/main" val="4283314889"/>
+        <p14:creationId xmlns:p14="http://schemas.microsoft.com/office/powerpoint/2010/main" val="756776270"/>
       </p:ext>
     </p:extLst>
   </p:cSld>
@@ -4858,183 +8552,509 @@
         </p:nvSpPr>
         <p:spPr/>
         <p:txBody>
-          <a:bodyPr/>
-          <a:lstStyle/>
-          <a:p>
-            <a:r>
-              <a:rPr lang="pt-BR" dirty="0" smtClean="0"/>
-              <a:t>Referências</a:t>
-            </a:r>
-            <a:endParaRPr lang="pt-BR" dirty="0"/>
-          </a:p>
-        </p:txBody>
-      </p:sp>
-      <p:sp>
-        <p:nvSpPr>
-          <p:cNvPr id="3" name="Espaço Reservado para Conteúdo 2"/>
-          <p:cNvSpPr>
-            <a:spLocks noGrp="1"/>
-          </p:cNvSpPr>
-          <p:nvPr>
-            <p:ph idx="1"/>
-          </p:nvPr>
-        </p:nvSpPr>
-        <p:spPr/>
-        <p:txBody>
           <a:bodyPr>
             <a:normAutofit/>
           </a:bodyPr>
           <a:lstStyle/>
           <a:p>
             <a:r>
+              <a:rPr lang="pt-BR" dirty="0" smtClean="0">
+                <a:effectLst/>
+              </a:rPr>
+              <a:t>OCP: Open </a:t>
+            </a:r>
+            <a:r>
+              <a:rPr lang="pt-BR" dirty="0" err="1" smtClean="0">
+                <a:effectLst/>
+              </a:rPr>
+              <a:t>Closed</a:t>
+            </a:r>
+            <a:r>
+              <a:rPr lang="pt-BR" dirty="0" smtClean="0">
+                <a:effectLst/>
+              </a:rPr>
+              <a:t> </a:t>
+            </a:r>
+            <a:r>
+              <a:rPr lang="pt-BR" dirty="0" err="1" smtClean="0">
+                <a:effectLst/>
+              </a:rPr>
+              <a:t>Principle</a:t>
+            </a:r>
+            <a:endParaRPr lang="pt-BR" dirty="0">
+              <a:effectLst/>
+            </a:endParaRPr>
+          </a:p>
+        </p:txBody>
+      </p:sp>
+      <p:sp>
+        <p:nvSpPr>
+          <p:cNvPr id="3" name="Espaço Reservado para Conteúdo 2"/>
+          <p:cNvSpPr>
+            <a:spLocks noGrp="1"/>
+          </p:cNvSpPr>
+          <p:nvPr>
+            <p:ph idx="1"/>
+          </p:nvPr>
+        </p:nvSpPr>
+        <p:spPr/>
+        <p:txBody>
+          <a:bodyPr/>
+          <a:lstStyle/>
+          <a:p>
+            <a:r>
+              <a:rPr lang="pt-BR" dirty="0"/>
+              <a:t>Você deve poder </a:t>
+            </a:r>
+            <a:r>
               <a:rPr lang="pt-BR" dirty="0" smtClean="0"/>
-              <a:t>The </a:t>
-            </a:r>
-            <a:r>
-              <a:rPr lang="pt-BR" dirty="0" err="1" smtClean="0"/>
-              <a:t>Principles</a:t>
+              <a:t>estender </a:t>
+            </a:r>
+            <a:r>
+              <a:rPr lang="pt-BR" dirty="0"/>
+              <a:t>o comportamento de uma classe, sem modificá-la</a:t>
             </a:r>
             <a:r>
               <a:rPr lang="pt-BR" dirty="0" smtClean="0"/>
-              <a:t> </a:t>
-            </a:r>
-            <a:r>
-              <a:rPr lang="pt-BR" dirty="0" err="1" smtClean="0"/>
-              <a:t>of</a:t>
-            </a:r>
-            <a:r>
-              <a:rPr lang="pt-BR" dirty="0" smtClean="0"/>
-              <a:t> OOD</a:t>
-            </a:r>
-            <a:br>
-              <a:rPr lang="pt-BR" dirty="0" smtClean="0"/>
-            </a:br>
-            <a:r>
-              <a:rPr lang="pt-BR" dirty="0" smtClean="0">
-                <a:hlinkClick r:id="rId2"/>
-              </a:rPr>
-              <a:t>http://</a:t>
-            </a:r>
-            <a:r>
-              <a:rPr lang="pt-BR" dirty="0" smtClean="0">
-                <a:hlinkClick r:id="rId2"/>
-              </a:rPr>
-              <a:t>butunclebob.com/ArticleS.UncleBob.PrinciplesOfOod</a:t>
-            </a:r>
-            <a:endParaRPr lang="pt-BR" dirty="0" smtClean="0"/>
-          </a:p>
-          <a:p>
-            <a:r>
-              <a:rPr lang="pt-BR" dirty="0" err="1" smtClean="0"/>
-              <a:t>Adaptive</a:t>
-            </a:r>
-            <a:r>
-              <a:rPr lang="pt-BR" dirty="0" smtClean="0"/>
-              <a:t> </a:t>
-            </a:r>
-            <a:r>
-              <a:rPr lang="pt-BR" dirty="0" err="1" smtClean="0"/>
-              <a:t>Code</a:t>
-            </a:r>
-            <a:r>
-              <a:rPr lang="pt-BR" dirty="0" smtClean="0"/>
-              <a:t> – </a:t>
-            </a:r>
-            <a:r>
-              <a:rPr lang="pt-BR" dirty="0" err="1" smtClean="0"/>
-              <a:t>Agile</a:t>
-            </a:r>
-            <a:r>
-              <a:rPr lang="pt-BR" dirty="0" smtClean="0"/>
-              <a:t> </a:t>
-            </a:r>
-            <a:r>
-              <a:rPr lang="pt-BR" dirty="0" err="1" smtClean="0"/>
-              <a:t>Coding</a:t>
-            </a:r>
-            <a:r>
-              <a:rPr lang="pt-BR" dirty="0" smtClean="0"/>
-              <a:t> </a:t>
-            </a:r>
-            <a:r>
-              <a:rPr lang="pt-BR" dirty="0" err="1" smtClean="0"/>
-              <a:t>with</a:t>
-            </a:r>
-            <a:r>
-              <a:rPr lang="pt-BR" dirty="0" smtClean="0"/>
-              <a:t> design </a:t>
-            </a:r>
-            <a:r>
-              <a:rPr lang="pt-BR" dirty="0" err="1" smtClean="0"/>
-              <a:t>patterns</a:t>
-            </a:r>
-            <a:r>
-              <a:rPr lang="pt-BR" dirty="0" smtClean="0"/>
-              <a:t> </a:t>
-            </a:r>
-            <a:r>
-              <a:rPr lang="pt-BR" dirty="0" err="1" smtClean="0"/>
-              <a:t>and</a:t>
-            </a:r>
-            <a:r>
-              <a:rPr lang="pt-BR" dirty="0" smtClean="0"/>
-              <a:t> SOLID </a:t>
-            </a:r>
-            <a:r>
-              <a:rPr lang="pt-BR" dirty="0" err="1" smtClean="0"/>
-              <a:t>principles</a:t>
-            </a:r>
-            <a:endParaRPr lang="pt-BR" dirty="0" smtClean="0"/>
-          </a:p>
-          <a:p>
-            <a:r>
-              <a:rPr lang="en-US" dirty="0"/>
-              <a:t>Solid </a:t>
-            </a:r>
-            <a:r>
-              <a:rPr lang="en-US" dirty="0" smtClean="0"/>
-              <a:t>Principles </a:t>
-            </a:r>
-            <a:r>
-              <a:rPr lang="en-US" dirty="0"/>
-              <a:t>of </a:t>
-            </a:r>
-            <a:r>
-              <a:rPr lang="en-US" dirty="0" smtClean="0"/>
-              <a:t>OO Design</a:t>
-            </a:r>
-            <a:br>
-              <a:rPr lang="en-US" dirty="0" smtClean="0"/>
-            </a:br>
-            <a:r>
-              <a:rPr lang="pt-BR" dirty="0" smtClean="0">
-                <a:hlinkClick r:id="rId3"/>
-              </a:rPr>
-              <a:t>https</a:t>
-            </a:r>
-            <a:r>
-              <a:rPr lang="pt-BR" dirty="0">
-                <a:hlinkClick r:id="rId3"/>
-              </a:rPr>
-              <a:t>://</a:t>
-            </a:r>
-            <a:r>
-              <a:rPr lang="pt-BR" dirty="0" smtClean="0">
-                <a:hlinkClick r:id="rId3"/>
-              </a:rPr>
-              <a:t>www.slideshare.net/confiz/solid-principles-of-oo-design-29397774</a:t>
-            </a:r>
-            <a:endParaRPr lang="pt-BR" dirty="0" smtClean="0"/>
-          </a:p>
-          <a:p>
-            <a:endParaRPr lang="pt-BR" dirty="0" smtClean="0"/>
+              <a:t>.</a:t>
+            </a:r>
+          </a:p>
+          <a:p>
+            <a:endParaRPr lang="pt-BR" dirty="0"/>
+          </a:p>
+          <a:p>
+            <a:endParaRPr lang="pt-BR" dirty="0"/>
           </a:p>
         </p:txBody>
       </p:sp>
     </p:spTree>
     <p:extLst>
       <p:ext uri="{BB962C8B-B14F-4D97-AF65-F5344CB8AC3E}">
-        <p14:creationId xmlns:p14="http://schemas.microsoft.com/office/powerpoint/2010/main" val="673801753"/>
+        <p14:creationId xmlns:p14="http://schemas.microsoft.com/office/powerpoint/2010/main" val="3690554409"/>
+      </p:ext>
+    </p:extLst>
+  </p:cSld>
+  <p:clrMapOvr>
+    <a:masterClrMapping/>
+  </p:clrMapOvr>
+</p:sld>
+</file>
+
+<file path=ppt/slides/slide18.xml><?xml version="1.0" encoding="utf-8"?>
+<p:sld xmlns:a="http://schemas.openxmlformats.org/drawingml/2006/main" xmlns:r="http://schemas.openxmlformats.org/officeDocument/2006/relationships" xmlns:p="http://schemas.openxmlformats.org/presentationml/2006/main">
+  <p:cSld>
+    <p:spTree>
+      <p:nvGrpSpPr>
+        <p:cNvPr id="1" name=""/>
+        <p:cNvGrpSpPr/>
+        <p:nvPr/>
+      </p:nvGrpSpPr>
+      <p:grpSpPr>
+        <a:xfrm>
+          <a:off x="0" y="0"/>
+          <a:ext cx="0" cy="0"/>
+          <a:chOff x="0" y="0"/>
+          <a:chExt cx="0" cy="0"/>
+        </a:xfrm>
+      </p:grpSpPr>
+      <p:sp>
+        <p:nvSpPr>
+          <p:cNvPr id="2" name="Título 1"/>
+          <p:cNvSpPr>
+            <a:spLocks noGrp="1"/>
+          </p:cNvSpPr>
+          <p:nvPr>
+            <p:ph type="title"/>
+          </p:nvPr>
+        </p:nvSpPr>
+        <p:spPr/>
+        <p:txBody>
+          <a:bodyPr>
+            <a:normAutofit/>
+          </a:bodyPr>
+          <a:lstStyle/>
+          <a:p>
+            <a:r>
+              <a:rPr lang="pt-BR" dirty="0" smtClean="0">
+                <a:effectLst/>
+              </a:rPr>
+              <a:t>OCP: Open </a:t>
+            </a:r>
+            <a:r>
+              <a:rPr lang="pt-BR" dirty="0" err="1" smtClean="0">
+                <a:effectLst/>
+              </a:rPr>
+              <a:t>Closed</a:t>
+            </a:r>
+            <a:r>
+              <a:rPr lang="pt-BR" dirty="0" smtClean="0">
+                <a:effectLst/>
+              </a:rPr>
+              <a:t> </a:t>
+            </a:r>
+            <a:r>
+              <a:rPr lang="pt-BR" dirty="0" err="1" smtClean="0">
+                <a:effectLst/>
+              </a:rPr>
+              <a:t>Principle</a:t>
+            </a:r>
+            <a:endParaRPr lang="pt-BR" dirty="0">
+              <a:effectLst/>
+            </a:endParaRPr>
+          </a:p>
+        </p:txBody>
+      </p:sp>
+      <p:sp>
+        <p:nvSpPr>
+          <p:cNvPr id="3" name="Espaço Reservado para Conteúdo 2"/>
+          <p:cNvSpPr>
+            <a:spLocks noGrp="1"/>
+          </p:cNvSpPr>
+          <p:nvPr>
+            <p:ph idx="1"/>
+          </p:nvPr>
+        </p:nvSpPr>
+        <p:spPr/>
+        <p:txBody>
+          <a:bodyPr/>
+          <a:lstStyle/>
+          <a:p>
+            <a:r>
+              <a:rPr lang="pt-BR" dirty="0" smtClean="0"/>
+              <a:t>Módulos aderentes ao OCP:</a:t>
+            </a:r>
+            <a:endParaRPr lang="pt-BR" dirty="0"/>
+          </a:p>
+          <a:p>
+            <a:pPr marL="514350" indent="-514350">
+              <a:buFont typeface="+mj-lt"/>
+              <a:buAutoNum type="arabicPeriod"/>
+            </a:pPr>
+            <a:r>
+              <a:rPr lang="pt-BR" dirty="0" smtClean="0"/>
+              <a:t>Abertos para extensão</a:t>
+            </a:r>
+          </a:p>
+          <a:p>
+            <a:pPr marL="914400" lvl="1" indent="-514350">
+              <a:buFont typeface="+mj-lt"/>
+              <a:buAutoNum type="arabicPeriod"/>
+            </a:pPr>
+            <a:r>
+              <a:rPr lang="pt-BR" dirty="0" smtClean="0"/>
+              <a:t>Podemos fazer a classe ter novos e diferentes comportamentos conforme os requisitos são alterados</a:t>
+            </a:r>
+            <a:endParaRPr lang="pt-BR" dirty="0"/>
+          </a:p>
+          <a:p>
+            <a:pPr marL="514350" indent="-514350">
+              <a:buFont typeface="+mj-lt"/>
+              <a:buAutoNum type="arabicPeriod"/>
+            </a:pPr>
+            <a:r>
+              <a:rPr lang="pt-BR" dirty="0" smtClean="0"/>
+              <a:t>Fechados para modificação</a:t>
+            </a:r>
+          </a:p>
+          <a:p>
+            <a:pPr marL="914400" lvl="1" indent="-514350">
+              <a:buFont typeface="+mj-lt"/>
+              <a:buAutoNum type="arabicPeriod"/>
+            </a:pPr>
+            <a:r>
+              <a:rPr lang="pt-BR" dirty="0" smtClean="0"/>
+              <a:t>O código fonte da classe é inviolável. Ninguém é permitido a realizar modificações.</a:t>
+            </a:r>
+          </a:p>
+          <a:p>
+            <a:endParaRPr lang="pt-BR" dirty="0"/>
+          </a:p>
+          <a:p>
+            <a:endParaRPr lang="pt-BR" dirty="0"/>
+          </a:p>
+        </p:txBody>
+      </p:sp>
+    </p:spTree>
+    <p:extLst>
+      <p:ext uri="{BB962C8B-B14F-4D97-AF65-F5344CB8AC3E}">
+        <p14:creationId xmlns:p14="http://schemas.microsoft.com/office/powerpoint/2010/main" val="1641742595"/>
+      </p:ext>
+    </p:extLst>
+  </p:cSld>
+  <p:clrMapOvr>
+    <a:masterClrMapping/>
+  </p:clrMapOvr>
+</p:sld>
+</file>
+
+<file path=ppt/slides/slide19.xml><?xml version="1.0" encoding="utf-8"?>
+<p:sld xmlns:a="http://schemas.openxmlformats.org/drawingml/2006/main" xmlns:r="http://schemas.openxmlformats.org/officeDocument/2006/relationships" xmlns:p="http://schemas.openxmlformats.org/presentationml/2006/main">
+  <p:cSld>
+    <p:spTree>
+      <p:nvGrpSpPr>
+        <p:cNvPr id="1" name=""/>
+        <p:cNvGrpSpPr/>
+        <p:nvPr/>
+      </p:nvGrpSpPr>
+      <p:grpSpPr>
+        <a:xfrm>
+          <a:off x="0" y="0"/>
+          <a:ext cx="0" cy="0"/>
+          <a:chOff x="0" y="0"/>
+          <a:chExt cx="0" cy="0"/>
+        </a:xfrm>
+      </p:grpSpPr>
+      <p:sp>
+        <p:nvSpPr>
+          <p:cNvPr id="2" name="Título 1"/>
+          <p:cNvSpPr>
+            <a:spLocks noGrp="1"/>
+          </p:cNvSpPr>
+          <p:nvPr>
+            <p:ph type="title"/>
+          </p:nvPr>
+        </p:nvSpPr>
+        <p:spPr/>
+        <p:txBody>
+          <a:bodyPr>
+            <a:normAutofit/>
+          </a:bodyPr>
+          <a:lstStyle/>
+          <a:p>
+            <a:r>
+              <a:rPr lang="pt-BR" dirty="0" smtClean="0">
+                <a:effectLst/>
+              </a:rPr>
+              <a:t>OCP: Open </a:t>
+            </a:r>
+            <a:r>
+              <a:rPr lang="pt-BR" dirty="0" err="1" smtClean="0">
+                <a:effectLst/>
+              </a:rPr>
+              <a:t>Closed</a:t>
+            </a:r>
+            <a:r>
+              <a:rPr lang="pt-BR" dirty="0" smtClean="0">
+                <a:effectLst/>
+              </a:rPr>
+              <a:t> </a:t>
+            </a:r>
+            <a:r>
+              <a:rPr lang="pt-BR" dirty="0" err="1" smtClean="0">
+                <a:effectLst/>
+              </a:rPr>
+              <a:t>Principle</a:t>
+            </a:r>
+            <a:endParaRPr lang="pt-BR" dirty="0">
+              <a:effectLst/>
+            </a:endParaRPr>
+          </a:p>
+        </p:txBody>
+      </p:sp>
+      <p:grpSp>
+        <p:nvGrpSpPr>
+          <p:cNvPr id="8" name="Grupo 7"/>
+          <p:cNvGrpSpPr/>
+          <p:nvPr/>
+        </p:nvGrpSpPr>
+        <p:grpSpPr>
+          <a:xfrm>
+            <a:off x="1691680" y="1744803"/>
+            <a:ext cx="5495925" cy="1010200"/>
+            <a:chOff x="1691680" y="1744803"/>
+            <a:chExt cx="5495925" cy="1010200"/>
+          </a:xfrm>
+        </p:grpSpPr>
+        <p:pic>
+          <p:nvPicPr>
+            <p:cNvPr id="4098" name="Picture 2"/>
+            <p:cNvPicPr>
+              <a:picLocks noChangeAspect="1" noChangeArrowheads="1"/>
+            </p:cNvPicPr>
+            <p:nvPr/>
+          </p:nvPicPr>
+          <p:blipFill>
+            <a:blip r:embed="rId2">
+              <a:extLst>
+                <a:ext uri="{28A0092B-C50C-407E-A947-70E740481C1C}">
+                  <a14:useLocalDpi xmlns:a14="http://schemas.microsoft.com/office/drawing/2010/main" val="0"/>
+                </a:ext>
+              </a:extLst>
+            </a:blip>
+            <a:srcRect/>
+            <a:stretch>
+              <a:fillRect/>
+            </a:stretch>
+          </p:blipFill>
+          <p:spPr bwMode="auto">
+            <a:xfrm>
+              <a:off x="1691680" y="2240653"/>
+              <a:ext cx="5495925" cy="514350"/>
+            </a:xfrm>
+            <a:prstGeom prst="rect">
+              <a:avLst/>
+            </a:prstGeom>
+            <a:noFill/>
+            <a:ln>
+              <a:noFill/>
+            </a:ln>
+            <a:extLst>
+              <a:ext uri="{909E8E84-426E-40DD-AFC4-6F175D3DCCD1}">
+                <a14:hiddenFill xmlns:a14="http://schemas.microsoft.com/office/drawing/2010/main">
+                  <a:solidFill>
+                    <a:schemeClr val="accent1"/>
+                  </a:solidFill>
+                </a14:hiddenFill>
+              </a:ext>
+              <a:ext uri="{91240B29-F687-4F45-9708-019B960494DF}">
+                <a14:hiddenLine xmlns:a14="http://schemas.microsoft.com/office/drawing/2010/main" w="9525">
+                  <a:solidFill>
+                    <a:schemeClr val="tx1"/>
+                  </a:solidFill>
+                  <a:miter lim="800000"/>
+                  <a:headEnd/>
+                  <a:tailEnd/>
+                </a14:hiddenLine>
+              </a:ext>
+            </a:extLst>
+          </p:spPr>
+        </p:pic>
+        <p:sp>
+          <p:nvSpPr>
+            <p:cNvPr id="6" name="Retângulo 5"/>
+            <p:cNvSpPr/>
+            <p:nvPr/>
+          </p:nvSpPr>
+          <p:spPr>
+            <a:xfrm>
+              <a:off x="2912686" y="1744803"/>
+              <a:ext cx="3053913" cy="369332"/>
+            </a:xfrm>
+            <a:prstGeom prst="rect">
+              <a:avLst/>
+            </a:prstGeom>
+          </p:spPr>
+          <p:txBody>
+            <a:bodyPr wrap="none">
+              <a:spAutoFit/>
+            </a:bodyPr>
+            <a:lstStyle/>
+            <a:p>
+              <a:r>
+                <a:rPr lang="pt-BR" u="sng" dirty="0"/>
+                <a:t>Cliente Fechado para Extensão</a:t>
+              </a:r>
+              <a:endParaRPr lang="pt-BR" u="sng" dirty="0"/>
+            </a:p>
+          </p:txBody>
+        </p:sp>
+      </p:grpSp>
+      <p:grpSp>
+        <p:nvGrpSpPr>
+          <p:cNvPr id="9" name="Grupo 8"/>
+          <p:cNvGrpSpPr/>
+          <p:nvPr/>
+        </p:nvGrpSpPr>
+        <p:grpSpPr>
+          <a:xfrm>
+            <a:off x="1706757" y="3933056"/>
+            <a:ext cx="5495925" cy="2097279"/>
+            <a:chOff x="1824037" y="4175107"/>
+            <a:chExt cx="5495925" cy="2097279"/>
+          </a:xfrm>
+        </p:grpSpPr>
+        <p:pic>
+          <p:nvPicPr>
+            <p:cNvPr id="4099" name="Picture 3"/>
+            <p:cNvPicPr>
+              <a:picLocks noChangeAspect="1" noChangeArrowheads="1"/>
+            </p:cNvPicPr>
+            <p:nvPr/>
+          </p:nvPicPr>
+          <p:blipFill>
+            <a:blip r:embed="rId3">
+              <a:extLst>
+                <a:ext uri="{28A0092B-C50C-407E-A947-70E740481C1C}">
+                  <a14:useLocalDpi xmlns:a14="http://schemas.microsoft.com/office/drawing/2010/main" val="0"/>
+                </a:ext>
+              </a:extLst>
+            </a:blip>
+            <a:srcRect/>
+            <a:stretch>
+              <a:fillRect/>
+            </a:stretch>
+          </p:blipFill>
+          <p:spPr bwMode="auto">
+            <a:xfrm>
+              <a:off x="1824037" y="4653136"/>
+              <a:ext cx="5495925" cy="1619250"/>
+            </a:xfrm>
+            <a:prstGeom prst="rect">
+              <a:avLst/>
+            </a:prstGeom>
+            <a:noFill/>
+            <a:ln>
+              <a:noFill/>
+            </a:ln>
+            <a:extLst>
+              <a:ext uri="{909E8E84-426E-40DD-AFC4-6F175D3DCCD1}">
+                <a14:hiddenFill xmlns:a14="http://schemas.microsoft.com/office/drawing/2010/main">
+                  <a:solidFill>
+                    <a:schemeClr val="accent1"/>
+                  </a:solidFill>
+                </a14:hiddenFill>
+              </a:ext>
+              <a:ext uri="{91240B29-F687-4F45-9708-019B960494DF}">
+                <a14:hiddenLine xmlns:a14="http://schemas.microsoft.com/office/drawing/2010/main" w="9525">
+                  <a:solidFill>
+                    <a:schemeClr val="tx1"/>
+                  </a:solidFill>
+                  <a:miter lim="800000"/>
+                  <a:headEnd/>
+                  <a:tailEnd/>
+                </a14:hiddenLine>
+              </a:ext>
+            </a:extLst>
+          </p:spPr>
+        </p:pic>
+        <p:sp>
+          <p:nvSpPr>
+            <p:cNvPr id="7" name="Retângulo 6"/>
+            <p:cNvSpPr/>
+            <p:nvPr/>
+          </p:nvSpPr>
+          <p:spPr>
+            <a:xfrm>
+              <a:off x="3178316" y="4175107"/>
+              <a:ext cx="2909194" cy="369332"/>
+            </a:xfrm>
+            <a:prstGeom prst="rect">
+              <a:avLst/>
+            </a:prstGeom>
+          </p:spPr>
+          <p:txBody>
+            <a:bodyPr wrap="none">
+              <a:spAutoFit/>
+            </a:bodyPr>
+            <a:lstStyle/>
+            <a:p>
+              <a:r>
+                <a:rPr lang="pt-BR" u="sng" dirty="0"/>
+                <a:t>Cliente Aberto para </a:t>
+              </a:r>
+              <a:r>
+                <a:rPr lang="pt-BR" u="sng" dirty="0" smtClean="0"/>
+                <a:t>Extensão</a:t>
+              </a:r>
+              <a:endParaRPr lang="pt-BR" u="sng" dirty="0"/>
+            </a:p>
+          </p:txBody>
+        </p:sp>
+      </p:grpSp>
+    </p:spTree>
+    <p:extLst>
+      <p:ext uri="{BB962C8B-B14F-4D97-AF65-F5344CB8AC3E}">
+        <p14:creationId xmlns:p14="http://schemas.microsoft.com/office/powerpoint/2010/main" val="1498012623"/>
       </p:ext>
     </p:extLst>
   </p:cSld>
@@ -5137,6 +9157,571 @@
     <p:extLst>
       <p:ext uri="{BB962C8B-B14F-4D97-AF65-F5344CB8AC3E}">
         <p14:creationId xmlns:p14="http://schemas.microsoft.com/office/powerpoint/2010/main" val="3954246393"/>
+      </p:ext>
+    </p:extLst>
+  </p:cSld>
+  <p:clrMapOvr>
+    <a:masterClrMapping/>
+  </p:clrMapOvr>
+</p:sld>
+</file>
+
+<file path=ppt/slides/slide20.xml><?xml version="1.0" encoding="utf-8"?>
+<p:sld xmlns:a="http://schemas.openxmlformats.org/drawingml/2006/main" xmlns:r="http://schemas.openxmlformats.org/officeDocument/2006/relationships" xmlns:p="http://schemas.openxmlformats.org/presentationml/2006/main">
+  <p:cSld>
+    <p:spTree>
+      <p:nvGrpSpPr>
+        <p:cNvPr id="1" name=""/>
+        <p:cNvGrpSpPr/>
+        <p:nvPr/>
+      </p:nvGrpSpPr>
+      <p:grpSpPr>
+        <a:xfrm>
+          <a:off x="0" y="0"/>
+          <a:ext cx="0" cy="0"/>
+          <a:chOff x="0" y="0"/>
+          <a:chExt cx="0" cy="0"/>
+        </a:xfrm>
+      </p:grpSpPr>
+      <p:sp>
+        <p:nvSpPr>
+          <p:cNvPr id="2" name="Título 1"/>
+          <p:cNvSpPr>
+            <a:spLocks noGrp="1"/>
+          </p:cNvSpPr>
+          <p:nvPr>
+            <p:ph type="title"/>
+          </p:nvPr>
+        </p:nvSpPr>
+        <p:spPr/>
+        <p:txBody>
+          <a:bodyPr>
+            <a:normAutofit/>
+          </a:bodyPr>
+          <a:lstStyle/>
+          <a:p>
+            <a:r>
+              <a:rPr lang="pt-BR" dirty="0" err="1" smtClean="0">
+                <a:effectLst/>
+              </a:rPr>
+              <a:t>Liskov</a:t>
+            </a:r>
+            <a:r>
+              <a:rPr lang="pt-BR" dirty="0" smtClean="0">
+                <a:effectLst/>
+              </a:rPr>
+              <a:t> </a:t>
+            </a:r>
+            <a:r>
+              <a:rPr lang="pt-BR" dirty="0" err="1" smtClean="0">
+                <a:effectLst/>
+              </a:rPr>
+              <a:t>Substitution</a:t>
+            </a:r>
+            <a:r>
+              <a:rPr lang="pt-BR" dirty="0" smtClean="0">
+                <a:effectLst/>
+              </a:rPr>
+              <a:t> </a:t>
+            </a:r>
+            <a:r>
+              <a:rPr lang="pt-BR" dirty="0" err="1" smtClean="0">
+                <a:effectLst/>
+              </a:rPr>
+              <a:t>Principle</a:t>
+            </a:r>
+            <a:endParaRPr lang="pt-BR" dirty="0">
+              <a:effectLst/>
+            </a:endParaRPr>
+          </a:p>
+        </p:txBody>
+      </p:sp>
+      <p:sp>
+        <p:nvSpPr>
+          <p:cNvPr id="3" name="Espaço Reservado para Conteúdo 2"/>
+          <p:cNvSpPr>
+            <a:spLocks noGrp="1"/>
+          </p:cNvSpPr>
+          <p:nvPr>
+            <p:ph idx="1"/>
+          </p:nvPr>
+        </p:nvSpPr>
+        <p:spPr/>
+        <p:txBody>
+          <a:bodyPr/>
+          <a:lstStyle/>
+          <a:p>
+            <a:r>
+              <a:rPr lang="pt-BR" dirty="0"/>
+              <a:t>As classes derivadas devem ser substituíveis por suas classes base.</a:t>
+            </a:r>
+            <a:endParaRPr lang="en-US" dirty="0"/>
+          </a:p>
+          <a:p>
+            <a:endParaRPr lang="pt-BR" dirty="0"/>
+          </a:p>
+        </p:txBody>
+      </p:sp>
+    </p:spTree>
+    <p:extLst>
+      <p:ext uri="{BB962C8B-B14F-4D97-AF65-F5344CB8AC3E}">
+        <p14:creationId xmlns:p14="http://schemas.microsoft.com/office/powerpoint/2010/main" val="103673672"/>
+      </p:ext>
+    </p:extLst>
+  </p:cSld>
+  <p:clrMapOvr>
+    <a:masterClrMapping/>
+  </p:clrMapOvr>
+</p:sld>
+</file>
+
+<file path=ppt/slides/slide21.xml><?xml version="1.0" encoding="utf-8"?>
+<p:sld xmlns:a="http://schemas.openxmlformats.org/drawingml/2006/main" xmlns:r="http://schemas.openxmlformats.org/officeDocument/2006/relationships" xmlns:p="http://schemas.openxmlformats.org/presentationml/2006/main">
+  <p:cSld>
+    <p:spTree>
+      <p:nvGrpSpPr>
+        <p:cNvPr id="1" name=""/>
+        <p:cNvGrpSpPr/>
+        <p:nvPr/>
+      </p:nvGrpSpPr>
+      <p:grpSpPr>
+        <a:xfrm>
+          <a:off x="0" y="0"/>
+          <a:ext cx="0" cy="0"/>
+          <a:chOff x="0" y="0"/>
+          <a:chExt cx="0" cy="0"/>
+        </a:xfrm>
+      </p:grpSpPr>
+      <p:sp>
+        <p:nvSpPr>
+          <p:cNvPr id="2" name="Título 1"/>
+          <p:cNvSpPr>
+            <a:spLocks noGrp="1"/>
+          </p:cNvSpPr>
+          <p:nvPr>
+            <p:ph type="title"/>
+          </p:nvPr>
+        </p:nvSpPr>
+        <p:spPr/>
+        <p:txBody>
+          <a:bodyPr>
+            <a:normAutofit/>
+          </a:bodyPr>
+          <a:lstStyle/>
+          <a:p>
+            <a:r>
+              <a:rPr lang="pt-BR" dirty="0" smtClean="0">
+                <a:effectLst/>
+              </a:rPr>
+              <a:t>Interface </a:t>
+            </a:r>
+            <a:r>
+              <a:rPr lang="pt-BR" dirty="0" err="1" smtClean="0">
+                <a:effectLst/>
+              </a:rPr>
+              <a:t>Segregation</a:t>
+            </a:r>
+            <a:r>
+              <a:rPr lang="pt-BR" dirty="0" smtClean="0">
+                <a:effectLst/>
+              </a:rPr>
+              <a:t> </a:t>
+            </a:r>
+            <a:r>
+              <a:rPr lang="pt-BR" dirty="0" err="1" smtClean="0">
+                <a:effectLst/>
+              </a:rPr>
+              <a:t>Principle</a:t>
+            </a:r>
+            <a:endParaRPr lang="pt-BR" dirty="0">
+              <a:effectLst/>
+            </a:endParaRPr>
+          </a:p>
+        </p:txBody>
+      </p:sp>
+      <p:sp>
+        <p:nvSpPr>
+          <p:cNvPr id="3" name="Espaço Reservado para Conteúdo 2"/>
+          <p:cNvSpPr>
+            <a:spLocks noGrp="1"/>
+          </p:cNvSpPr>
+          <p:nvPr>
+            <p:ph idx="1"/>
+          </p:nvPr>
+        </p:nvSpPr>
+        <p:spPr/>
+        <p:txBody>
+          <a:bodyPr/>
+          <a:lstStyle/>
+          <a:p>
+            <a:r>
+              <a:rPr lang="en-US" dirty="0" err="1"/>
+              <a:t>Crie</a:t>
+            </a:r>
+            <a:r>
+              <a:rPr lang="en-US" dirty="0"/>
+              <a:t> interfaces </a:t>
+            </a:r>
+            <a:r>
+              <a:rPr lang="en-US" dirty="0" err="1"/>
+              <a:t>pequenas</a:t>
+            </a:r>
+            <a:r>
+              <a:rPr lang="en-US" dirty="0"/>
+              <a:t> que </a:t>
+            </a:r>
+            <a:r>
+              <a:rPr lang="en-US" dirty="0" err="1"/>
+              <a:t>são</a:t>
+            </a:r>
+            <a:r>
+              <a:rPr lang="en-US" dirty="0"/>
+              <a:t> </a:t>
+            </a:r>
+            <a:r>
+              <a:rPr lang="en-US" dirty="0" err="1"/>
+              <a:t>específicas</a:t>
+            </a:r>
+            <a:r>
+              <a:rPr lang="en-US" dirty="0"/>
+              <a:t> para o </a:t>
+            </a:r>
+            <a:r>
+              <a:rPr lang="en-US" dirty="0" err="1"/>
+              <a:t>cliente</a:t>
+            </a:r>
+            <a:r>
+              <a:rPr lang="en-US" dirty="0"/>
+              <a:t>.</a:t>
+            </a:r>
+          </a:p>
+          <a:p>
+            <a:endParaRPr lang="pt-BR" dirty="0"/>
+          </a:p>
+        </p:txBody>
+      </p:sp>
+    </p:spTree>
+    <p:extLst>
+      <p:ext uri="{BB962C8B-B14F-4D97-AF65-F5344CB8AC3E}">
+        <p14:creationId xmlns:p14="http://schemas.microsoft.com/office/powerpoint/2010/main" val="732507362"/>
+      </p:ext>
+    </p:extLst>
+  </p:cSld>
+  <p:clrMapOvr>
+    <a:masterClrMapping/>
+  </p:clrMapOvr>
+</p:sld>
+</file>
+
+<file path=ppt/slides/slide22.xml><?xml version="1.0" encoding="utf-8"?>
+<p:sld xmlns:a="http://schemas.openxmlformats.org/drawingml/2006/main" xmlns:r="http://schemas.openxmlformats.org/officeDocument/2006/relationships" xmlns:p="http://schemas.openxmlformats.org/presentationml/2006/main">
+  <p:cSld>
+    <p:spTree>
+      <p:nvGrpSpPr>
+        <p:cNvPr id="1" name=""/>
+        <p:cNvGrpSpPr/>
+        <p:nvPr/>
+      </p:nvGrpSpPr>
+      <p:grpSpPr>
+        <a:xfrm>
+          <a:off x="0" y="0"/>
+          <a:ext cx="0" cy="0"/>
+          <a:chOff x="0" y="0"/>
+          <a:chExt cx="0" cy="0"/>
+        </a:xfrm>
+      </p:grpSpPr>
+      <p:sp>
+        <p:nvSpPr>
+          <p:cNvPr id="2" name="Título 1"/>
+          <p:cNvSpPr>
+            <a:spLocks noGrp="1"/>
+          </p:cNvSpPr>
+          <p:nvPr>
+            <p:ph type="title"/>
+          </p:nvPr>
+        </p:nvSpPr>
+        <p:spPr/>
+        <p:txBody>
+          <a:bodyPr>
+            <a:normAutofit/>
+          </a:bodyPr>
+          <a:lstStyle/>
+          <a:p>
+            <a:r>
+              <a:rPr lang="pt-BR" dirty="0" err="1" smtClean="0">
+                <a:effectLst/>
+              </a:rPr>
+              <a:t>Dependency</a:t>
+            </a:r>
+            <a:r>
+              <a:rPr lang="pt-BR" dirty="0" smtClean="0">
+                <a:effectLst/>
+              </a:rPr>
+              <a:t> </a:t>
+            </a:r>
+            <a:r>
+              <a:rPr lang="pt-BR" dirty="0" err="1" smtClean="0">
+                <a:effectLst/>
+              </a:rPr>
+              <a:t>Inversion</a:t>
+            </a:r>
+            <a:r>
+              <a:rPr lang="pt-BR" dirty="0" smtClean="0">
+                <a:effectLst/>
+              </a:rPr>
+              <a:t> </a:t>
+            </a:r>
+            <a:r>
+              <a:rPr lang="pt-BR" dirty="0" err="1" smtClean="0">
+                <a:effectLst/>
+              </a:rPr>
+              <a:t>Principle</a:t>
+            </a:r>
+            <a:endParaRPr lang="pt-BR" dirty="0">
+              <a:effectLst/>
+            </a:endParaRPr>
+          </a:p>
+        </p:txBody>
+      </p:sp>
+      <p:sp>
+        <p:nvSpPr>
+          <p:cNvPr id="3" name="Espaço Reservado para Conteúdo 2"/>
+          <p:cNvSpPr>
+            <a:spLocks noGrp="1"/>
+          </p:cNvSpPr>
+          <p:nvPr>
+            <p:ph idx="1"/>
+          </p:nvPr>
+        </p:nvSpPr>
+        <p:spPr/>
+        <p:txBody>
+          <a:bodyPr/>
+          <a:lstStyle/>
+          <a:p>
+            <a:r>
+              <a:rPr lang="pt-BR" dirty="0"/>
+              <a:t>Depender de abstrações, e não em implementações concretas.</a:t>
+            </a:r>
+            <a:endParaRPr lang="en-US" dirty="0"/>
+          </a:p>
+          <a:p>
+            <a:endParaRPr lang="pt-BR" dirty="0"/>
+          </a:p>
+        </p:txBody>
+      </p:sp>
+    </p:spTree>
+    <p:extLst>
+      <p:ext uri="{BB962C8B-B14F-4D97-AF65-F5344CB8AC3E}">
+        <p14:creationId xmlns:p14="http://schemas.microsoft.com/office/powerpoint/2010/main" val="4283314889"/>
+      </p:ext>
+    </p:extLst>
+  </p:cSld>
+  <p:clrMapOvr>
+    <a:masterClrMapping/>
+  </p:clrMapOvr>
+</p:sld>
+</file>
+
+<file path=ppt/slides/slide23.xml><?xml version="1.0" encoding="utf-8"?>
+<p:sld xmlns:a="http://schemas.openxmlformats.org/drawingml/2006/main" xmlns:r="http://schemas.openxmlformats.org/officeDocument/2006/relationships" xmlns:p="http://schemas.openxmlformats.org/presentationml/2006/main">
+  <p:cSld>
+    <p:spTree>
+      <p:nvGrpSpPr>
+        <p:cNvPr id="1" name=""/>
+        <p:cNvGrpSpPr/>
+        <p:nvPr/>
+      </p:nvGrpSpPr>
+      <p:grpSpPr>
+        <a:xfrm>
+          <a:off x="0" y="0"/>
+          <a:ext cx="0" cy="0"/>
+          <a:chOff x="0" y="0"/>
+          <a:chExt cx="0" cy="0"/>
+        </a:xfrm>
+      </p:grpSpPr>
+      <p:sp>
+        <p:nvSpPr>
+          <p:cNvPr id="2" name="Título 1"/>
+          <p:cNvSpPr>
+            <a:spLocks noGrp="1"/>
+          </p:cNvSpPr>
+          <p:nvPr>
+            <p:ph type="title"/>
+          </p:nvPr>
+        </p:nvSpPr>
+        <p:spPr/>
+        <p:txBody>
+          <a:bodyPr/>
+          <a:lstStyle/>
+          <a:p>
+            <a:r>
+              <a:rPr lang="pt-BR" dirty="0" smtClean="0"/>
+              <a:t>Referências</a:t>
+            </a:r>
+            <a:endParaRPr lang="pt-BR" dirty="0"/>
+          </a:p>
+        </p:txBody>
+      </p:sp>
+      <p:sp>
+        <p:nvSpPr>
+          <p:cNvPr id="3" name="Espaço Reservado para Conteúdo 2"/>
+          <p:cNvSpPr>
+            <a:spLocks noGrp="1"/>
+          </p:cNvSpPr>
+          <p:nvPr>
+            <p:ph idx="1"/>
+          </p:nvPr>
+        </p:nvSpPr>
+        <p:spPr/>
+        <p:txBody>
+          <a:bodyPr>
+            <a:normAutofit/>
+          </a:bodyPr>
+          <a:lstStyle/>
+          <a:p>
+            <a:r>
+              <a:rPr lang="pt-BR" dirty="0" smtClean="0"/>
+              <a:t>The </a:t>
+            </a:r>
+            <a:r>
+              <a:rPr lang="pt-BR" dirty="0" err="1" smtClean="0"/>
+              <a:t>Principles</a:t>
+            </a:r>
+            <a:r>
+              <a:rPr lang="pt-BR" dirty="0" smtClean="0"/>
+              <a:t> </a:t>
+            </a:r>
+            <a:r>
+              <a:rPr lang="pt-BR" dirty="0" err="1" smtClean="0"/>
+              <a:t>of</a:t>
+            </a:r>
+            <a:r>
+              <a:rPr lang="pt-BR" dirty="0" smtClean="0"/>
+              <a:t> OOD</a:t>
+            </a:r>
+            <a:br>
+              <a:rPr lang="pt-BR" dirty="0" smtClean="0"/>
+            </a:br>
+            <a:r>
+              <a:rPr lang="pt-BR" dirty="0" smtClean="0">
+                <a:hlinkClick r:id="rId2"/>
+              </a:rPr>
+              <a:t>http://butunclebob.com/ArticleS.UncleBob.PrinciplesOfOod</a:t>
+            </a:r>
+            <a:endParaRPr lang="pt-BR" dirty="0" smtClean="0"/>
+          </a:p>
+          <a:p>
+            <a:r>
+              <a:rPr lang="pt-BR" dirty="0" err="1" smtClean="0"/>
+              <a:t>Adaptive</a:t>
+            </a:r>
+            <a:r>
+              <a:rPr lang="pt-BR" dirty="0" smtClean="0"/>
+              <a:t> </a:t>
+            </a:r>
+            <a:r>
+              <a:rPr lang="pt-BR" dirty="0" err="1" smtClean="0"/>
+              <a:t>Code</a:t>
+            </a:r>
+            <a:r>
+              <a:rPr lang="pt-BR" dirty="0" smtClean="0"/>
+              <a:t> – </a:t>
+            </a:r>
+            <a:r>
+              <a:rPr lang="pt-BR" dirty="0" err="1" smtClean="0"/>
+              <a:t>Agile</a:t>
+            </a:r>
+            <a:r>
+              <a:rPr lang="pt-BR" dirty="0" smtClean="0"/>
+              <a:t> </a:t>
+            </a:r>
+            <a:r>
+              <a:rPr lang="pt-BR" dirty="0" err="1" smtClean="0"/>
+              <a:t>Coding</a:t>
+            </a:r>
+            <a:r>
+              <a:rPr lang="pt-BR" dirty="0" smtClean="0"/>
+              <a:t> </a:t>
+            </a:r>
+            <a:r>
+              <a:rPr lang="pt-BR" dirty="0" err="1" smtClean="0"/>
+              <a:t>with</a:t>
+            </a:r>
+            <a:r>
+              <a:rPr lang="pt-BR" dirty="0" smtClean="0"/>
+              <a:t> design </a:t>
+            </a:r>
+            <a:r>
+              <a:rPr lang="pt-BR" dirty="0" err="1" smtClean="0"/>
+              <a:t>patterns</a:t>
+            </a:r>
+            <a:r>
+              <a:rPr lang="pt-BR" dirty="0" smtClean="0"/>
+              <a:t> </a:t>
+            </a:r>
+            <a:r>
+              <a:rPr lang="pt-BR" dirty="0" err="1" smtClean="0"/>
+              <a:t>and</a:t>
+            </a:r>
+            <a:r>
+              <a:rPr lang="pt-BR" dirty="0" smtClean="0"/>
+              <a:t> SOLID </a:t>
+            </a:r>
+            <a:r>
+              <a:rPr lang="pt-BR" dirty="0" err="1" smtClean="0"/>
+              <a:t>principles</a:t>
+            </a:r>
+            <a:endParaRPr lang="pt-BR" dirty="0" smtClean="0"/>
+          </a:p>
+          <a:p>
+            <a:r>
+              <a:rPr lang="en-US" dirty="0"/>
+              <a:t>Solid </a:t>
+            </a:r>
+            <a:r>
+              <a:rPr lang="en-US" dirty="0" smtClean="0"/>
+              <a:t>Principles </a:t>
+            </a:r>
+            <a:r>
+              <a:rPr lang="en-US" dirty="0"/>
+              <a:t>of </a:t>
+            </a:r>
+            <a:r>
+              <a:rPr lang="en-US" dirty="0" smtClean="0"/>
+              <a:t>OO Design</a:t>
+            </a:r>
+            <a:br>
+              <a:rPr lang="en-US" dirty="0" smtClean="0"/>
+            </a:br>
+            <a:r>
+              <a:rPr lang="pt-BR" dirty="0" smtClean="0">
+                <a:hlinkClick r:id="rId3"/>
+              </a:rPr>
+              <a:t>https</a:t>
+            </a:r>
+            <a:r>
+              <a:rPr lang="pt-BR" dirty="0">
+                <a:hlinkClick r:id="rId3"/>
+              </a:rPr>
+              <a:t>://</a:t>
+            </a:r>
+            <a:r>
+              <a:rPr lang="pt-BR" dirty="0" smtClean="0">
+                <a:hlinkClick r:id="rId3"/>
+              </a:rPr>
+              <a:t>www.slideshare.net/confiz/solid-principles-of-oo-design-29397774</a:t>
+            </a:r>
+            <a:endParaRPr lang="pt-BR" dirty="0" smtClean="0"/>
+          </a:p>
+          <a:p>
+            <a:endParaRPr lang="pt-BR" dirty="0" smtClean="0"/>
+          </a:p>
+        </p:txBody>
+      </p:sp>
+    </p:spTree>
+    <p:extLst>
+      <p:ext uri="{BB962C8B-B14F-4D97-AF65-F5344CB8AC3E}">
+        <p14:creationId xmlns:p14="http://schemas.microsoft.com/office/powerpoint/2010/main" val="673801753"/>
       </p:ext>
     </p:extLst>
   </p:cSld>
